--- a/Presentation.pptx
+++ b/Presentation.pptx
@@ -10,9 +10,12 @@
     <p:sldId id="258" r:id="rId4"/>
     <p:sldId id="259" r:id="rId5"/>
     <p:sldId id="260" r:id="rId6"/>
-    <p:sldId id="262" r:id="rId7"/>
-    <p:sldId id="261" r:id="rId8"/>
-    <p:sldId id="263" r:id="rId9"/>
+    <p:sldId id="265" r:id="rId7"/>
+    <p:sldId id="266" r:id="rId8"/>
+    <p:sldId id="262" r:id="rId9"/>
+    <p:sldId id="261" r:id="rId10"/>
+    <p:sldId id="263" r:id="rId11"/>
+    <p:sldId id="264" r:id="rId12"/>
   </p:sldIdLst>
   <p:sldSz cx="12192000" cy="6858000"/>
   <p:notesSz cx="6858000" cy="9144000"/>
@@ -123,6 +126,8 @@
 <p1510:revInfo xmlns:a="http://schemas.openxmlformats.org/drawingml/2006/main" xmlns:r="http://schemas.openxmlformats.org/officeDocument/2006/relationships" xmlns:p1510="http://schemas.microsoft.com/office/powerpoint/2015/10/main">
   <p1510:revLst>
     <p1510:client id="{A2015CC1-AD80-4D67-93C5-6172D29A789D}" v="366" dt="2023-01-17T19:16:33.831"/>
+    <p1510:client id="{B5536738-2BF7-40E9-B25C-53EB12777241}" v="40" dt="2023-01-18T18:57:32.573"/>
+    <p1510:client id="{C0C9C4A6-BF36-4CCE-9666-76CC2D2B6D40}" v="142" dt="2023-01-18T19:23:55.995"/>
   </p1510:revLst>
 </p1510:revInfo>
 </file>
@@ -2474,7 +2479,7 @@
           <a:p>
             <a:fld id="{3C04E684-10F4-4CC3-A0B9-F03AA7BE37CF}" type="datetimeFigureOut">
               <a:rPr lang="en-US" smtClean="0"/>
-              <a:t>1/17/2023</a:t>
+              <a:t>1/18/2023</a:t>
             </a:fld>
             <a:endParaRPr lang="en-US"/>
           </a:p>
@@ -4964,7 +4969,7 @@
           <a:p>
             <a:fld id="{3C04E684-10F4-4CC3-A0B9-F03AA7BE37CF}" type="datetimeFigureOut">
               <a:rPr lang="en-US" smtClean="0"/>
-              <a:t>1/17/2023</a:t>
+              <a:t>1/18/2023</a:t>
             </a:fld>
             <a:endParaRPr lang="en-US"/>
           </a:p>
@@ -5162,7 +5167,7 @@
           <a:p>
             <a:fld id="{3C04E684-10F4-4CC3-A0B9-F03AA7BE37CF}" type="datetimeFigureOut">
               <a:rPr lang="en-US" smtClean="0"/>
-              <a:t>1/17/2023</a:t>
+              <a:t>1/18/2023</a:t>
             </a:fld>
             <a:endParaRPr lang="en-US"/>
           </a:p>
@@ -5370,7 +5375,7 @@
           <a:p>
             <a:fld id="{3C04E684-10F4-4CC3-A0B9-F03AA7BE37CF}" type="datetimeFigureOut">
               <a:rPr lang="en-US" smtClean="0"/>
-              <a:t>1/17/2023</a:t>
+              <a:t>1/18/2023</a:t>
             </a:fld>
             <a:endParaRPr lang="en-US"/>
           </a:p>
@@ -6107,7 +6112,7 @@
           <a:p>
             <a:fld id="{3C04E684-10F4-4CC3-A0B9-F03AA7BE37CF}" type="datetimeFigureOut">
               <a:rPr lang="en-US" smtClean="0"/>
-              <a:t>1/17/2023</a:t>
+              <a:t>1/18/2023</a:t>
             </a:fld>
             <a:endParaRPr lang="en-US"/>
           </a:p>
@@ -6749,7 +6754,7 @@
           <a:p>
             <a:fld id="{3C04E684-10F4-4CC3-A0B9-F03AA7BE37CF}" type="datetimeFigureOut">
               <a:rPr lang="en-US" smtClean="0"/>
-              <a:t>1/17/2023</a:t>
+              <a:t>1/18/2023</a:t>
             </a:fld>
             <a:endParaRPr lang="en-US"/>
           </a:p>
@@ -7549,7 +7554,7 @@
           <a:p>
             <a:fld id="{3C04E684-10F4-4CC3-A0B9-F03AA7BE37CF}" type="datetimeFigureOut">
               <a:rPr lang="en-US" smtClean="0"/>
-              <a:t>1/17/2023</a:t>
+              <a:t>1/18/2023</a:t>
             </a:fld>
             <a:endParaRPr lang="en-US"/>
           </a:p>
@@ -8500,7 +8505,7 @@
           <a:p>
             <a:fld id="{3C04E684-10F4-4CC3-A0B9-F03AA7BE37CF}" type="datetimeFigureOut">
               <a:rPr lang="en-US" smtClean="0"/>
-              <a:t>1/17/2023</a:t>
+              <a:t>1/18/2023</a:t>
             </a:fld>
             <a:endParaRPr lang="en-US"/>
           </a:p>
@@ -10849,7 +10854,7 @@
           <a:p>
             <a:fld id="{3C04E684-10F4-4CC3-A0B9-F03AA7BE37CF}" type="datetimeFigureOut">
               <a:rPr lang="en-US" smtClean="0"/>
-              <a:t>1/17/2023</a:t>
+              <a:t>1/18/2023</a:t>
             </a:fld>
             <a:endParaRPr lang="en-US"/>
           </a:p>
@@ -10962,7 +10967,7 @@
           <a:p>
             <a:fld id="{3C04E684-10F4-4CC3-A0B9-F03AA7BE37CF}" type="datetimeFigureOut">
               <a:rPr lang="en-US" smtClean="0"/>
-              <a:t>1/17/2023</a:t>
+              <a:t>1/18/2023</a:t>
             </a:fld>
             <a:endParaRPr lang="en-US"/>
           </a:p>
@@ -11469,7 +11474,7 @@
           <a:p>
             <a:fld id="{3C04E684-10F4-4CC3-A0B9-F03AA7BE37CF}" type="datetimeFigureOut">
               <a:rPr lang="en-US" smtClean="0"/>
-              <a:t>1/17/2023</a:t>
+              <a:t>1/18/2023</a:t>
             </a:fld>
             <a:endParaRPr lang="en-US"/>
           </a:p>
@@ -12772,7 +12777,7 @@
           <a:p>
             <a:fld id="{3C04E684-10F4-4CC3-A0B9-F03AA7BE37CF}" type="datetimeFigureOut">
               <a:rPr lang="en-US" smtClean="0"/>
-              <a:t>1/17/2023</a:t>
+              <a:t>1/18/2023</a:t>
             </a:fld>
             <a:endParaRPr lang="en-US"/>
           </a:p>
@@ -13019,7 +13024,7 @@
           <a:p>
             <a:fld id="{3C04E684-10F4-4CC3-A0B9-F03AA7BE37CF}" type="datetimeFigureOut">
               <a:rPr lang="en-US" smtClean="0"/>
-              <a:t>1/17/2023</a:t>
+              <a:t>1/18/2023</a:t>
             </a:fld>
             <a:endParaRPr lang="en-US"/>
           </a:p>
@@ -14115,6 +14120,1339 @@
 </p:sld>
 </file>
 
+<file path=ppt/slides/slide10.xml><?xml version="1.0" encoding="utf-8"?>
+<p:sld xmlns:a="http://schemas.openxmlformats.org/drawingml/2006/main" xmlns:r="http://schemas.openxmlformats.org/officeDocument/2006/relationships" xmlns:p="http://schemas.openxmlformats.org/presentationml/2006/main">
+  <p:cSld>
+    <p:bg>
+      <p:bgPr>
+        <a:solidFill>
+          <a:schemeClr val="bg1"/>
+        </a:solidFill>
+        <a:effectLst/>
+      </p:bgPr>
+    </p:bg>
+    <p:spTree>
+      <p:nvGrpSpPr>
+        <p:cNvPr id="1" name=""/>
+        <p:cNvGrpSpPr/>
+        <p:nvPr/>
+      </p:nvGrpSpPr>
+      <p:grpSpPr>
+        <a:xfrm>
+          <a:off x="0" y="0"/>
+          <a:ext cx="0" cy="0"/>
+          <a:chOff x="0" y="0"/>
+          <a:chExt cx="0" cy="0"/>
+        </a:xfrm>
+      </p:grpSpPr>
+      <p:sp useBgFill="1">
+        <p:nvSpPr>
+          <p:cNvPr id="8" name="Rectangle 7">
+            <a:extLst>
+              <a:ext uri="{FF2B5EF4-FFF2-40B4-BE49-F238E27FC236}">
+                <a16:creationId xmlns:a16="http://schemas.microsoft.com/office/drawing/2014/main" id="{FBE20309-1FB9-4818-BAFA-9C4C0534178B}"/>
+              </a:ext>
+              <a:ext uri="{C183D7F6-B498-43B3-948B-1728B52AA6E4}">
+                <adec:decorative xmlns:adec="http://schemas.microsoft.com/office/drawing/2017/decorative" val="1"/>
+              </a:ext>
+            </a:extLst>
+          </p:cNvPr>
+          <p:cNvSpPr>
+            <a:spLocks noGrp="1" noRot="1" noChangeAspect="1" noMove="1" noResize="1" noEditPoints="1" noAdjustHandles="1" noChangeArrowheads="1" noChangeShapeType="1" noTextEdit="1"/>
+          </p:cNvSpPr>
+          <p:nvPr>
+            <p:extLst>
+              <p:ext uri="{386F3935-93C4-4BCD-93E2-E3B085C9AB24}">
+                <p16:designElem xmlns:p16="http://schemas.microsoft.com/office/powerpoint/2015/main" val="1"/>
+              </p:ext>
+            </p:extLst>
+          </p:nvPr>
+        </p:nvSpPr>
+        <p:spPr>
+          <a:xfrm>
+            <a:off x="0" y="0"/>
+            <a:ext cx="12188952" cy="6858000"/>
+          </a:xfrm>
+          <a:prstGeom prst="rect">
+            <a:avLst/>
+          </a:prstGeom>
+          <a:ln>
+            <a:noFill/>
+          </a:ln>
+        </p:spPr>
+        <p:style>
+          <a:lnRef idx="2">
+            <a:schemeClr val="accent1">
+              <a:shade val="50000"/>
+            </a:schemeClr>
+          </a:lnRef>
+          <a:fillRef idx="1">
+            <a:schemeClr val="accent1"/>
+          </a:fillRef>
+          <a:effectRef idx="0">
+            <a:schemeClr val="accent1"/>
+          </a:effectRef>
+          <a:fontRef idx="minor">
+            <a:schemeClr val="lt1"/>
+          </a:fontRef>
+        </p:style>
+        <p:txBody>
+          <a:bodyPr rtlCol="0" anchor="ctr"/>
+          <a:lstStyle/>
+          <a:p>
+            <a:pPr algn="ctr"/>
+            <a:endParaRPr lang="en-US"/>
+          </a:p>
+        </p:txBody>
+      </p:sp>
+      <p:sp>
+        <p:nvSpPr>
+          <p:cNvPr id="10" name="Freeform: Shape 9">
+            <a:extLst>
+              <a:ext uri="{FF2B5EF4-FFF2-40B4-BE49-F238E27FC236}">
+                <a16:creationId xmlns:a16="http://schemas.microsoft.com/office/drawing/2014/main" id="{FBD77573-9EF2-4C35-8285-A1CF6FBB0EA5}"/>
+              </a:ext>
+              <a:ext uri="{C183D7F6-B498-43B3-948B-1728B52AA6E4}">
+                <adec:decorative xmlns:adec="http://schemas.microsoft.com/office/drawing/2017/decorative" val="1"/>
+              </a:ext>
+            </a:extLst>
+          </p:cNvPr>
+          <p:cNvSpPr>
+            <a:spLocks noGrp="1" noRot="1" noChangeAspect="1" noMove="1" noResize="1" noEditPoints="1" noAdjustHandles="1" noChangeArrowheads="1" noChangeShapeType="1" noTextEdit="1"/>
+          </p:cNvSpPr>
+          <p:nvPr>
+            <p:extLst>
+              <p:ext uri="{386F3935-93C4-4BCD-93E2-E3B085C9AB24}">
+                <p16:designElem xmlns:p16="http://schemas.microsoft.com/office/powerpoint/2015/main" val="1"/>
+              </p:ext>
+            </p:extLst>
+          </p:nvPr>
+        </p:nvSpPr>
+        <p:spPr>
+          <a:xfrm flipH="1">
+            <a:off x="1" y="0"/>
+            <a:ext cx="5511704" cy="6858000"/>
+          </a:xfrm>
+          <a:custGeom>
+            <a:avLst/>
+            <a:gdLst>
+              <a:gd name="connsiteX0" fmla="*/ 5511704 w 5511704"/>
+              <a:gd name="connsiteY0" fmla="*/ 0 h 6886576"/>
+              <a:gd name="connsiteX1" fmla="*/ 1008599 w 5511704"/>
+              <a:gd name="connsiteY1" fmla="*/ 0 h 6886576"/>
+              <a:gd name="connsiteX2" fmla="*/ 1310975 w 5511704"/>
+              <a:gd name="connsiteY2" fmla="*/ 110728 h 6886576"/>
+              <a:gd name="connsiteX3" fmla="*/ 1267362 w 5511704"/>
+              <a:gd name="connsiteY3" fmla="*/ 135731 h 6886576"/>
+              <a:gd name="connsiteX4" fmla="*/ 1005692 w 5511704"/>
+              <a:gd name="connsiteY4" fmla="*/ 71437 h 6886576"/>
+              <a:gd name="connsiteX5" fmla="*/ 953358 w 5511704"/>
+              <a:gd name="connsiteY5" fmla="*/ 89297 h 6886576"/>
+              <a:gd name="connsiteX6" fmla="*/ 979525 w 5511704"/>
+              <a:gd name="connsiteY6" fmla="*/ 164307 h 6886576"/>
+              <a:gd name="connsiteX7" fmla="*/ 1092915 w 5511704"/>
+              <a:gd name="connsiteY7" fmla="*/ 192882 h 6886576"/>
+              <a:gd name="connsiteX8" fmla="*/ 1270270 w 5511704"/>
+              <a:gd name="connsiteY8" fmla="*/ 375047 h 6886576"/>
+              <a:gd name="connsiteX9" fmla="*/ 1002784 w 5511704"/>
+              <a:gd name="connsiteY9" fmla="*/ 353615 h 6886576"/>
+              <a:gd name="connsiteX10" fmla="*/ 956265 w 5511704"/>
+              <a:gd name="connsiteY10" fmla="*/ 396479 h 6886576"/>
+              <a:gd name="connsiteX11" fmla="*/ 938820 w 5511704"/>
+              <a:gd name="connsiteY11" fmla="*/ 453629 h 6886576"/>
+              <a:gd name="connsiteX12" fmla="*/ 860319 w 5511704"/>
+              <a:gd name="connsiteY12" fmla="*/ 360759 h 6886576"/>
+              <a:gd name="connsiteX13" fmla="*/ 793447 w 5511704"/>
+              <a:gd name="connsiteY13" fmla="*/ 335757 h 6886576"/>
+              <a:gd name="connsiteX14" fmla="*/ 773095 w 5511704"/>
+              <a:gd name="connsiteY14" fmla="*/ 417910 h 6886576"/>
+              <a:gd name="connsiteX15" fmla="*/ 834151 w 5511704"/>
+              <a:gd name="connsiteY15" fmla="*/ 507206 h 6886576"/>
+              <a:gd name="connsiteX16" fmla="*/ 996969 w 5511704"/>
+              <a:gd name="connsiteY16" fmla="*/ 560785 h 6886576"/>
+              <a:gd name="connsiteX17" fmla="*/ 822522 w 5511704"/>
+              <a:gd name="connsiteY17" fmla="*/ 560785 h 6886576"/>
+              <a:gd name="connsiteX18" fmla="*/ 621908 w 5511704"/>
+              <a:gd name="connsiteY18" fmla="*/ 525066 h 6886576"/>
+              <a:gd name="connsiteX19" fmla="*/ 409664 w 5511704"/>
+              <a:gd name="connsiteY19" fmla="*/ 535781 h 6886576"/>
+              <a:gd name="connsiteX20" fmla="*/ 209049 w 5511704"/>
+              <a:gd name="connsiteY20" fmla="*/ 464344 h 6886576"/>
+              <a:gd name="connsiteX21" fmla="*/ 5527 w 5511704"/>
+              <a:gd name="connsiteY21" fmla="*/ 467916 h 6886576"/>
+              <a:gd name="connsiteX22" fmla="*/ 906838 w 5511704"/>
+              <a:gd name="connsiteY22" fmla="*/ 914400 h 6886576"/>
+              <a:gd name="connsiteX23" fmla="*/ 863226 w 5511704"/>
+              <a:gd name="connsiteY23" fmla="*/ 925116 h 6886576"/>
+              <a:gd name="connsiteX24" fmla="*/ 805077 w 5511704"/>
+              <a:gd name="connsiteY24" fmla="*/ 953691 h 6886576"/>
+              <a:gd name="connsiteX25" fmla="*/ 848689 w 5511704"/>
+              <a:gd name="connsiteY25" fmla="*/ 1010841 h 6886576"/>
+              <a:gd name="connsiteX26" fmla="*/ 1084193 w 5511704"/>
+              <a:gd name="connsiteY26" fmla="*/ 1117997 h 6886576"/>
+              <a:gd name="connsiteX27" fmla="*/ 1142342 w 5511704"/>
+              <a:gd name="connsiteY27" fmla="*/ 1225153 h 6886576"/>
+              <a:gd name="connsiteX28" fmla="*/ 1069655 w 5511704"/>
+              <a:gd name="connsiteY28" fmla="*/ 1214438 h 6886576"/>
+              <a:gd name="connsiteX29" fmla="*/ 1005692 w 5511704"/>
+              <a:gd name="connsiteY29" fmla="*/ 1235869 h 6886576"/>
+              <a:gd name="connsiteX30" fmla="*/ 1031858 w 5511704"/>
+              <a:gd name="connsiteY30" fmla="*/ 1371600 h 6886576"/>
+              <a:gd name="connsiteX31" fmla="*/ 1366216 w 5511704"/>
+              <a:gd name="connsiteY31" fmla="*/ 1546622 h 6886576"/>
+              <a:gd name="connsiteX32" fmla="*/ 1395290 w 5511704"/>
+              <a:gd name="connsiteY32" fmla="*/ 1603772 h 6886576"/>
+              <a:gd name="connsiteX33" fmla="*/ 1354586 w 5511704"/>
+              <a:gd name="connsiteY33" fmla="*/ 1643063 h 6886576"/>
+              <a:gd name="connsiteX34" fmla="*/ 1247011 w 5511704"/>
+              <a:gd name="connsiteY34" fmla="*/ 1664494 h 6886576"/>
+              <a:gd name="connsiteX35" fmla="*/ 1398198 w 5511704"/>
+              <a:gd name="connsiteY35" fmla="*/ 1857375 h 6886576"/>
+              <a:gd name="connsiteX36" fmla="*/ 1453440 w 5511704"/>
+              <a:gd name="connsiteY36" fmla="*/ 1910954 h 6886576"/>
+              <a:gd name="connsiteX37" fmla="*/ 1549386 w 5511704"/>
+              <a:gd name="connsiteY37" fmla="*/ 1993106 h 6886576"/>
+              <a:gd name="connsiteX38" fmla="*/ 1549386 w 5511704"/>
+              <a:gd name="connsiteY38" fmla="*/ 2021681 h 6886576"/>
+              <a:gd name="connsiteX39" fmla="*/ 1421458 w 5511704"/>
+              <a:gd name="connsiteY39" fmla="*/ 2110978 h 6886576"/>
+              <a:gd name="connsiteX40" fmla="*/ 1188861 w 5511704"/>
+              <a:gd name="connsiteY40" fmla="*/ 2085976 h 6886576"/>
+              <a:gd name="connsiteX41" fmla="*/ 1531941 w 5511704"/>
+              <a:gd name="connsiteY41" fmla="*/ 2218135 h 6886576"/>
+              <a:gd name="connsiteX42" fmla="*/ 421293 w 5511704"/>
+              <a:gd name="connsiteY42" fmla="*/ 1900238 h 6886576"/>
+              <a:gd name="connsiteX43" fmla="*/ 491072 w 5511704"/>
+              <a:gd name="connsiteY43" fmla="*/ 1982391 h 6886576"/>
+              <a:gd name="connsiteX44" fmla="*/ 880671 w 5511704"/>
+              <a:gd name="connsiteY44" fmla="*/ 2200276 h 6886576"/>
+              <a:gd name="connsiteX45" fmla="*/ 991154 w 5511704"/>
+              <a:gd name="connsiteY45" fmla="*/ 2336007 h 6886576"/>
+              <a:gd name="connsiteX46" fmla="*/ 1107453 w 5511704"/>
+              <a:gd name="connsiteY46" fmla="*/ 2411016 h 6886576"/>
+              <a:gd name="connsiteX47" fmla="*/ 1270270 w 5511704"/>
+              <a:gd name="connsiteY47" fmla="*/ 2411016 h 6886576"/>
+              <a:gd name="connsiteX48" fmla="*/ 1386568 w 5511704"/>
+              <a:gd name="connsiteY48" fmla="*/ 2528889 h 6886576"/>
+              <a:gd name="connsiteX49" fmla="*/ 1267362 w 5511704"/>
+              <a:gd name="connsiteY49" fmla="*/ 2553891 h 6886576"/>
+              <a:gd name="connsiteX50" fmla="*/ 1127805 w 5511704"/>
+              <a:gd name="connsiteY50" fmla="*/ 2536032 h 6886576"/>
+              <a:gd name="connsiteX51" fmla="*/ 970802 w 5511704"/>
+              <a:gd name="connsiteY51" fmla="*/ 2575322 h 6886576"/>
+              <a:gd name="connsiteX52" fmla="*/ 825429 w 5511704"/>
+              <a:gd name="connsiteY52" fmla="*/ 2543176 h 6886576"/>
+              <a:gd name="connsiteX53" fmla="*/ 650982 w 5511704"/>
+              <a:gd name="connsiteY53" fmla="*/ 2564607 h 6886576"/>
+              <a:gd name="connsiteX54" fmla="*/ 595740 w 5511704"/>
+              <a:gd name="connsiteY54" fmla="*/ 2703909 h 6886576"/>
+              <a:gd name="connsiteX55" fmla="*/ 578296 w 5511704"/>
+              <a:gd name="connsiteY55" fmla="*/ 2714626 h 6886576"/>
+              <a:gd name="connsiteX56" fmla="*/ 255568 w 5511704"/>
+              <a:gd name="connsiteY56" fmla="*/ 2936081 h 6886576"/>
+              <a:gd name="connsiteX57" fmla="*/ 165437 w 5511704"/>
+              <a:gd name="connsiteY57" fmla="*/ 2953941 h 6886576"/>
+              <a:gd name="connsiteX58" fmla="*/ 697501 w 5511704"/>
+              <a:gd name="connsiteY58" fmla="*/ 3343275 h 6886576"/>
+              <a:gd name="connsiteX59" fmla="*/ 339884 w 5511704"/>
+              <a:gd name="connsiteY59" fmla="*/ 3243263 h 6886576"/>
+              <a:gd name="connsiteX60" fmla="*/ 290458 w 5511704"/>
+              <a:gd name="connsiteY60" fmla="*/ 3407569 h 6886576"/>
+              <a:gd name="connsiteX61" fmla="*/ 459090 w 5511704"/>
+              <a:gd name="connsiteY61" fmla="*/ 3554016 h 6886576"/>
+              <a:gd name="connsiteX62" fmla="*/ 520147 w 5511704"/>
+              <a:gd name="connsiteY62" fmla="*/ 3843338 h 6886576"/>
+              <a:gd name="connsiteX63" fmla="*/ 491072 w 5511704"/>
+              <a:gd name="connsiteY63" fmla="*/ 4107657 h 6886576"/>
+              <a:gd name="connsiteX64" fmla="*/ 418386 w 5511704"/>
+              <a:gd name="connsiteY64" fmla="*/ 4189810 h 6886576"/>
+              <a:gd name="connsiteX65" fmla="*/ 313718 w 5511704"/>
+              <a:gd name="connsiteY65" fmla="*/ 4339829 h 6886576"/>
+              <a:gd name="connsiteX66" fmla="*/ 249753 w 5511704"/>
+              <a:gd name="connsiteY66" fmla="*/ 4432698 h 6886576"/>
+              <a:gd name="connsiteX67" fmla="*/ 25879 w 5511704"/>
+              <a:gd name="connsiteY67" fmla="*/ 4396979 h 6886576"/>
+              <a:gd name="connsiteX68" fmla="*/ 325347 w 5511704"/>
+              <a:gd name="connsiteY68" fmla="*/ 4632722 h 6886576"/>
+              <a:gd name="connsiteX69" fmla="*/ 84029 w 5511704"/>
+              <a:gd name="connsiteY69" fmla="*/ 4604147 h 6886576"/>
+              <a:gd name="connsiteX70" fmla="*/ 5527 w 5511704"/>
+              <a:gd name="connsiteY70" fmla="*/ 4622007 h 6886576"/>
+              <a:gd name="connsiteX71" fmla="*/ 49139 w 5511704"/>
+              <a:gd name="connsiteY71" fmla="*/ 4697016 h 6886576"/>
+              <a:gd name="connsiteX72" fmla="*/ 226494 w 5511704"/>
+              <a:gd name="connsiteY72" fmla="*/ 4825604 h 6886576"/>
+              <a:gd name="connsiteX73" fmla="*/ 592833 w 5511704"/>
+              <a:gd name="connsiteY73" fmla="*/ 5175647 h 6886576"/>
+              <a:gd name="connsiteX74" fmla="*/ 238123 w 5511704"/>
+              <a:gd name="connsiteY74" fmla="*/ 5014913 h 6886576"/>
+              <a:gd name="connsiteX75" fmla="*/ 610278 w 5511704"/>
+              <a:gd name="connsiteY75" fmla="*/ 5375673 h 6886576"/>
+              <a:gd name="connsiteX76" fmla="*/ 691686 w 5511704"/>
+              <a:gd name="connsiteY76" fmla="*/ 5497116 h 6886576"/>
+              <a:gd name="connsiteX77" fmla="*/ 860319 w 5511704"/>
+              <a:gd name="connsiteY77" fmla="*/ 5793582 h 6886576"/>
+              <a:gd name="connsiteX78" fmla="*/ 851597 w 5511704"/>
+              <a:gd name="connsiteY78" fmla="*/ 5825729 h 6886576"/>
+              <a:gd name="connsiteX79" fmla="*/ 659704 w 5511704"/>
+              <a:gd name="connsiteY79" fmla="*/ 5779295 h 6886576"/>
+              <a:gd name="connsiteX80" fmla="*/ 909746 w 5511704"/>
+              <a:gd name="connsiteY80" fmla="*/ 6029326 h 6886576"/>
+              <a:gd name="connsiteX81" fmla="*/ 1168509 w 5511704"/>
+              <a:gd name="connsiteY81" fmla="*/ 6222207 h 6886576"/>
+              <a:gd name="connsiteX82" fmla="*/ 985339 w 5511704"/>
+              <a:gd name="connsiteY82" fmla="*/ 6193632 h 6886576"/>
+              <a:gd name="connsiteX83" fmla="*/ 732391 w 5511704"/>
+              <a:gd name="connsiteY83" fmla="*/ 6082904 h 6886576"/>
+              <a:gd name="connsiteX84" fmla="*/ 645167 w 5511704"/>
+              <a:gd name="connsiteY84" fmla="*/ 6125766 h 6886576"/>
+              <a:gd name="connsiteX85" fmla="*/ 883579 w 5511704"/>
+              <a:gd name="connsiteY85" fmla="*/ 6307932 h 6886576"/>
+              <a:gd name="connsiteX86" fmla="*/ 1020229 w 5511704"/>
+              <a:gd name="connsiteY86" fmla="*/ 6393657 h 6886576"/>
+              <a:gd name="connsiteX87" fmla="*/ 1075471 w 5511704"/>
+              <a:gd name="connsiteY87" fmla="*/ 6457950 h 6886576"/>
+              <a:gd name="connsiteX88" fmla="*/ 1232473 w 5511704"/>
+              <a:gd name="connsiteY88" fmla="*/ 6686551 h 6886576"/>
+              <a:gd name="connsiteX89" fmla="*/ 1592997 w 5511704"/>
+              <a:gd name="connsiteY89" fmla="*/ 6886576 h 6886576"/>
+              <a:gd name="connsiteX90" fmla="*/ 5511704 w 5511704"/>
+              <a:gd name="connsiteY90" fmla="*/ 6886576 h 6886576"/>
+            </a:gdLst>
+            <a:ahLst/>
+            <a:cxnLst>
+              <a:cxn ang="0">
+                <a:pos x="connsiteX0" y="connsiteY0"/>
+              </a:cxn>
+              <a:cxn ang="0">
+                <a:pos x="connsiteX1" y="connsiteY1"/>
+              </a:cxn>
+              <a:cxn ang="0">
+                <a:pos x="connsiteX2" y="connsiteY2"/>
+              </a:cxn>
+              <a:cxn ang="0">
+                <a:pos x="connsiteX3" y="connsiteY3"/>
+              </a:cxn>
+              <a:cxn ang="0">
+                <a:pos x="connsiteX4" y="connsiteY4"/>
+              </a:cxn>
+              <a:cxn ang="0">
+                <a:pos x="connsiteX5" y="connsiteY5"/>
+              </a:cxn>
+              <a:cxn ang="0">
+                <a:pos x="connsiteX6" y="connsiteY6"/>
+              </a:cxn>
+              <a:cxn ang="0">
+                <a:pos x="connsiteX7" y="connsiteY7"/>
+              </a:cxn>
+              <a:cxn ang="0">
+                <a:pos x="connsiteX8" y="connsiteY8"/>
+              </a:cxn>
+              <a:cxn ang="0">
+                <a:pos x="connsiteX9" y="connsiteY9"/>
+              </a:cxn>
+              <a:cxn ang="0">
+                <a:pos x="connsiteX10" y="connsiteY10"/>
+              </a:cxn>
+              <a:cxn ang="0">
+                <a:pos x="connsiteX11" y="connsiteY11"/>
+              </a:cxn>
+              <a:cxn ang="0">
+                <a:pos x="connsiteX12" y="connsiteY12"/>
+              </a:cxn>
+              <a:cxn ang="0">
+                <a:pos x="connsiteX13" y="connsiteY13"/>
+              </a:cxn>
+              <a:cxn ang="0">
+                <a:pos x="connsiteX14" y="connsiteY14"/>
+              </a:cxn>
+              <a:cxn ang="0">
+                <a:pos x="connsiteX15" y="connsiteY15"/>
+              </a:cxn>
+              <a:cxn ang="0">
+                <a:pos x="connsiteX16" y="connsiteY16"/>
+              </a:cxn>
+              <a:cxn ang="0">
+                <a:pos x="connsiteX17" y="connsiteY17"/>
+              </a:cxn>
+              <a:cxn ang="0">
+                <a:pos x="connsiteX18" y="connsiteY18"/>
+              </a:cxn>
+              <a:cxn ang="0">
+                <a:pos x="connsiteX19" y="connsiteY19"/>
+              </a:cxn>
+              <a:cxn ang="0">
+                <a:pos x="connsiteX20" y="connsiteY20"/>
+              </a:cxn>
+              <a:cxn ang="0">
+                <a:pos x="connsiteX21" y="connsiteY21"/>
+              </a:cxn>
+              <a:cxn ang="0">
+                <a:pos x="connsiteX22" y="connsiteY22"/>
+              </a:cxn>
+              <a:cxn ang="0">
+                <a:pos x="connsiteX23" y="connsiteY23"/>
+              </a:cxn>
+              <a:cxn ang="0">
+                <a:pos x="connsiteX24" y="connsiteY24"/>
+              </a:cxn>
+              <a:cxn ang="0">
+                <a:pos x="connsiteX25" y="connsiteY25"/>
+              </a:cxn>
+              <a:cxn ang="0">
+                <a:pos x="connsiteX26" y="connsiteY26"/>
+              </a:cxn>
+              <a:cxn ang="0">
+                <a:pos x="connsiteX27" y="connsiteY27"/>
+              </a:cxn>
+              <a:cxn ang="0">
+                <a:pos x="connsiteX28" y="connsiteY28"/>
+              </a:cxn>
+              <a:cxn ang="0">
+                <a:pos x="connsiteX29" y="connsiteY29"/>
+              </a:cxn>
+              <a:cxn ang="0">
+                <a:pos x="connsiteX30" y="connsiteY30"/>
+              </a:cxn>
+              <a:cxn ang="0">
+                <a:pos x="connsiteX31" y="connsiteY31"/>
+              </a:cxn>
+              <a:cxn ang="0">
+                <a:pos x="connsiteX32" y="connsiteY32"/>
+              </a:cxn>
+              <a:cxn ang="0">
+                <a:pos x="connsiteX33" y="connsiteY33"/>
+              </a:cxn>
+              <a:cxn ang="0">
+                <a:pos x="connsiteX34" y="connsiteY34"/>
+              </a:cxn>
+              <a:cxn ang="0">
+                <a:pos x="connsiteX35" y="connsiteY35"/>
+              </a:cxn>
+              <a:cxn ang="0">
+                <a:pos x="connsiteX36" y="connsiteY36"/>
+              </a:cxn>
+              <a:cxn ang="0">
+                <a:pos x="connsiteX37" y="connsiteY37"/>
+              </a:cxn>
+              <a:cxn ang="0">
+                <a:pos x="connsiteX38" y="connsiteY38"/>
+              </a:cxn>
+              <a:cxn ang="0">
+                <a:pos x="connsiteX39" y="connsiteY39"/>
+              </a:cxn>
+              <a:cxn ang="0">
+                <a:pos x="connsiteX40" y="connsiteY40"/>
+              </a:cxn>
+              <a:cxn ang="0">
+                <a:pos x="connsiteX41" y="connsiteY41"/>
+              </a:cxn>
+              <a:cxn ang="0">
+                <a:pos x="connsiteX42" y="connsiteY42"/>
+              </a:cxn>
+              <a:cxn ang="0">
+                <a:pos x="connsiteX43" y="connsiteY43"/>
+              </a:cxn>
+              <a:cxn ang="0">
+                <a:pos x="connsiteX44" y="connsiteY44"/>
+              </a:cxn>
+              <a:cxn ang="0">
+                <a:pos x="connsiteX45" y="connsiteY45"/>
+              </a:cxn>
+              <a:cxn ang="0">
+                <a:pos x="connsiteX46" y="connsiteY46"/>
+              </a:cxn>
+              <a:cxn ang="0">
+                <a:pos x="connsiteX47" y="connsiteY47"/>
+              </a:cxn>
+              <a:cxn ang="0">
+                <a:pos x="connsiteX48" y="connsiteY48"/>
+              </a:cxn>
+              <a:cxn ang="0">
+                <a:pos x="connsiteX49" y="connsiteY49"/>
+              </a:cxn>
+              <a:cxn ang="0">
+                <a:pos x="connsiteX50" y="connsiteY50"/>
+              </a:cxn>
+              <a:cxn ang="0">
+                <a:pos x="connsiteX51" y="connsiteY51"/>
+              </a:cxn>
+              <a:cxn ang="0">
+                <a:pos x="connsiteX52" y="connsiteY52"/>
+              </a:cxn>
+              <a:cxn ang="0">
+                <a:pos x="connsiteX53" y="connsiteY53"/>
+              </a:cxn>
+              <a:cxn ang="0">
+                <a:pos x="connsiteX54" y="connsiteY54"/>
+              </a:cxn>
+              <a:cxn ang="0">
+                <a:pos x="connsiteX55" y="connsiteY55"/>
+              </a:cxn>
+              <a:cxn ang="0">
+                <a:pos x="connsiteX56" y="connsiteY56"/>
+              </a:cxn>
+              <a:cxn ang="0">
+                <a:pos x="connsiteX57" y="connsiteY57"/>
+              </a:cxn>
+              <a:cxn ang="0">
+                <a:pos x="connsiteX58" y="connsiteY58"/>
+              </a:cxn>
+              <a:cxn ang="0">
+                <a:pos x="connsiteX59" y="connsiteY59"/>
+              </a:cxn>
+              <a:cxn ang="0">
+                <a:pos x="connsiteX60" y="connsiteY60"/>
+              </a:cxn>
+              <a:cxn ang="0">
+                <a:pos x="connsiteX61" y="connsiteY61"/>
+              </a:cxn>
+              <a:cxn ang="0">
+                <a:pos x="connsiteX62" y="connsiteY62"/>
+              </a:cxn>
+              <a:cxn ang="0">
+                <a:pos x="connsiteX63" y="connsiteY63"/>
+              </a:cxn>
+              <a:cxn ang="0">
+                <a:pos x="connsiteX64" y="connsiteY64"/>
+              </a:cxn>
+              <a:cxn ang="0">
+                <a:pos x="connsiteX65" y="connsiteY65"/>
+              </a:cxn>
+              <a:cxn ang="0">
+                <a:pos x="connsiteX66" y="connsiteY66"/>
+              </a:cxn>
+              <a:cxn ang="0">
+                <a:pos x="connsiteX67" y="connsiteY67"/>
+              </a:cxn>
+              <a:cxn ang="0">
+                <a:pos x="connsiteX68" y="connsiteY68"/>
+              </a:cxn>
+              <a:cxn ang="0">
+                <a:pos x="connsiteX69" y="connsiteY69"/>
+              </a:cxn>
+              <a:cxn ang="0">
+                <a:pos x="connsiteX70" y="connsiteY70"/>
+              </a:cxn>
+              <a:cxn ang="0">
+                <a:pos x="connsiteX71" y="connsiteY71"/>
+              </a:cxn>
+              <a:cxn ang="0">
+                <a:pos x="connsiteX72" y="connsiteY72"/>
+              </a:cxn>
+              <a:cxn ang="0">
+                <a:pos x="connsiteX73" y="connsiteY73"/>
+              </a:cxn>
+              <a:cxn ang="0">
+                <a:pos x="connsiteX74" y="connsiteY74"/>
+              </a:cxn>
+              <a:cxn ang="0">
+                <a:pos x="connsiteX75" y="connsiteY75"/>
+              </a:cxn>
+              <a:cxn ang="0">
+                <a:pos x="connsiteX76" y="connsiteY76"/>
+              </a:cxn>
+              <a:cxn ang="0">
+                <a:pos x="connsiteX77" y="connsiteY77"/>
+              </a:cxn>
+              <a:cxn ang="0">
+                <a:pos x="connsiteX78" y="connsiteY78"/>
+              </a:cxn>
+              <a:cxn ang="0">
+                <a:pos x="connsiteX79" y="connsiteY79"/>
+              </a:cxn>
+              <a:cxn ang="0">
+                <a:pos x="connsiteX80" y="connsiteY80"/>
+              </a:cxn>
+              <a:cxn ang="0">
+                <a:pos x="connsiteX81" y="connsiteY81"/>
+              </a:cxn>
+              <a:cxn ang="0">
+                <a:pos x="connsiteX82" y="connsiteY82"/>
+              </a:cxn>
+              <a:cxn ang="0">
+                <a:pos x="connsiteX83" y="connsiteY83"/>
+              </a:cxn>
+              <a:cxn ang="0">
+                <a:pos x="connsiteX84" y="connsiteY84"/>
+              </a:cxn>
+              <a:cxn ang="0">
+                <a:pos x="connsiteX85" y="connsiteY85"/>
+              </a:cxn>
+              <a:cxn ang="0">
+                <a:pos x="connsiteX86" y="connsiteY86"/>
+              </a:cxn>
+              <a:cxn ang="0">
+                <a:pos x="connsiteX87" y="connsiteY87"/>
+              </a:cxn>
+              <a:cxn ang="0">
+                <a:pos x="connsiteX88" y="connsiteY88"/>
+              </a:cxn>
+              <a:cxn ang="0">
+                <a:pos x="connsiteX89" y="connsiteY89"/>
+              </a:cxn>
+              <a:cxn ang="0">
+                <a:pos x="connsiteX90" y="connsiteY90"/>
+              </a:cxn>
+            </a:cxnLst>
+            <a:rect l="l" t="t" r="r" b="b"/>
+            <a:pathLst>
+              <a:path w="5511704" h="6886576">
+                <a:moveTo>
+                  <a:pt x="5511704" y="0"/>
+                </a:moveTo>
+                <a:lnTo>
+                  <a:pt x="1008599" y="0"/>
+                </a:lnTo>
+                <a:cubicBezTo>
+                  <a:pt x="1110360" y="35719"/>
+                  <a:pt x="1209214" y="78581"/>
+                  <a:pt x="1310975" y="110728"/>
+                </a:cubicBezTo>
+                <a:cubicBezTo>
+                  <a:pt x="1296437" y="146447"/>
+                  <a:pt x="1281900" y="139303"/>
+                  <a:pt x="1267362" y="135731"/>
+                </a:cubicBezTo>
+                <a:cubicBezTo>
+                  <a:pt x="1180139" y="121445"/>
+                  <a:pt x="1090008" y="110728"/>
+                  <a:pt x="1005692" y="71437"/>
+                </a:cubicBezTo>
+                <a:cubicBezTo>
+                  <a:pt x="985339" y="64294"/>
+                  <a:pt x="962080" y="64294"/>
+                  <a:pt x="953358" y="89297"/>
+                </a:cubicBezTo>
+                <a:cubicBezTo>
+                  <a:pt x="938820" y="125016"/>
+                  <a:pt x="959172" y="146447"/>
+                  <a:pt x="979525" y="164307"/>
+                </a:cubicBezTo>
+                <a:cubicBezTo>
+                  <a:pt x="1014414" y="196453"/>
+                  <a:pt x="1055118" y="189310"/>
+                  <a:pt x="1092915" y="192882"/>
+                </a:cubicBezTo>
+                <a:cubicBezTo>
+                  <a:pt x="1197583" y="210741"/>
+                  <a:pt x="1247011" y="260747"/>
+                  <a:pt x="1270270" y="375047"/>
+                </a:cubicBezTo>
+                <a:cubicBezTo>
+                  <a:pt x="1180139" y="328613"/>
+                  <a:pt x="1090008" y="385763"/>
+                  <a:pt x="1002784" y="353615"/>
+                </a:cubicBezTo>
+                <a:cubicBezTo>
+                  <a:pt x="979525" y="346472"/>
+                  <a:pt x="944635" y="357188"/>
+                  <a:pt x="956265" y="396479"/>
+                </a:cubicBezTo>
+                <a:cubicBezTo>
+                  <a:pt x="967894" y="432198"/>
+                  <a:pt x="1005692" y="460772"/>
+                  <a:pt x="938820" y="453629"/>
+                </a:cubicBezTo>
+                <a:cubicBezTo>
+                  <a:pt x="889393" y="450056"/>
+                  <a:pt x="874856" y="407194"/>
+                  <a:pt x="860319" y="360759"/>
+                </a:cubicBezTo>
+                <a:cubicBezTo>
+                  <a:pt x="848689" y="335757"/>
+                  <a:pt x="816707" y="321469"/>
+                  <a:pt x="793447" y="335757"/>
+                </a:cubicBezTo>
+                <a:cubicBezTo>
+                  <a:pt x="764373" y="350044"/>
+                  <a:pt x="773095" y="389335"/>
+                  <a:pt x="773095" y="417910"/>
+                </a:cubicBezTo>
+                <a:cubicBezTo>
+                  <a:pt x="770187" y="471488"/>
+                  <a:pt x="793447" y="496491"/>
+                  <a:pt x="834151" y="507206"/>
+                </a:cubicBezTo>
+                <a:cubicBezTo>
+                  <a:pt x="883579" y="521494"/>
+                  <a:pt x="933005" y="539354"/>
+                  <a:pt x="996969" y="560785"/>
+                </a:cubicBezTo>
+                <a:cubicBezTo>
+                  <a:pt x="927190" y="596503"/>
+                  <a:pt x="874856" y="589360"/>
+                  <a:pt x="822522" y="560785"/>
+                </a:cubicBezTo>
+                <a:cubicBezTo>
+                  <a:pt x="758558" y="528637"/>
+                  <a:pt x="674242" y="485775"/>
+                  <a:pt x="621908" y="525066"/>
+                </a:cubicBezTo>
+                <a:cubicBezTo>
+                  <a:pt x="543407" y="582216"/>
+                  <a:pt x="479443" y="546497"/>
+                  <a:pt x="409664" y="535781"/>
+                </a:cubicBezTo>
+                <a:cubicBezTo>
+                  <a:pt x="264290" y="514350"/>
+                  <a:pt x="354422" y="482204"/>
+                  <a:pt x="209049" y="464344"/>
+                </a:cubicBezTo>
+                <a:cubicBezTo>
+                  <a:pt x="150900" y="457200"/>
+                  <a:pt x="89843" y="428625"/>
+                  <a:pt x="5527" y="467916"/>
+                </a:cubicBezTo>
+                <a:cubicBezTo>
+                  <a:pt x="386404" y="675085"/>
+                  <a:pt x="566666" y="660797"/>
+                  <a:pt x="906838" y="914400"/>
+                </a:cubicBezTo>
+                <a:cubicBezTo>
+                  <a:pt x="892301" y="939404"/>
+                  <a:pt x="877764" y="928688"/>
+                  <a:pt x="863226" y="925116"/>
+                </a:cubicBezTo>
+                <a:cubicBezTo>
+                  <a:pt x="839967" y="921544"/>
+                  <a:pt x="810892" y="907256"/>
+                  <a:pt x="805077" y="953691"/>
+                </a:cubicBezTo>
+                <a:cubicBezTo>
+                  <a:pt x="802169" y="989410"/>
+                  <a:pt x="819615" y="1007269"/>
+                  <a:pt x="848689" y="1010841"/>
+                </a:cubicBezTo>
+                <a:cubicBezTo>
+                  <a:pt x="933005" y="1025129"/>
+                  <a:pt x="1008599" y="1075135"/>
+                  <a:pt x="1084193" y="1117997"/>
+                </a:cubicBezTo>
+                <a:cubicBezTo>
+                  <a:pt x="1119082" y="1135857"/>
+                  <a:pt x="1156879" y="1160860"/>
+                  <a:pt x="1142342" y="1225153"/>
+                </a:cubicBezTo>
+                <a:cubicBezTo>
+                  <a:pt x="1113268" y="1243013"/>
+                  <a:pt x="1092915" y="1218009"/>
+                  <a:pt x="1069655" y="1214438"/>
+                </a:cubicBezTo>
+                <a:cubicBezTo>
+                  <a:pt x="1046396" y="1210866"/>
+                  <a:pt x="991154" y="1225153"/>
+                  <a:pt x="1005692" y="1235869"/>
+                </a:cubicBezTo>
+                <a:cubicBezTo>
+                  <a:pt x="1072563" y="1275159"/>
+                  <a:pt x="950450" y="1371600"/>
+                  <a:pt x="1031858" y="1371600"/>
+                </a:cubicBezTo>
+                <a:cubicBezTo>
+                  <a:pt x="1165601" y="1371600"/>
+                  <a:pt x="1238288" y="1543050"/>
+                  <a:pt x="1366216" y="1546622"/>
+                </a:cubicBezTo>
+                <a:cubicBezTo>
+                  <a:pt x="1386568" y="1546622"/>
+                  <a:pt x="1395290" y="1578770"/>
+                  <a:pt x="1395290" y="1603772"/>
+                </a:cubicBezTo>
+                <a:cubicBezTo>
+                  <a:pt x="1395290" y="1635920"/>
+                  <a:pt x="1374939" y="1639491"/>
+                  <a:pt x="1354586" y="1643063"/>
+                </a:cubicBezTo>
+                <a:cubicBezTo>
+                  <a:pt x="1322604" y="1646635"/>
+                  <a:pt x="1287715" y="1603772"/>
+                  <a:pt x="1247011" y="1664494"/>
+                </a:cubicBezTo>
+                <a:cubicBezTo>
+                  <a:pt x="1322604" y="1700213"/>
+                  <a:pt x="1401105" y="1735932"/>
+                  <a:pt x="1398198" y="1857375"/>
+                </a:cubicBezTo>
+                <a:cubicBezTo>
+                  <a:pt x="1398198" y="1889523"/>
+                  <a:pt x="1430180" y="1903810"/>
+                  <a:pt x="1453440" y="1910954"/>
+                </a:cubicBezTo>
+                <a:cubicBezTo>
+                  <a:pt x="1494144" y="1925241"/>
+                  <a:pt x="1526126" y="1946673"/>
+                  <a:pt x="1549386" y="1993106"/>
+                </a:cubicBezTo>
+                <a:cubicBezTo>
+                  <a:pt x="1549386" y="2003822"/>
+                  <a:pt x="1549386" y="2010966"/>
+                  <a:pt x="1549386" y="2021681"/>
+                </a:cubicBezTo>
+                <a:cubicBezTo>
+                  <a:pt x="1543571" y="2132410"/>
+                  <a:pt x="1485422" y="2128838"/>
+                  <a:pt x="1421458" y="2110978"/>
+                </a:cubicBezTo>
+                <a:cubicBezTo>
+                  <a:pt x="1345864" y="2089547"/>
+                  <a:pt x="1270270" y="2046685"/>
+                  <a:pt x="1188861" y="2085976"/>
+                </a:cubicBezTo>
+                <a:cubicBezTo>
+                  <a:pt x="1302252" y="2139554"/>
+                  <a:pt x="1427272" y="2143126"/>
+                  <a:pt x="1531941" y="2218135"/>
+                </a:cubicBezTo>
+                <a:cubicBezTo>
+                  <a:pt x="1142342" y="2232422"/>
+                  <a:pt x="799262" y="1993106"/>
+                  <a:pt x="421293" y="1900238"/>
+                </a:cubicBezTo>
+                <a:cubicBezTo>
+                  <a:pt x="432923" y="1960960"/>
+                  <a:pt x="464905" y="1975247"/>
+                  <a:pt x="491072" y="1982391"/>
+                </a:cubicBezTo>
+                <a:cubicBezTo>
+                  <a:pt x="630630" y="2028825"/>
+                  <a:pt x="752743" y="2121695"/>
+                  <a:pt x="880671" y="2200276"/>
+                </a:cubicBezTo>
+                <a:cubicBezTo>
+                  <a:pt x="933005" y="2232422"/>
+                  <a:pt x="970802" y="2268142"/>
+                  <a:pt x="991154" y="2336007"/>
+                </a:cubicBezTo>
+                <a:cubicBezTo>
+                  <a:pt x="1008599" y="2400300"/>
+                  <a:pt x="1043489" y="2428875"/>
+                  <a:pt x="1107453" y="2411016"/>
+                </a:cubicBezTo>
+                <a:cubicBezTo>
+                  <a:pt x="1159787" y="2396729"/>
+                  <a:pt x="1215029" y="2403873"/>
+                  <a:pt x="1270270" y="2411016"/>
+                </a:cubicBezTo>
+                <a:cubicBezTo>
+                  <a:pt x="1331326" y="2418160"/>
+                  <a:pt x="1401105" y="2489597"/>
+                  <a:pt x="1386568" y="2528889"/>
+                </a:cubicBezTo>
+                <a:cubicBezTo>
+                  <a:pt x="1357494" y="2593182"/>
+                  <a:pt x="1308067" y="2561035"/>
+                  <a:pt x="1267362" y="2553891"/>
+                </a:cubicBezTo>
+                <a:cubicBezTo>
+                  <a:pt x="1217936" y="2546748"/>
+                  <a:pt x="1127805" y="2528889"/>
+                  <a:pt x="1127805" y="2536032"/>
+                </a:cubicBezTo>
+                <a:cubicBezTo>
+                  <a:pt x="1095822" y="2696766"/>
+                  <a:pt x="1023136" y="2575322"/>
+                  <a:pt x="970802" y="2575322"/>
+                </a:cubicBezTo>
+                <a:cubicBezTo>
+                  <a:pt x="921375" y="2575322"/>
+                  <a:pt x="871949" y="2557463"/>
+                  <a:pt x="825429" y="2543176"/>
+                </a:cubicBezTo>
+                <a:cubicBezTo>
+                  <a:pt x="764373" y="2525316"/>
+                  <a:pt x="709132" y="2557463"/>
+                  <a:pt x="650982" y="2564607"/>
+                </a:cubicBezTo>
+                <a:cubicBezTo>
+                  <a:pt x="598648" y="2571751"/>
+                  <a:pt x="627722" y="2664620"/>
+                  <a:pt x="595740" y="2703909"/>
+                </a:cubicBezTo>
+                <a:cubicBezTo>
+                  <a:pt x="589926" y="2714626"/>
+                  <a:pt x="584111" y="2714626"/>
+                  <a:pt x="578296" y="2714626"/>
+                </a:cubicBezTo>
+                <a:cubicBezTo>
+                  <a:pt x="560851" y="2993232"/>
+                  <a:pt x="255568" y="2925366"/>
+                  <a:pt x="255568" y="2936081"/>
+                </a:cubicBezTo>
+                <a:cubicBezTo>
+                  <a:pt x="229401" y="2953941"/>
+                  <a:pt x="197419" y="2911079"/>
+                  <a:pt x="165437" y="2953941"/>
+                </a:cubicBezTo>
+                <a:cubicBezTo>
+                  <a:pt x="302087" y="3150394"/>
+                  <a:pt x="511425" y="3196828"/>
+                  <a:pt x="697501" y="3343275"/>
+                </a:cubicBezTo>
+                <a:cubicBezTo>
+                  <a:pt x="543407" y="3393282"/>
+                  <a:pt x="453275" y="3221832"/>
+                  <a:pt x="339884" y="3243263"/>
+                </a:cubicBezTo>
+                <a:cubicBezTo>
+                  <a:pt x="284643" y="3296842"/>
+                  <a:pt x="450368" y="3382566"/>
+                  <a:pt x="290458" y="3407569"/>
+                </a:cubicBezTo>
+                <a:cubicBezTo>
+                  <a:pt x="360236" y="3454004"/>
+                  <a:pt x="409664" y="3500439"/>
+                  <a:pt x="459090" y="3554016"/>
+                </a:cubicBezTo>
+                <a:cubicBezTo>
+                  <a:pt x="543407" y="3650457"/>
+                  <a:pt x="560851" y="3714751"/>
+                  <a:pt x="520147" y="3843338"/>
+                </a:cubicBezTo>
+                <a:cubicBezTo>
+                  <a:pt x="493979" y="3929063"/>
+                  <a:pt x="456183" y="4007645"/>
+                  <a:pt x="491072" y="4107657"/>
+                </a:cubicBezTo>
+                <a:cubicBezTo>
+                  <a:pt x="514332" y="4175522"/>
+                  <a:pt x="505609" y="4221957"/>
+                  <a:pt x="418386" y="4189810"/>
+                </a:cubicBezTo>
+                <a:cubicBezTo>
+                  <a:pt x="325347" y="4157663"/>
+                  <a:pt x="290458" y="4218386"/>
+                  <a:pt x="313718" y="4339829"/>
+                </a:cubicBezTo>
+                <a:cubicBezTo>
+                  <a:pt x="328254" y="4418410"/>
+                  <a:pt x="313718" y="4443413"/>
+                  <a:pt x="249753" y="4432698"/>
+                </a:cubicBezTo>
+                <a:cubicBezTo>
+                  <a:pt x="179975" y="4421982"/>
+                  <a:pt x="113103" y="4371976"/>
+                  <a:pt x="25879" y="4396979"/>
+                </a:cubicBezTo>
+                <a:cubicBezTo>
+                  <a:pt x="95658" y="4539854"/>
+                  <a:pt x="243939" y="4496991"/>
+                  <a:pt x="325347" y="4632722"/>
+                </a:cubicBezTo>
+                <a:cubicBezTo>
+                  <a:pt x="229401" y="4632722"/>
+                  <a:pt x="153807" y="4632722"/>
+                  <a:pt x="84029" y="4604147"/>
+                </a:cubicBezTo>
+                <a:cubicBezTo>
+                  <a:pt x="54954" y="4593433"/>
+                  <a:pt x="22972" y="4579145"/>
+                  <a:pt x="5527" y="4622007"/>
+                </a:cubicBezTo>
+                <a:cubicBezTo>
+                  <a:pt x="-14826" y="4672014"/>
+                  <a:pt x="25879" y="4689872"/>
+                  <a:pt x="49139" y="4697016"/>
+                </a:cubicBezTo>
+                <a:cubicBezTo>
+                  <a:pt x="116011" y="4722019"/>
+                  <a:pt x="168344" y="4779170"/>
+                  <a:pt x="226494" y="4825604"/>
+                </a:cubicBezTo>
+                <a:cubicBezTo>
+                  <a:pt x="351514" y="4925616"/>
+                  <a:pt x="488165" y="5011341"/>
+                  <a:pt x="592833" y="5175647"/>
+                </a:cubicBezTo>
+                <a:cubicBezTo>
+                  <a:pt x="461997" y="5132785"/>
+                  <a:pt x="363144" y="5032772"/>
+                  <a:pt x="238123" y="5014913"/>
+                </a:cubicBezTo>
+                <a:cubicBezTo>
+                  <a:pt x="345700" y="5164932"/>
+                  <a:pt x="482350" y="5264944"/>
+                  <a:pt x="610278" y="5375673"/>
+                </a:cubicBezTo>
+                <a:cubicBezTo>
+                  <a:pt x="648075" y="5407819"/>
+                  <a:pt x="685872" y="5429250"/>
+                  <a:pt x="691686" y="5497116"/>
+                </a:cubicBezTo>
+                <a:cubicBezTo>
+                  <a:pt x="709132" y="5629276"/>
+                  <a:pt x="755650" y="5736432"/>
+                  <a:pt x="860319" y="5793582"/>
+                </a:cubicBezTo>
+                <a:cubicBezTo>
+                  <a:pt x="860319" y="5793582"/>
+                  <a:pt x="854504" y="5815013"/>
+                  <a:pt x="851597" y="5825729"/>
+                </a:cubicBezTo>
+                <a:cubicBezTo>
+                  <a:pt x="787632" y="5829301"/>
+                  <a:pt x="738206" y="5750720"/>
+                  <a:pt x="659704" y="5779295"/>
+                </a:cubicBezTo>
+                <a:cubicBezTo>
+                  <a:pt x="738206" y="5886451"/>
+                  <a:pt x="802169" y="5979319"/>
+                  <a:pt x="909746" y="6029326"/>
+                </a:cubicBezTo>
+                <a:cubicBezTo>
+                  <a:pt x="996969" y="6068616"/>
+                  <a:pt x="1104545" y="6093620"/>
+                  <a:pt x="1168509" y="6222207"/>
+                </a:cubicBezTo>
+                <a:cubicBezTo>
+                  <a:pt x="1095822" y="6247210"/>
+                  <a:pt x="1040581" y="6215063"/>
+                  <a:pt x="985339" y="6193632"/>
+                </a:cubicBezTo>
+                <a:cubicBezTo>
+                  <a:pt x="901023" y="6157913"/>
+                  <a:pt x="816707" y="6118623"/>
+                  <a:pt x="732391" y="6082904"/>
+                </a:cubicBezTo>
+                <a:cubicBezTo>
+                  <a:pt x="700408" y="6068616"/>
+                  <a:pt x="665519" y="6061472"/>
+                  <a:pt x="645167" y="6125766"/>
+                </a:cubicBezTo>
+                <a:cubicBezTo>
+                  <a:pt x="752743" y="6140053"/>
+                  <a:pt x="816707" y="6225779"/>
+                  <a:pt x="883579" y="6307932"/>
+                </a:cubicBezTo>
+                <a:cubicBezTo>
+                  <a:pt x="921375" y="6354366"/>
+                  <a:pt x="953358" y="6415088"/>
+                  <a:pt x="1020229" y="6393657"/>
+                </a:cubicBezTo>
+                <a:cubicBezTo>
+                  <a:pt x="1055118" y="6382942"/>
+                  <a:pt x="1078378" y="6415088"/>
+                  <a:pt x="1075471" y="6457950"/>
+                </a:cubicBezTo>
+                <a:cubicBezTo>
+                  <a:pt x="1060933" y="6607970"/>
+                  <a:pt x="1145250" y="6657976"/>
+                  <a:pt x="1232473" y="6686551"/>
+                </a:cubicBezTo>
+                <a:cubicBezTo>
+                  <a:pt x="1360401" y="6729413"/>
+                  <a:pt x="1473792" y="6815138"/>
+                  <a:pt x="1592997" y="6886576"/>
+                </a:cubicBezTo>
+                <a:lnTo>
+                  <a:pt x="5511704" y="6886576"/>
+                </a:lnTo>
+                <a:close/>
+              </a:path>
+            </a:pathLst>
+          </a:custGeom>
+          <a:solidFill>
+            <a:srgbClr val="6EA0EE">
+              <a:alpha val="20000"/>
+            </a:srgbClr>
+          </a:solidFill>
+          <a:ln w="32707" cap="flat">
+            <a:noFill/>
+            <a:prstDash val="solid"/>
+            <a:miter/>
+          </a:ln>
+        </p:spPr>
+        <p:txBody>
+          <a:bodyPr rtlCol="0" anchor="ctr"/>
+          <a:lstStyle/>
+          <a:p>
+            <a:endParaRPr lang="en-US" dirty="0"/>
+          </a:p>
+        </p:txBody>
+      </p:sp>
+      <p:sp>
+        <p:nvSpPr>
+          <p:cNvPr id="2" name="Nadpis 1">
+            <a:extLst>
+              <a:ext uri="{FF2B5EF4-FFF2-40B4-BE49-F238E27FC236}">
+                <a16:creationId xmlns:a16="http://schemas.microsoft.com/office/drawing/2014/main" id="{E4EA6845-4233-950B-5D0B-DF55FF26FE0E}"/>
+              </a:ext>
+            </a:extLst>
+          </p:cNvPr>
+          <p:cNvSpPr>
+            <a:spLocks noGrp="1"/>
+          </p:cNvSpPr>
+          <p:nvPr>
+            <p:ph type="title"/>
+          </p:nvPr>
+        </p:nvSpPr>
+        <p:spPr>
+          <a:xfrm>
+            <a:off x="838200" y="713312"/>
+            <a:ext cx="3524250" cy="5431376"/>
+          </a:xfrm>
+        </p:spPr>
+        <p:txBody>
+          <a:bodyPr>
+            <a:normAutofit/>
+          </a:bodyPr>
+          <a:lstStyle/>
+          <a:p>
+            <a:r>
+              <a:rPr lang="cs-CZ" dirty="0"/>
+              <a:t>Bitcoin</a:t>
+            </a:r>
+          </a:p>
+        </p:txBody>
+      </p:sp>
+      <p:sp>
+        <p:nvSpPr>
+          <p:cNvPr id="3" name="Zástupný obsah 2">
+            <a:extLst>
+              <a:ext uri="{FF2B5EF4-FFF2-40B4-BE49-F238E27FC236}">
+                <a16:creationId xmlns:a16="http://schemas.microsoft.com/office/drawing/2014/main" id="{8F9687EA-48DF-FA35-3D38-38DE2F11C6B2}"/>
+              </a:ext>
+            </a:extLst>
+          </p:cNvPr>
+          <p:cNvSpPr>
+            <a:spLocks noGrp="1"/>
+          </p:cNvSpPr>
+          <p:nvPr>
+            <p:ph idx="1"/>
+          </p:nvPr>
+        </p:nvSpPr>
+        <p:spPr>
+          <a:xfrm>
+            <a:off x="6095999" y="713313"/>
+            <a:ext cx="5257801" cy="5431376"/>
+          </a:xfrm>
+        </p:spPr>
+        <p:txBody>
+          <a:bodyPr vert="horz" lIns="91440" tIns="45720" rIns="91440" bIns="45720" rtlCol="0" anchor="ctr">
+            <a:normAutofit/>
+          </a:bodyPr>
+          <a:lstStyle/>
+          <a:p>
+            <a:r>
+              <a:rPr lang="cs-CZ" sz="2000" dirty="0"/>
+              <a:t>Nejznámější kryptoměna</a:t>
+            </a:r>
+          </a:p>
+          <a:p>
+            <a:r>
+              <a:rPr lang="cs-CZ" sz="2000" dirty="0"/>
+              <a:t>Jedna z prvních </a:t>
+            </a:r>
+            <a:r>
+              <a:rPr lang="cs-CZ" sz="2000" dirty="0" err="1"/>
+              <a:t>kriptoměn</a:t>
+            </a:r>
+            <a:endParaRPr lang="cs-CZ" sz="2000" dirty="0"/>
+          </a:p>
+          <a:p>
+            <a:r>
+              <a:rPr lang="cs-CZ" sz="2000" dirty="0"/>
+              <a:t>Cena </a:t>
+            </a:r>
+            <a:r>
+              <a:rPr lang="cs-CZ" sz="2000" dirty="0">
+                <a:ea typeface="+mn-lt"/>
+                <a:cs typeface="+mn-lt"/>
+              </a:rPr>
+              <a:t>464,986 Kč,-</a:t>
+            </a:r>
+            <a:endParaRPr lang="cs-CZ" sz="2000" dirty="0"/>
+          </a:p>
+        </p:txBody>
+      </p:sp>
+    </p:spTree>
+    <p:extLst>
+      <p:ext uri="{BB962C8B-B14F-4D97-AF65-F5344CB8AC3E}">
+        <p14:creationId xmlns:p14="http://schemas.microsoft.com/office/powerpoint/2010/main" val="1070189599"/>
+      </p:ext>
+    </p:extLst>
+  </p:cSld>
+  <p:clrMapOvr>
+    <a:masterClrMapping/>
+  </p:clrMapOvr>
+  <p:timing>
+    <p:tnLst>
+      <p:par>
+        <p:cTn id="1" dur="indefinite" restart="never" nodeType="tmRoot">
+          <p:childTnLst>
+            <p:seq concurrent="1" nextAc="seek">
+              <p:cTn id="2" dur="indefinite" nodeType="mainSeq">
+                <p:childTnLst>
+                  <p:par>
+                    <p:cTn id="3" fill="hold">
+                      <p:stCondLst>
+                        <p:cond delay="indefinite"/>
+                        <p:cond evt="onBegin" delay="0">
+                          <p:tn val="2"/>
+                        </p:cond>
+                      </p:stCondLst>
+                      <p:childTnLst>
+                        <p:par>
+                          <p:cTn id="4" fill="hold">
+                            <p:stCondLst>
+                              <p:cond delay="0"/>
+                            </p:stCondLst>
+                            <p:childTnLst>
+                              <p:par>
+                                <p:cTn id="5" presetID="10" presetClass="entr" presetSubtype="0" fill="hold" grpId="0" nodeType="withEffect">
+                                  <p:stCondLst>
+                                    <p:cond delay="500"/>
+                                  </p:stCondLst>
+                                  <p:iterate>
+                                    <p:tmPct val="10000"/>
+                                  </p:iterate>
+                                  <p:childTnLst>
+                                    <p:set>
+                                      <p:cBhvr>
+                                        <p:cTn id="6" dur="1" fill="hold">
+                                          <p:stCondLst>
+                                            <p:cond delay="0"/>
+                                          </p:stCondLst>
+                                        </p:cTn>
+                                        <p:tgtEl>
+                                          <p:spTgt spid="2"/>
+                                        </p:tgtEl>
+                                        <p:attrNameLst>
+                                          <p:attrName>style.visibility</p:attrName>
+                                        </p:attrNameLst>
+                                      </p:cBhvr>
+                                      <p:to>
+                                        <p:strVal val="visible"/>
+                                      </p:to>
+                                    </p:set>
+                                    <p:animEffect transition="in" filter="fade">
+                                      <p:cBhvr>
+                                        <p:cTn id="7" dur="700"/>
+                                        <p:tgtEl>
+                                          <p:spTgt spid="2"/>
+                                        </p:tgtEl>
+                                      </p:cBhvr>
+                                    </p:animEffect>
+                                  </p:childTnLst>
+                                </p:cTn>
+                              </p:par>
+                            </p:childTnLst>
+                          </p:cTn>
+                        </p:par>
+                      </p:childTnLst>
+                    </p:cTn>
+                  </p:par>
+                </p:childTnLst>
+              </p:cTn>
+              <p:prevCondLst>
+                <p:cond evt="onPrev" delay="0">
+                  <p:tgtEl>
+                    <p:sldTgt/>
+                  </p:tgtEl>
+                </p:cond>
+              </p:prevCondLst>
+              <p:nextCondLst>
+                <p:cond evt="onNext" delay="0">
+                  <p:tgtEl>
+                    <p:sldTgt/>
+                  </p:tgtEl>
+                </p:cond>
+              </p:nextCondLst>
+            </p:seq>
+          </p:childTnLst>
+        </p:cTn>
+      </p:par>
+    </p:tnLst>
+    <p:bldLst>
+      <p:bldP spid="2" grpId="0"/>
+    </p:bldLst>
+  </p:timing>
+</p:sld>
+</file>
+
+<file path=ppt/slides/slide11.xml><?xml version="1.0" encoding="utf-8"?>
+<p:sld xmlns:a="http://schemas.openxmlformats.org/drawingml/2006/main" xmlns:r="http://schemas.openxmlformats.org/officeDocument/2006/relationships" xmlns:p="http://schemas.openxmlformats.org/presentationml/2006/main">
+  <p:cSld>
+    <p:spTree>
+      <p:nvGrpSpPr>
+        <p:cNvPr id="1" name=""/>
+        <p:cNvGrpSpPr/>
+        <p:nvPr/>
+      </p:nvGrpSpPr>
+      <p:grpSpPr>
+        <a:xfrm>
+          <a:off x="0" y="0"/>
+          <a:ext cx="0" cy="0"/>
+          <a:chOff x="0" y="0"/>
+          <a:chExt cx="0" cy="0"/>
+        </a:xfrm>
+      </p:grpSpPr>
+      <p:sp>
+        <p:nvSpPr>
+          <p:cNvPr id="2" name="Nadpis 1">
+            <a:extLst>
+              <a:ext uri="{FF2B5EF4-FFF2-40B4-BE49-F238E27FC236}">
+                <a16:creationId xmlns:a16="http://schemas.microsoft.com/office/drawing/2014/main" id="{B6F87121-1E44-349F-1DAA-B58B4A574AEF}"/>
+              </a:ext>
+            </a:extLst>
+          </p:cNvPr>
+          <p:cNvSpPr>
+            <a:spLocks noGrp="1"/>
+          </p:cNvSpPr>
+          <p:nvPr>
+            <p:ph type="title"/>
+          </p:nvPr>
+        </p:nvSpPr>
+        <p:spPr/>
+        <p:txBody>
+          <a:bodyPr/>
+          <a:lstStyle/>
+          <a:p>
+            <a:r>
+              <a:rPr lang="cs-CZ"/>
+              <a:t>Ethereum</a:t>
+            </a:r>
+          </a:p>
+        </p:txBody>
+      </p:sp>
+      <p:sp>
+        <p:nvSpPr>
+          <p:cNvPr id="3" name="Zástupný obsah 2">
+            <a:extLst>
+              <a:ext uri="{FF2B5EF4-FFF2-40B4-BE49-F238E27FC236}">
+                <a16:creationId xmlns:a16="http://schemas.microsoft.com/office/drawing/2014/main" id="{3B62A1FE-3F73-2C07-39C5-4B984DCD6128}"/>
+              </a:ext>
+            </a:extLst>
+          </p:cNvPr>
+          <p:cNvSpPr>
+            <a:spLocks noGrp="1"/>
+          </p:cNvSpPr>
+          <p:nvPr>
+            <p:ph idx="1"/>
+          </p:nvPr>
+        </p:nvSpPr>
+        <p:spPr/>
+        <p:txBody>
+          <a:bodyPr/>
+          <a:lstStyle/>
+          <a:p>
+            <a:endParaRPr lang="cs-CZ"/>
+          </a:p>
+        </p:txBody>
+      </p:sp>
+    </p:spTree>
+    <p:extLst>
+      <p:ext uri="{BB962C8B-B14F-4D97-AF65-F5344CB8AC3E}">
+        <p14:creationId xmlns:p14="http://schemas.microsoft.com/office/powerpoint/2010/main" val="1419544749"/>
+      </p:ext>
+    </p:extLst>
+  </p:cSld>
+  <p:clrMapOvr>
+    <a:masterClrMapping/>
+  </p:clrMapOvr>
+</p:sld>
+</file>
+
 <file path=ppt/slides/slide2.xml><?xml version="1.0" encoding="utf-8"?>
 <p:sld xmlns:a="http://schemas.openxmlformats.org/drawingml/2006/main" xmlns:r="http://schemas.openxmlformats.org/officeDocument/2006/relationships" xmlns:p="http://schemas.openxmlformats.org/presentationml/2006/main">
   <p:cSld>
@@ -18755,6 +20093,219 @@
 <file path=ppt/slides/slide6.xml><?xml version="1.0" encoding="utf-8"?>
 <p:sld xmlns:a="http://schemas.openxmlformats.org/drawingml/2006/main" xmlns:r="http://schemas.openxmlformats.org/officeDocument/2006/relationships" xmlns:p="http://schemas.openxmlformats.org/presentationml/2006/main">
   <p:cSld>
+    <p:spTree>
+      <p:nvGrpSpPr>
+        <p:cNvPr id="1" name=""/>
+        <p:cNvGrpSpPr/>
+        <p:nvPr/>
+      </p:nvGrpSpPr>
+      <p:grpSpPr>
+        <a:xfrm>
+          <a:off x="0" y="0"/>
+          <a:ext cx="0" cy="0"/>
+          <a:chOff x="0" y="0"/>
+          <a:chExt cx="0" cy="0"/>
+        </a:xfrm>
+      </p:grpSpPr>
+      <p:sp>
+        <p:nvSpPr>
+          <p:cNvPr id="2" name="Nadpis 1">
+            <a:extLst>
+              <a:ext uri="{FF2B5EF4-FFF2-40B4-BE49-F238E27FC236}">
+                <a16:creationId xmlns:a16="http://schemas.microsoft.com/office/drawing/2014/main" id="{76996FA5-7B0B-CBD9-966E-880E1A0A5B80}"/>
+              </a:ext>
+            </a:extLst>
+          </p:cNvPr>
+          <p:cNvSpPr>
+            <a:spLocks noGrp="1"/>
+          </p:cNvSpPr>
+          <p:nvPr>
+            <p:ph type="title"/>
+          </p:nvPr>
+        </p:nvSpPr>
+        <p:spPr/>
+        <p:txBody>
+          <a:bodyPr/>
+          <a:lstStyle/>
+          <a:p>
+            <a:r>
+              <a:rPr lang="cs-CZ" dirty="0" err="1"/>
+              <a:t>Mining</a:t>
+            </a:r>
+            <a:r>
+              <a:rPr lang="cs-CZ" dirty="0"/>
+              <a:t> </a:t>
+            </a:r>
+            <a:r>
+              <a:rPr lang="cs-CZ" dirty="0" err="1"/>
+              <a:t>Crypta</a:t>
+            </a:r>
+          </a:p>
+        </p:txBody>
+      </p:sp>
+      <p:sp>
+        <p:nvSpPr>
+          <p:cNvPr id="3" name="Zástupný obsah 2">
+            <a:extLst>
+              <a:ext uri="{FF2B5EF4-FFF2-40B4-BE49-F238E27FC236}">
+                <a16:creationId xmlns:a16="http://schemas.microsoft.com/office/drawing/2014/main" id="{0689A833-63B6-70DE-3212-465943352D87}"/>
+              </a:ext>
+            </a:extLst>
+          </p:cNvPr>
+          <p:cNvSpPr>
+            <a:spLocks noGrp="1"/>
+          </p:cNvSpPr>
+          <p:nvPr>
+            <p:ph idx="1"/>
+          </p:nvPr>
+        </p:nvSpPr>
+        <p:spPr/>
+        <p:txBody>
+          <a:bodyPr vert="horz" lIns="91440" tIns="45720" rIns="91440" bIns="45720" rtlCol="0" anchor="t">
+            <a:normAutofit/>
+          </a:bodyPr>
+          <a:lstStyle/>
+          <a:p>
+            <a:r>
+              <a:rPr lang="cs-CZ" sz="2000" dirty="0"/>
+              <a:t>potvrzování transakcí v síti</a:t>
+            </a:r>
+          </a:p>
+          <a:p>
+            <a:r>
+              <a:rPr lang="cs-CZ" sz="2000" dirty="0">
+                <a:ea typeface="+mn-lt"/>
+                <a:cs typeface="+mn-lt"/>
+              </a:rPr>
+              <a:t>Uživatel si do počítače nainstaluje speciální program a připojí počítač k internetu. Program se napojí na kryptoměnovou síť, začne zpracovávat příchozí informace a řeší u toho nelehkou matematickou úlohu. Takto pracují počítače všech těžařů. Těžař, jehož počítat vyřeší úlohu jako první, získá odměnu v podobě několika digitálních mincí. Velikost odměny má hodnotu stovek, tisíců nebo až desetitisíců dolarů. Ostatní těžaři mají smůlu a musí začít řešit novou úlohu.</a:t>
+            </a:r>
+            <a:endParaRPr lang="cs-CZ" sz="2000" dirty="0"/>
+          </a:p>
+        </p:txBody>
+      </p:sp>
+    </p:spTree>
+    <p:extLst>
+      <p:ext uri="{BB962C8B-B14F-4D97-AF65-F5344CB8AC3E}">
+        <p14:creationId xmlns:p14="http://schemas.microsoft.com/office/powerpoint/2010/main" val="4247435770"/>
+      </p:ext>
+    </p:extLst>
+  </p:cSld>
+  <p:clrMapOvr>
+    <a:masterClrMapping/>
+  </p:clrMapOvr>
+</p:sld>
+</file>
+
+<file path=ppt/slides/slide7.xml><?xml version="1.0" encoding="utf-8"?>
+<p:sld xmlns:a="http://schemas.openxmlformats.org/drawingml/2006/main" xmlns:r="http://schemas.openxmlformats.org/officeDocument/2006/relationships" xmlns:p="http://schemas.openxmlformats.org/presentationml/2006/main">
+  <p:cSld>
+    <p:spTree>
+      <p:nvGrpSpPr>
+        <p:cNvPr id="1" name=""/>
+        <p:cNvGrpSpPr/>
+        <p:nvPr/>
+      </p:nvGrpSpPr>
+      <p:grpSpPr>
+        <a:xfrm>
+          <a:off x="0" y="0"/>
+          <a:ext cx="0" cy="0"/>
+          <a:chOff x="0" y="0"/>
+          <a:chExt cx="0" cy="0"/>
+        </a:xfrm>
+      </p:grpSpPr>
+      <p:sp>
+        <p:nvSpPr>
+          <p:cNvPr id="2" name="Nadpis 1">
+            <a:extLst>
+              <a:ext uri="{FF2B5EF4-FFF2-40B4-BE49-F238E27FC236}">
+                <a16:creationId xmlns:a16="http://schemas.microsoft.com/office/drawing/2014/main" id="{0AC32A71-C4EE-15EA-B5BB-8727714A0790}"/>
+              </a:ext>
+            </a:extLst>
+          </p:cNvPr>
+          <p:cNvSpPr>
+            <a:spLocks noGrp="1"/>
+          </p:cNvSpPr>
+          <p:nvPr>
+            <p:ph type="title"/>
+          </p:nvPr>
+        </p:nvSpPr>
+        <p:spPr/>
+        <p:txBody>
+          <a:bodyPr/>
+          <a:lstStyle/>
+          <a:p>
+            <a:r>
+              <a:rPr lang="cs-CZ" dirty="0">
+                <a:latin typeface="Calibri"/>
+                <a:cs typeface="Calibri"/>
+              </a:rPr>
+              <a:t>Peněženky</a:t>
+            </a:r>
+          </a:p>
+        </p:txBody>
+      </p:sp>
+      <p:sp>
+        <p:nvSpPr>
+          <p:cNvPr id="3" name="Zástupný obsah 2">
+            <a:extLst>
+              <a:ext uri="{FF2B5EF4-FFF2-40B4-BE49-F238E27FC236}">
+                <a16:creationId xmlns:a16="http://schemas.microsoft.com/office/drawing/2014/main" id="{A40DFA84-5A80-0B32-7560-7B9E3EE8B918}"/>
+              </a:ext>
+            </a:extLst>
+          </p:cNvPr>
+          <p:cNvSpPr>
+            <a:spLocks noGrp="1"/>
+          </p:cNvSpPr>
+          <p:nvPr>
+            <p:ph idx="1"/>
+          </p:nvPr>
+        </p:nvSpPr>
+        <p:spPr/>
+        <p:txBody>
+          <a:bodyPr vert="horz" lIns="91440" tIns="45720" rIns="91440" bIns="45720" rtlCol="0" anchor="t">
+            <a:normAutofit/>
+          </a:bodyPr>
+          <a:lstStyle/>
+          <a:p>
+            <a:r>
+              <a:rPr lang="cs-CZ" dirty="0"/>
+              <a:t>Softwarové</a:t>
+            </a:r>
+          </a:p>
+          <a:p>
+            <a:endParaRPr lang="cs-CZ" dirty="0"/>
+          </a:p>
+          <a:p>
+            <a:r>
+              <a:rPr lang="cs-CZ" dirty="0"/>
+              <a:t>Hardwarové</a:t>
+            </a:r>
+            <a:br>
+              <a:rPr lang="cs-CZ" dirty="0"/>
+            </a:br>
+            <a:r>
+              <a:rPr lang="cs-CZ" dirty="0"/>
+              <a:t>-Trezor</a:t>
+            </a:r>
+          </a:p>
+        </p:txBody>
+      </p:sp>
+    </p:spTree>
+    <p:extLst>
+      <p:ext uri="{BB962C8B-B14F-4D97-AF65-F5344CB8AC3E}">
+        <p14:creationId xmlns:p14="http://schemas.microsoft.com/office/powerpoint/2010/main" val="486008331"/>
+      </p:ext>
+    </p:extLst>
+  </p:cSld>
+  <p:clrMapOvr>
+    <a:masterClrMapping/>
+  </p:clrMapOvr>
+</p:sld>
+</file>
+
+<file path=ppt/slides/slide8.xml><?xml version="1.0" encoding="utf-8"?>
+<p:sld xmlns:a="http://schemas.openxmlformats.org/drawingml/2006/main" xmlns:r="http://schemas.openxmlformats.org/officeDocument/2006/relationships" xmlns:p="http://schemas.openxmlformats.org/presentationml/2006/main">
+  <p:cSld>
     <p:bg>
       <p:bgPr>
         <a:solidFill>
@@ -19901,7 +21452,7 @@
 </p:sld>
 </file>
 
-<file path=ppt/slides/slide7.xml><?xml version="1.0" encoding="utf-8"?>
+<file path=ppt/slides/slide9.xml><?xml version="1.0" encoding="utf-8"?>
 <p:sld xmlns:a="http://schemas.openxmlformats.org/drawingml/2006/main" xmlns:r="http://schemas.openxmlformats.org/officeDocument/2006/relationships" xmlns:p="http://schemas.openxmlformats.org/presentationml/2006/main">
   <p:cSld>
     <p:bg>
@@ -21054,1231 +22605,6 @@
 </p:sld>
 </file>
 
-<file path=ppt/slides/slide8.xml><?xml version="1.0" encoding="utf-8"?>
-<p:sld xmlns:a="http://schemas.openxmlformats.org/drawingml/2006/main" xmlns:r="http://schemas.openxmlformats.org/officeDocument/2006/relationships" xmlns:p="http://schemas.openxmlformats.org/presentationml/2006/main">
-  <p:cSld>
-    <p:bg>
-      <p:bgPr>
-        <a:solidFill>
-          <a:schemeClr val="bg1"/>
-        </a:solidFill>
-        <a:effectLst/>
-      </p:bgPr>
-    </p:bg>
-    <p:spTree>
-      <p:nvGrpSpPr>
-        <p:cNvPr id="1" name=""/>
-        <p:cNvGrpSpPr/>
-        <p:nvPr/>
-      </p:nvGrpSpPr>
-      <p:grpSpPr>
-        <a:xfrm>
-          <a:off x="0" y="0"/>
-          <a:ext cx="0" cy="0"/>
-          <a:chOff x="0" y="0"/>
-          <a:chExt cx="0" cy="0"/>
-        </a:xfrm>
-      </p:grpSpPr>
-      <p:sp useBgFill="1">
-        <p:nvSpPr>
-          <p:cNvPr id="8" name="Rectangle 7">
-            <a:extLst>
-              <a:ext uri="{FF2B5EF4-FFF2-40B4-BE49-F238E27FC236}">
-                <a16:creationId xmlns:a16="http://schemas.microsoft.com/office/drawing/2014/main" id="{FBE20309-1FB9-4818-BAFA-9C4C0534178B}"/>
-              </a:ext>
-              <a:ext uri="{C183D7F6-B498-43B3-948B-1728B52AA6E4}">
-                <adec:decorative xmlns:adec="http://schemas.microsoft.com/office/drawing/2017/decorative" val="1"/>
-              </a:ext>
-            </a:extLst>
-          </p:cNvPr>
-          <p:cNvSpPr>
-            <a:spLocks noGrp="1" noRot="1" noChangeAspect="1" noMove="1" noResize="1" noEditPoints="1" noAdjustHandles="1" noChangeArrowheads="1" noChangeShapeType="1" noTextEdit="1"/>
-          </p:cNvSpPr>
-          <p:nvPr>
-            <p:extLst>
-              <p:ext uri="{386F3935-93C4-4BCD-93E2-E3B085C9AB24}">
-                <p16:designElem xmlns:p16="http://schemas.microsoft.com/office/powerpoint/2015/main" val="1"/>
-              </p:ext>
-            </p:extLst>
-          </p:nvPr>
-        </p:nvSpPr>
-        <p:spPr>
-          <a:xfrm>
-            <a:off x="0" y="0"/>
-            <a:ext cx="12188952" cy="6858000"/>
-          </a:xfrm>
-          <a:prstGeom prst="rect">
-            <a:avLst/>
-          </a:prstGeom>
-          <a:ln>
-            <a:noFill/>
-          </a:ln>
-        </p:spPr>
-        <p:style>
-          <a:lnRef idx="2">
-            <a:schemeClr val="accent1">
-              <a:shade val="50000"/>
-            </a:schemeClr>
-          </a:lnRef>
-          <a:fillRef idx="1">
-            <a:schemeClr val="accent1"/>
-          </a:fillRef>
-          <a:effectRef idx="0">
-            <a:schemeClr val="accent1"/>
-          </a:effectRef>
-          <a:fontRef idx="minor">
-            <a:schemeClr val="lt1"/>
-          </a:fontRef>
-        </p:style>
-        <p:txBody>
-          <a:bodyPr rtlCol="0" anchor="ctr"/>
-          <a:lstStyle/>
-          <a:p>
-            <a:pPr algn="ctr"/>
-            <a:endParaRPr lang="en-US"/>
-          </a:p>
-        </p:txBody>
-      </p:sp>
-      <p:sp>
-        <p:nvSpPr>
-          <p:cNvPr id="10" name="Freeform: Shape 9">
-            <a:extLst>
-              <a:ext uri="{FF2B5EF4-FFF2-40B4-BE49-F238E27FC236}">
-                <a16:creationId xmlns:a16="http://schemas.microsoft.com/office/drawing/2014/main" id="{FBD77573-9EF2-4C35-8285-A1CF6FBB0EA5}"/>
-              </a:ext>
-              <a:ext uri="{C183D7F6-B498-43B3-948B-1728B52AA6E4}">
-                <adec:decorative xmlns:adec="http://schemas.microsoft.com/office/drawing/2017/decorative" val="1"/>
-              </a:ext>
-            </a:extLst>
-          </p:cNvPr>
-          <p:cNvSpPr>
-            <a:spLocks noGrp="1" noRot="1" noChangeAspect="1" noMove="1" noResize="1" noEditPoints="1" noAdjustHandles="1" noChangeArrowheads="1" noChangeShapeType="1" noTextEdit="1"/>
-          </p:cNvSpPr>
-          <p:nvPr>
-            <p:extLst>
-              <p:ext uri="{386F3935-93C4-4BCD-93E2-E3B085C9AB24}">
-                <p16:designElem xmlns:p16="http://schemas.microsoft.com/office/powerpoint/2015/main" val="1"/>
-              </p:ext>
-            </p:extLst>
-          </p:nvPr>
-        </p:nvSpPr>
-        <p:spPr>
-          <a:xfrm flipH="1">
-            <a:off x="1" y="0"/>
-            <a:ext cx="5511704" cy="6858000"/>
-          </a:xfrm>
-          <a:custGeom>
-            <a:avLst/>
-            <a:gdLst>
-              <a:gd name="connsiteX0" fmla="*/ 5511704 w 5511704"/>
-              <a:gd name="connsiteY0" fmla="*/ 0 h 6886576"/>
-              <a:gd name="connsiteX1" fmla="*/ 1008599 w 5511704"/>
-              <a:gd name="connsiteY1" fmla="*/ 0 h 6886576"/>
-              <a:gd name="connsiteX2" fmla="*/ 1310975 w 5511704"/>
-              <a:gd name="connsiteY2" fmla="*/ 110728 h 6886576"/>
-              <a:gd name="connsiteX3" fmla="*/ 1267362 w 5511704"/>
-              <a:gd name="connsiteY3" fmla="*/ 135731 h 6886576"/>
-              <a:gd name="connsiteX4" fmla="*/ 1005692 w 5511704"/>
-              <a:gd name="connsiteY4" fmla="*/ 71437 h 6886576"/>
-              <a:gd name="connsiteX5" fmla="*/ 953358 w 5511704"/>
-              <a:gd name="connsiteY5" fmla="*/ 89297 h 6886576"/>
-              <a:gd name="connsiteX6" fmla="*/ 979525 w 5511704"/>
-              <a:gd name="connsiteY6" fmla="*/ 164307 h 6886576"/>
-              <a:gd name="connsiteX7" fmla="*/ 1092915 w 5511704"/>
-              <a:gd name="connsiteY7" fmla="*/ 192882 h 6886576"/>
-              <a:gd name="connsiteX8" fmla="*/ 1270270 w 5511704"/>
-              <a:gd name="connsiteY8" fmla="*/ 375047 h 6886576"/>
-              <a:gd name="connsiteX9" fmla="*/ 1002784 w 5511704"/>
-              <a:gd name="connsiteY9" fmla="*/ 353615 h 6886576"/>
-              <a:gd name="connsiteX10" fmla="*/ 956265 w 5511704"/>
-              <a:gd name="connsiteY10" fmla="*/ 396479 h 6886576"/>
-              <a:gd name="connsiteX11" fmla="*/ 938820 w 5511704"/>
-              <a:gd name="connsiteY11" fmla="*/ 453629 h 6886576"/>
-              <a:gd name="connsiteX12" fmla="*/ 860319 w 5511704"/>
-              <a:gd name="connsiteY12" fmla="*/ 360759 h 6886576"/>
-              <a:gd name="connsiteX13" fmla="*/ 793447 w 5511704"/>
-              <a:gd name="connsiteY13" fmla="*/ 335757 h 6886576"/>
-              <a:gd name="connsiteX14" fmla="*/ 773095 w 5511704"/>
-              <a:gd name="connsiteY14" fmla="*/ 417910 h 6886576"/>
-              <a:gd name="connsiteX15" fmla="*/ 834151 w 5511704"/>
-              <a:gd name="connsiteY15" fmla="*/ 507206 h 6886576"/>
-              <a:gd name="connsiteX16" fmla="*/ 996969 w 5511704"/>
-              <a:gd name="connsiteY16" fmla="*/ 560785 h 6886576"/>
-              <a:gd name="connsiteX17" fmla="*/ 822522 w 5511704"/>
-              <a:gd name="connsiteY17" fmla="*/ 560785 h 6886576"/>
-              <a:gd name="connsiteX18" fmla="*/ 621908 w 5511704"/>
-              <a:gd name="connsiteY18" fmla="*/ 525066 h 6886576"/>
-              <a:gd name="connsiteX19" fmla="*/ 409664 w 5511704"/>
-              <a:gd name="connsiteY19" fmla="*/ 535781 h 6886576"/>
-              <a:gd name="connsiteX20" fmla="*/ 209049 w 5511704"/>
-              <a:gd name="connsiteY20" fmla="*/ 464344 h 6886576"/>
-              <a:gd name="connsiteX21" fmla="*/ 5527 w 5511704"/>
-              <a:gd name="connsiteY21" fmla="*/ 467916 h 6886576"/>
-              <a:gd name="connsiteX22" fmla="*/ 906838 w 5511704"/>
-              <a:gd name="connsiteY22" fmla="*/ 914400 h 6886576"/>
-              <a:gd name="connsiteX23" fmla="*/ 863226 w 5511704"/>
-              <a:gd name="connsiteY23" fmla="*/ 925116 h 6886576"/>
-              <a:gd name="connsiteX24" fmla="*/ 805077 w 5511704"/>
-              <a:gd name="connsiteY24" fmla="*/ 953691 h 6886576"/>
-              <a:gd name="connsiteX25" fmla="*/ 848689 w 5511704"/>
-              <a:gd name="connsiteY25" fmla="*/ 1010841 h 6886576"/>
-              <a:gd name="connsiteX26" fmla="*/ 1084193 w 5511704"/>
-              <a:gd name="connsiteY26" fmla="*/ 1117997 h 6886576"/>
-              <a:gd name="connsiteX27" fmla="*/ 1142342 w 5511704"/>
-              <a:gd name="connsiteY27" fmla="*/ 1225153 h 6886576"/>
-              <a:gd name="connsiteX28" fmla="*/ 1069655 w 5511704"/>
-              <a:gd name="connsiteY28" fmla="*/ 1214438 h 6886576"/>
-              <a:gd name="connsiteX29" fmla="*/ 1005692 w 5511704"/>
-              <a:gd name="connsiteY29" fmla="*/ 1235869 h 6886576"/>
-              <a:gd name="connsiteX30" fmla="*/ 1031858 w 5511704"/>
-              <a:gd name="connsiteY30" fmla="*/ 1371600 h 6886576"/>
-              <a:gd name="connsiteX31" fmla="*/ 1366216 w 5511704"/>
-              <a:gd name="connsiteY31" fmla="*/ 1546622 h 6886576"/>
-              <a:gd name="connsiteX32" fmla="*/ 1395290 w 5511704"/>
-              <a:gd name="connsiteY32" fmla="*/ 1603772 h 6886576"/>
-              <a:gd name="connsiteX33" fmla="*/ 1354586 w 5511704"/>
-              <a:gd name="connsiteY33" fmla="*/ 1643063 h 6886576"/>
-              <a:gd name="connsiteX34" fmla="*/ 1247011 w 5511704"/>
-              <a:gd name="connsiteY34" fmla="*/ 1664494 h 6886576"/>
-              <a:gd name="connsiteX35" fmla="*/ 1398198 w 5511704"/>
-              <a:gd name="connsiteY35" fmla="*/ 1857375 h 6886576"/>
-              <a:gd name="connsiteX36" fmla="*/ 1453440 w 5511704"/>
-              <a:gd name="connsiteY36" fmla="*/ 1910954 h 6886576"/>
-              <a:gd name="connsiteX37" fmla="*/ 1549386 w 5511704"/>
-              <a:gd name="connsiteY37" fmla="*/ 1993106 h 6886576"/>
-              <a:gd name="connsiteX38" fmla="*/ 1549386 w 5511704"/>
-              <a:gd name="connsiteY38" fmla="*/ 2021681 h 6886576"/>
-              <a:gd name="connsiteX39" fmla="*/ 1421458 w 5511704"/>
-              <a:gd name="connsiteY39" fmla="*/ 2110978 h 6886576"/>
-              <a:gd name="connsiteX40" fmla="*/ 1188861 w 5511704"/>
-              <a:gd name="connsiteY40" fmla="*/ 2085976 h 6886576"/>
-              <a:gd name="connsiteX41" fmla="*/ 1531941 w 5511704"/>
-              <a:gd name="connsiteY41" fmla="*/ 2218135 h 6886576"/>
-              <a:gd name="connsiteX42" fmla="*/ 421293 w 5511704"/>
-              <a:gd name="connsiteY42" fmla="*/ 1900238 h 6886576"/>
-              <a:gd name="connsiteX43" fmla="*/ 491072 w 5511704"/>
-              <a:gd name="connsiteY43" fmla="*/ 1982391 h 6886576"/>
-              <a:gd name="connsiteX44" fmla="*/ 880671 w 5511704"/>
-              <a:gd name="connsiteY44" fmla="*/ 2200276 h 6886576"/>
-              <a:gd name="connsiteX45" fmla="*/ 991154 w 5511704"/>
-              <a:gd name="connsiteY45" fmla="*/ 2336007 h 6886576"/>
-              <a:gd name="connsiteX46" fmla="*/ 1107453 w 5511704"/>
-              <a:gd name="connsiteY46" fmla="*/ 2411016 h 6886576"/>
-              <a:gd name="connsiteX47" fmla="*/ 1270270 w 5511704"/>
-              <a:gd name="connsiteY47" fmla="*/ 2411016 h 6886576"/>
-              <a:gd name="connsiteX48" fmla="*/ 1386568 w 5511704"/>
-              <a:gd name="connsiteY48" fmla="*/ 2528889 h 6886576"/>
-              <a:gd name="connsiteX49" fmla="*/ 1267362 w 5511704"/>
-              <a:gd name="connsiteY49" fmla="*/ 2553891 h 6886576"/>
-              <a:gd name="connsiteX50" fmla="*/ 1127805 w 5511704"/>
-              <a:gd name="connsiteY50" fmla="*/ 2536032 h 6886576"/>
-              <a:gd name="connsiteX51" fmla="*/ 970802 w 5511704"/>
-              <a:gd name="connsiteY51" fmla="*/ 2575322 h 6886576"/>
-              <a:gd name="connsiteX52" fmla="*/ 825429 w 5511704"/>
-              <a:gd name="connsiteY52" fmla="*/ 2543176 h 6886576"/>
-              <a:gd name="connsiteX53" fmla="*/ 650982 w 5511704"/>
-              <a:gd name="connsiteY53" fmla="*/ 2564607 h 6886576"/>
-              <a:gd name="connsiteX54" fmla="*/ 595740 w 5511704"/>
-              <a:gd name="connsiteY54" fmla="*/ 2703909 h 6886576"/>
-              <a:gd name="connsiteX55" fmla="*/ 578296 w 5511704"/>
-              <a:gd name="connsiteY55" fmla="*/ 2714626 h 6886576"/>
-              <a:gd name="connsiteX56" fmla="*/ 255568 w 5511704"/>
-              <a:gd name="connsiteY56" fmla="*/ 2936081 h 6886576"/>
-              <a:gd name="connsiteX57" fmla="*/ 165437 w 5511704"/>
-              <a:gd name="connsiteY57" fmla="*/ 2953941 h 6886576"/>
-              <a:gd name="connsiteX58" fmla="*/ 697501 w 5511704"/>
-              <a:gd name="connsiteY58" fmla="*/ 3343275 h 6886576"/>
-              <a:gd name="connsiteX59" fmla="*/ 339884 w 5511704"/>
-              <a:gd name="connsiteY59" fmla="*/ 3243263 h 6886576"/>
-              <a:gd name="connsiteX60" fmla="*/ 290458 w 5511704"/>
-              <a:gd name="connsiteY60" fmla="*/ 3407569 h 6886576"/>
-              <a:gd name="connsiteX61" fmla="*/ 459090 w 5511704"/>
-              <a:gd name="connsiteY61" fmla="*/ 3554016 h 6886576"/>
-              <a:gd name="connsiteX62" fmla="*/ 520147 w 5511704"/>
-              <a:gd name="connsiteY62" fmla="*/ 3843338 h 6886576"/>
-              <a:gd name="connsiteX63" fmla="*/ 491072 w 5511704"/>
-              <a:gd name="connsiteY63" fmla="*/ 4107657 h 6886576"/>
-              <a:gd name="connsiteX64" fmla="*/ 418386 w 5511704"/>
-              <a:gd name="connsiteY64" fmla="*/ 4189810 h 6886576"/>
-              <a:gd name="connsiteX65" fmla="*/ 313718 w 5511704"/>
-              <a:gd name="connsiteY65" fmla="*/ 4339829 h 6886576"/>
-              <a:gd name="connsiteX66" fmla="*/ 249753 w 5511704"/>
-              <a:gd name="connsiteY66" fmla="*/ 4432698 h 6886576"/>
-              <a:gd name="connsiteX67" fmla="*/ 25879 w 5511704"/>
-              <a:gd name="connsiteY67" fmla="*/ 4396979 h 6886576"/>
-              <a:gd name="connsiteX68" fmla="*/ 325347 w 5511704"/>
-              <a:gd name="connsiteY68" fmla="*/ 4632722 h 6886576"/>
-              <a:gd name="connsiteX69" fmla="*/ 84029 w 5511704"/>
-              <a:gd name="connsiteY69" fmla="*/ 4604147 h 6886576"/>
-              <a:gd name="connsiteX70" fmla="*/ 5527 w 5511704"/>
-              <a:gd name="connsiteY70" fmla="*/ 4622007 h 6886576"/>
-              <a:gd name="connsiteX71" fmla="*/ 49139 w 5511704"/>
-              <a:gd name="connsiteY71" fmla="*/ 4697016 h 6886576"/>
-              <a:gd name="connsiteX72" fmla="*/ 226494 w 5511704"/>
-              <a:gd name="connsiteY72" fmla="*/ 4825604 h 6886576"/>
-              <a:gd name="connsiteX73" fmla="*/ 592833 w 5511704"/>
-              <a:gd name="connsiteY73" fmla="*/ 5175647 h 6886576"/>
-              <a:gd name="connsiteX74" fmla="*/ 238123 w 5511704"/>
-              <a:gd name="connsiteY74" fmla="*/ 5014913 h 6886576"/>
-              <a:gd name="connsiteX75" fmla="*/ 610278 w 5511704"/>
-              <a:gd name="connsiteY75" fmla="*/ 5375673 h 6886576"/>
-              <a:gd name="connsiteX76" fmla="*/ 691686 w 5511704"/>
-              <a:gd name="connsiteY76" fmla="*/ 5497116 h 6886576"/>
-              <a:gd name="connsiteX77" fmla="*/ 860319 w 5511704"/>
-              <a:gd name="connsiteY77" fmla="*/ 5793582 h 6886576"/>
-              <a:gd name="connsiteX78" fmla="*/ 851597 w 5511704"/>
-              <a:gd name="connsiteY78" fmla="*/ 5825729 h 6886576"/>
-              <a:gd name="connsiteX79" fmla="*/ 659704 w 5511704"/>
-              <a:gd name="connsiteY79" fmla="*/ 5779295 h 6886576"/>
-              <a:gd name="connsiteX80" fmla="*/ 909746 w 5511704"/>
-              <a:gd name="connsiteY80" fmla="*/ 6029326 h 6886576"/>
-              <a:gd name="connsiteX81" fmla="*/ 1168509 w 5511704"/>
-              <a:gd name="connsiteY81" fmla="*/ 6222207 h 6886576"/>
-              <a:gd name="connsiteX82" fmla="*/ 985339 w 5511704"/>
-              <a:gd name="connsiteY82" fmla="*/ 6193632 h 6886576"/>
-              <a:gd name="connsiteX83" fmla="*/ 732391 w 5511704"/>
-              <a:gd name="connsiteY83" fmla="*/ 6082904 h 6886576"/>
-              <a:gd name="connsiteX84" fmla="*/ 645167 w 5511704"/>
-              <a:gd name="connsiteY84" fmla="*/ 6125766 h 6886576"/>
-              <a:gd name="connsiteX85" fmla="*/ 883579 w 5511704"/>
-              <a:gd name="connsiteY85" fmla="*/ 6307932 h 6886576"/>
-              <a:gd name="connsiteX86" fmla="*/ 1020229 w 5511704"/>
-              <a:gd name="connsiteY86" fmla="*/ 6393657 h 6886576"/>
-              <a:gd name="connsiteX87" fmla="*/ 1075471 w 5511704"/>
-              <a:gd name="connsiteY87" fmla="*/ 6457950 h 6886576"/>
-              <a:gd name="connsiteX88" fmla="*/ 1232473 w 5511704"/>
-              <a:gd name="connsiteY88" fmla="*/ 6686551 h 6886576"/>
-              <a:gd name="connsiteX89" fmla="*/ 1592997 w 5511704"/>
-              <a:gd name="connsiteY89" fmla="*/ 6886576 h 6886576"/>
-              <a:gd name="connsiteX90" fmla="*/ 5511704 w 5511704"/>
-              <a:gd name="connsiteY90" fmla="*/ 6886576 h 6886576"/>
-            </a:gdLst>
-            <a:ahLst/>
-            <a:cxnLst>
-              <a:cxn ang="0">
-                <a:pos x="connsiteX0" y="connsiteY0"/>
-              </a:cxn>
-              <a:cxn ang="0">
-                <a:pos x="connsiteX1" y="connsiteY1"/>
-              </a:cxn>
-              <a:cxn ang="0">
-                <a:pos x="connsiteX2" y="connsiteY2"/>
-              </a:cxn>
-              <a:cxn ang="0">
-                <a:pos x="connsiteX3" y="connsiteY3"/>
-              </a:cxn>
-              <a:cxn ang="0">
-                <a:pos x="connsiteX4" y="connsiteY4"/>
-              </a:cxn>
-              <a:cxn ang="0">
-                <a:pos x="connsiteX5" y="connsiteY5"/>
-              </a:cxn>
-              <a:cxn ang="0">
-                <a:pos x="connsiteX6" y="connsiteY6"/>
-              </a:cxn>
-              <a:cxn ang="0">
-                <a:pos x="connsiteX7" y="connsiteY7"/>
-              </a:cxn>
-              <a:cxn ang="0">
-                <a:pos x="connsiteX8" y="connsiteY8"/>
-              </a:cxn>
-              <a:cxn ang="0">
-                <a:pos x="connsiteX9" y="connsiteY9"/>
-              </a:cxn>
-              <a:cxn ang="0">
-                <a:pos x="connsiteX10" y="connsiteY10"/>
-              </a:cxn>
-              <a:cxn ang="0">
-                <a:pos x="connsiteX11" y="connsiteY11"/>
-              </a:cxn>
-              <a:cxn ang="0">
-                <a:pos x="connsiteX12" y="connsiteY12"/>
-              </a:cxn>
-              <a:cxn ang="0">
-                <a:pos x="connsiteX13" y="connsiteY13"/>
-              </a:cxn>
-              <a:cxn ang="0">
-                <a:pos x="connsiteX14" y="connsiteY14"/>
-              </a:cxn>
-              <a:cxn ang="0">
-                <a:pos x="connsiteX15" y="connsiteY15"/>
-              </a:cxn>
-              <a:cxn ang="0">
-                <a:pos x="connsiteX16" y="connsiteY16"/>
-              </a:cxn>
-              <a:cxn ang="0">
-                <a:pos x="connsiteX17" y="connsiteY17"/>
-              </a:cxn>
-              <a:cxn ang="0">
-                <a:pos x="connsiteX18" y="connsiteY18"/>
-              </a:cxn>
-              <a:cxn ang="0">
-                <a:pos x="connsiteX19" y="connsiteY19"/>
-              </a:cxn>
-              <a:cxn ang="0">
-                <a:pos x="connsiteX20" y="connsiteY20"/>
-              </a:cxn>
-              <a:cxn ang="0">
-                <a:pos x="connsiteX21" y="connsiteY21"/>
-              </a:cxn>
-              <a:cxn ang="0">
-                <a:pos x="connsiteX22" y="connsiteY22"/>
-              </a:cxn>
-              <a:cxn ang="0">
-                <a:pos x="connsiteX23" y="connsiteY23"/>
-              </a:cxn>
-              <a:cxn ang="0">
-                <a:pos x="connsiteX24" y="connsiteY24"/>
-              </a:cxn>
-              <a:cxn ang="0">
-                <a:pos x="connsiteX25" y="connsiteY25"/>
-              </a:cxn>
-              <a:cxn ang="0">
-                <a:pos x="connsiteX26" y="connsiteY26"/>
-              </a:cxn>
-              <a:cxn ang="0">
-                <a:pos x="connsiteX27" y="connsiteY27"/>
-              </a:cxn>
-              <a:cxn ang="0">
-                <a:pos x="connsiteX28" y="connsiteY28"/>
-              </a:cxn>
-              <a:cxn ang="0">
-                <a:pos x="connsiteX29" y="connsiteY29"/>
-              </a:cxn>
-              <a:cxn ang="0">
-                <a:pos x="connsiteX30" y="connsiteY30"/>
-              </a:cxn>
-              <a:cxn ang="0">
-                <a:pos x="connsiteX31" y="connsiteY31"/>
-              </a:cxn>
-              <a:cxn ang="0">
-                <a:pos x="connsiteX32" y="connsiteY32"/>
-              </a:cxn>
-              <a:cxn ang="0">
-                <a:pos x="connsiteX33" y="connsiteY33"/>
-              </a:cxn>
-              <a:cxn ang="0">
-                <a:pos x="connsiteX34" y="connsiteY34"/>
-              </a:cxn>
-              <a:cxn ang="0">
-                <a:pos x="connsiteX35" y="connsiteY35"/>
-              </a:cxn>
-              <a:cxn ang="0">
-                <a:pos x="connsiteX36" y="connsiteY36"/>
-              </a:cxn>
-              <a:cxn ang="0">
-                <a:pos x="connsiteX37" y="connsiteY37"/>
-              </a:cxn>
-              <a:cxn ang="0">
-                <a:pos x="connsiteX38" y="connsiteY38"/>
-              </a:cxn>
-              <a:cxn ang="0">
-                <a:pos x="connsiteX39" y="connsiteY39"/>
-              </a:cxn>
-              <a:cxn ang="0">
-                <a:pos x="connsiteX40" y="connsiteY40"/>
-              </a:cxn>
-              <a:cxn ang="0">
-                <a:pos x="connsiteX41" y="connsiteY41"/>
-              </a:cxn>
-              <a:cxn ang="0">
-                <a:pos x="connsiteX42" y="connsiteY42"/>
-              </a:cxn>
-              <a:cxn ang="0">
-                <a:pos x="connsiteX43" y="connsiteY43"/>
-              </a:cxn>
-              <a:cxn ang="0">
-                <a:pos x="connsiteX44" y="connsiteY44"/>
-              </a:cxn>
-              <a:cxn ang="0">
-                <a:pos x="connsiteX45" y="connsiteY45"/>
-              </a:cxn>
-              <a:cxn ang="0">
-                <a:pos x="connsiteX46" y="connsiteY46"/>
-              </a:cxn>
-              <a:cxn ang="0">
-                <a:pos x="connsiteX47" y="connsiteY47"/>
-              </a:cxn>
-              <a:cxn ang="0">
-                <a:pos x="connsiteX48" y="connsiteY48"/>
-              </a:cxn>
-              <a:cxn ang="0">
-                <a:pos x="connsiteX49" y="connsiteY49"/>
-              </a:cxn>
-              <a:cxn ang="0">
-                <a:pos x="connsiteX50" y="connsiteY50"/>
-              </a:cxn>
-              <a:cxn ang="0">
-                <a:pos x="connsiteX51" y="connsiteY51"/>
-              </a:cxn>
-              <a:cxn ang="0">
-                <a:pos x="connsiteX52" y="connsiteY52"/>
-              </a:cxn>
-              <a:cxn ang="0">
-                <a:pos x="connsiteX53" y="connsiteY53"/>
-              </a:cxn>
-              <a:cxn ang="0">
-                <a:pos x="connsiteX54" y="connsiteY54"/>
-              </a:cxn>
-              <a:cxn ang="0">
-                <a:pos x="connsiteX55" y="connsiteY55"/>
-              </a:cxn>
-              <a:cxn ang="0">
-                <a:pos x="connsiteX56" y="connsiteY56"/>
-              </a:cxn>
-              <a:cxn ang="0">
-                <a:pos x="connsiteX57" y="connsiteY57"/>
-              </a:cxn>
-              <a:cxn ang="0">
-                <a:pos x="connsiteX58" y="connsiteY58"/>
-              </a:cxn>
-              <a:cxn ang="0">
-                <a:pos x="connsiteX59" y="connsiteY59"/>
-              </a:cxn>
-              <a:cxn ang="0">
-                <a:pos x="connsiteX60" y="connsiteY60"/>
-              </a:cxn>
-              <a:cxn ang="0">
-                <a:pos x="connsiteX61" y="connsiteY61"/>
-              </a:cxn>
-              <a:cxn ang="0">
-                <a:pos x="connsiteX62" y="connsiteY62"/>
-              </a:cxn>
-              <a:cxn ang="0">
-                <a:pos x="connsiteX63" y="connsiteY63"/>
-              </a:cxn>
-              <a:cxn ang="0">
-                <a:pos x="connsiteX64" y="connsiteY64"/>
-              </a:cxn>
-              <a:cxn ang="0">
-                <a:pos x="connsiteX65" y="connsiteY65"/>
-              </a:cxn>
-              <a:cxn ang="0">
-                <a:pos x="connsiteX66" y="connsiteY66"/>
-              </a:cxn>
-              <a:cxn ang="0">
-                <a:pos x="connsiteX67" y="connsiteY67"/>
-              </a:cxn>
-              <a:cxn ang="0">
-                <a:pos x="connsiteX68" y="connsiteY68"/>
-              </a:cxn>
-              <a:cxn ang="0">
-                <a:pos x="connsiteX69" y="connsiteY69"/>
-              </a:cxn>
-              <a:cxn ang="0">
-                <a:pos x="connsiteX70" y="connsiteY70"/>
-              </a:cxn>
-              <a:cxn ang="0">
-                <a:pos x="connsiteX71" y="connsiteY71"/>
-              </a:cxn>
-              <a:cxn ang="0">
-                <a:pos x="connsiteX72" y="connsiteY72"/>
-              </a:cxn>
-              <a:cxn ang="0">
-                <a:pos x="connsiteX73" y="connsiteY73"/>
-              </a:cxn>
-              <a:cxn ang="0">
-                <a:pos x="connsiteX74" y="connsiteY74"/>
-              </a:cxn>
-              <a:cxn ang="0">
-                <a:pos x="connsiteX75" y="connsiteY75"/>
-              </a:cxn>
-              <a:cxn ang="0">
-                <a:pos x="connsiteX76" y="connsiteY76"/>
-              </a:cxn>
-              <a:cxn ang="0">
-                <a:pos x="connsiteX77" y="connsiteY77"/>
-              </a:cxn>
-              <a:cxn ang="0">
-                <a:pos x="connsiteX78" y="connsiteY78"/>
-              </a:cxn>
-              <a:cxn ang="0">
-                <a:pos x="connsiteX79" y="connsiteY79"/>
-              </a:cxn>
-              <a:cxn ang="0">
-                <a:pos x="connsiteX80" y="connsiteY80"/>
-              </a:cxn>
-              <a:cxn ang="0">
-                <a:pos x="connsiteX81" y="connsiteY81"/>
-              </a:cxn>
-              <a:cxn ang="0">
-                <a:pos x="connsiteX82" y="connsiteY82"/>
-              </a:cxn>
-              <a:cxn ang="0">
-                <a:pos x="connsiteX83" y="connsiteY83"/>
-              </a:cxn>
-              <a:cxn ang="0">
-                <a:pos x="connsiteX84" y="connsiteY84"/>
-              </a:cxn>
-              <a:cxn ang="0">
-                <a:pos x="connsiteX85" y="connsiteY85"/>
-              </a:cxn>
-              <a:cxn ang="0">
-                <a:pos x="connsiteX86" y="connsiteY86"/>
-              </a:cxn>
-              <a:cxn ang="0">
-                <a:pos x="connsiteX87" y="connsiteY87"/>
-              </a:cxn>
-              <a:cxn ang="0">
-                <a:pos x="connsiteX88" y="connsiteY88"/>
-              </a:cxn>
-              <a:cxn ang="0">
-                <a:pos x="connsiteX89" y="connsiteY89"/>
-              </a:cxn>
-              <a:cxn ang="0">
-                <a:pos x="connsiteX90" y="connsiteY90"/>
-              </a:cxn>
-            </a:cxnLst>
-            <a:rect l="l" t="t" r="r" b="b"/>
-            <a:pathLst>
-              <a:path w="5511704" h="6886576">
-                <a:moveTo>
-                  <a:pt x="5511704" y="0"/>
-                </a:moveTo>
-                <a:lnTo>
-                  <a:pt x="1008599" y="0"/>
-                </a:lnTo>
-                <a:cubicBezTo>
-                  <a:pt x="1110360" y="35719"/>
-                  <a:pt x="1209214" y="78581"/>
-                  <a:pt x="1310975" y="110728"/>
-                </a:cubicBezTo>
-                <a:cubicBezTo>
-                  <a:pt x="1296437" y="146447"/>
-                  <a:pt x="1281900" y="139303"/>
-                  <a:pt x="1267362" y="135731"/>
-                </a:cubicBezTo>
-                <a:cubicBezTo>
-                  <a:pt x="1180139" y="121445"/>
-                  <a:pt x="1090008" y="110728"/>
-                  <a:pt x="1005692" y="71437"/>
-                </a:cubicBezTo>
-                <a:cubicBezTo>
-                  <a:pt x="985339" y="64294"/>
-                  <a:pt x="962080" y="64294"/>
-                  <a:pt x="953358" y="89297"/>
-                </a:cubicBezTo>
-                <a:cubicBezTo>
-                  <a:pt x="938820" y="125016"/>
-                  <a:pt x="959172" y="146447"/>
-                  <a:pt x="979525" y="164307"/>
-                </a:cubicBezTo>
-                <a:cubicBezTo>
-                  <a:pt x="1014414" y="196453"/>
-                  <a:pt x="1055118" y="189310"/>
-                  <a:pt x="1092915" y="192882"/>
-                </a:cubicBezTo>
-                <a:cubicBezTo>
-                  <a:pt x="1197583" y="210741"/>
-                  <a:pt x="1247011" y="260747"/>
-                  <a:pt x="1270270" y="375047"/>
-                </a:cubicBezTo>
-                <a:cubicBezTo>
-                  <a:pt x="1180139" y="328613"/>
-                  <a:pt x="1090008" y="385763"/>
-                  <a:pt x="1002784" y="353615"/>
-                </a:cubicBezTo>
-                <a:cubicBezTo>
-                  <a:pt x="979525" y="346472"/>
-                  <a:pt x="944635" y="357188"/>
-                  <a:pt x="956265" y="396479"/>
-                </a:cubicBezTo>
-                <a:cubicBezTo>
-                  <a:pt x="967894" y="432198"/>
-                  <a:pt x="1005692" y="460772"/>
-                  <a:pt x="938820" y="453629"/>
-                </a:cubicBezTo>
-                <a:cubicBezTo>
-                  <a:pt x="889393" y="450056"/>
-                  <a:pt x="874856" y="407194"/>
-                  <a:pt x="860319" y="360759"/>
-                </a:cubicBezTo>
-                <a:cubicBezTo>
-                  <a:pt x="848689" y="335757"/>
-                  <a:pt x="816707" y="321469"/>
-                  <a:pt x="793447" y="335757"/>
-                </a:cubicBezTo>
-                <a:cubicBezTo>
-                  <a:pt x="764373" y="350044"/>
-                  <a:pt x="773095" y="389335"/>
-                  <a:pt x="773095" y="417910"/>
-                </a:cubicBezTo>
-                <a:cubicBezTo>
-                  <a:pt x="770187" y="471488"/>
-                  <a:pt x="793447" y="496491"/>
-                  <a:pt x="834151" y="507206"/>
-                </a:cubicBezTo>
-                <a:cubicBezTo>
-                  <a:pt x="883579" y="521494"/>
-                  <a:pt x="933005" y="539354"/>
-                  <a:pt x="996969" y="560785"/>
-                </a:cubicBezTo>
-                <a:cubicBezTo>
-                  <a:pt x="927190" y="596503"/>
-                  <a:pt x="874856" y="589360"/>
-                  <a:pt x="822522" y="560785"/>
-                </a:cubicBezTo>
-                <a:cubicBezTo>
-                  <a:pt x="758558" y="528637"/>
-                  <a:pt x="674242" y="485775"/>
-                  <a:pt x="621908" y="525066"/>
-                </a:cubicBezTo>
-                <a:cubicBezTo>
-                  <a:pt x="543407" y="582216"/>
-                  <a:pt x="479443" y="546497"/>
-                  <a:pt x="409664" y="535781"/>
-                </a:cubicBezTo>
-                <a:cubicBezTo>
-                  <a:pt x="264290" y="514350"/>
-                  <a:pt x="354422" y="482204"/>
-                  <a:pt x="209049" y="464344"/>
-                </a:cubicBezTo>
-                <a:cubicBezTo>
-                  <a:pt x="150900" y="457200"/>
-                  <a:pt x="89843" y="428625"/>
-                  <a:pt x="5527" y="467916"/>
-                </a:cubicBezTo>
-                <a:cubicBezTo>
-                  <a:pt x="386404" y="675085"/>
-                  <a:pt x="566666" y="660797"/>
-                  <a:pt x="906838" y="914400"/>
-                </a:cubicBezTo>
-                <a:cubicBezTo>
-                  <a:pt x="892301" y="939404"/>
-                  <a:pt x="877764" y="928688"/>
-                  <a:pt x="863226" y="925116"/>
-                </a:cubicBezTo>
-                <a:cubicBezTo>
-                  <a:pt x="839967" y="921544"/>
-                  <a:pt x="810892" y="907256"/>
-                  <a:pt x="805077" y="953691"/>
-                </a:cubicBezTo>
-                <a:cubicBezTo>
-                  <a:pt x="802169" y="989410"/>
-                  <a:pt x="819615" y="1007269"/>
-                  <a:pt x="848689" y="1010841"/>
-                </a:cubicBezTo>
-                <a:cubicBezTo>
-                  <a:pt x="933005" y="1025129"/>
-                  <a:pt x="1008599" y="1075135"/>
-                  <a:pt x="1084193" y="1117997"/>
-                </a:cubicBezTo>
-                <a:cubicBezTo>
-                  <a:pt x="1119082" y="1135857"/>
-                  <a:pt x="1156879" y="1160860"/>
-                  <a:pt x="1142342" y="1225153"/>
-                </a:cubicBezTo>
-                <a:cubicBezTo>
-                  <a:pt x="1113268" y="1243013"/>
-                  <a:pt x="1092915" y="1218009"/>
-                  <a:pt x="1069655" y="1214438"/>
-                </a:cubicBezTo>
-                <a:cubicBezTo>
-                  <a:pt x="1046396" y="1210866"/>
-                  <a:pt x="991154" y="1225153"/>
-                  <a:pt x="1005692" y="1235869"/>
-                </a:cubicBezTo>
-                <a:cubicBezTo>
-                  <a:pt x="1072563" y="1275159"/>
-                  <a:pt x="950450" y="1371600"/>
-                  <a:pt x="1031858" y="1371600"/>
-                </a:cubicBezTo>
-                <a:cubicBezTo>
-                  <a:pt x="1165601" y="1371600"/>
-                  <a:pt x="1238288" y="1543050"/>
-                  <a:pt x="1366216" y="1546622"/>
-                </a:cubicBezTo>
-                <a:cubicBezTo>
-                  <a:pt x="1386568" y="1546622"/>
-                  <a:pt x="1395290" y="1578770"/>
-                  <a:pt x="1395290" y="1603772"/>
-                </a:cubicBezTo>
-                <a:cubicBezTo>
-                  <a:pt x="1395290" y="1635920"/>
-                  <a:pt x="1374939" y="1639491"/>
-                  <a:pt x="1354586" y="1643063"/>
-                </a:cubicBezTo>
-                <a:cubicBezTo>
-                  <a:pt x="1322604" y="1646635"/>
-                  <a:pt x="1287715" y="1603772"/>
-                  <a:pt x="1247011" y="1664494"/>
-                </a:cubicBezTo>
-                <a:cubicBezTo>
-                  <a:pt x="1322604" y="1700213"/>
-                  <a:pt x="1401105" y="1735932"/>
-                  <a:pt x="1398198" y="1857375"/>
-                </a:cubicBezTo>
-                <a:cubicBezTo>
-                  <a:pt x="1398198" y="1889523"/>
-                  <a:pt x="1430180" y="1903810"/>
-                  <a:pt x="1453440" y="1910954"/>
-                </a:cubicBezTo>
-                <a:cubicBezTo>
-                  <a:pt x="1494144" y="1925241"/>
-                  <a:pt x="1526126" y="1946673"/>
-                  <a:pt x="1549386" y="1993106"/>
-                </a:cubicBezTo>
-                <a:cubicBezTo>
-                  <a:pt x="1549386" y="2003822"/>
-                  <a:pt x="1549386" y="2010966"/>
-                  <a:pt x="1549386" y="2021681"/>
-                </a:cubicBezTo>
-                <a:cubicBezTo>
-                  <a:pt x="1543571" y="2132410"/>
-                  <a:pt x="1485422" y="2128838"/>
-                  <a:pt x="1421458" y="2110978"/>
-                </a:cubicBezTo>
-                <a:cubicBezTo>
-                  <a:pt x="1345864" y="2089547"/>
-                  <a:pt x="1270270" y="2046685"/>
-                  <a:pt x="1188861" y="2085976"/>
-                </a:cubicBezTo>
-                <a:cubicBezTo>
-                  <a:pt x="1302252" y="2139554"/>
-                  <a:pt x="1427272" y="2143126"/>
-                  <a:pt x="1531941" y="2218135"/>
-                </a:cubicBezTo>
-                <a:cubicBezTo>
-                  <a:pt x="1142342" y="2232422"/>
-                  <a:pt x="799262" y="1993106"/>
-                  <a:pt x="421293" y="1900238"/>
-                </a:cubicBezTo>
-                <a:cubicBezTo>
-                  <a:pt x="432923" y="1960960"/>
-                  <a:pt x="464905" y="1975247"/>
-                  <a:pt x="491072" y="1982391"/>
-                </a:cubicBezTo>
-                <a:cubicBezTo>
-                  <a:pt x="630630" y="2028825"/>
-                  <a:pt x="752743" y="2121695"/>
-                  <a:pt x="880671" y="2200276"/>
-                </a:cubicBezTo>
-                <a:cubicBezTo>
-                  <a:pt x="933005" y="2232422"/>
-                  <a:pt x="970802" y="2268142"/>
-                  <a:pt x="991154" y="2336007"/>
-                </a:cubicBezTo>
-                <a:cubicBezTo>
-                  <a:pt x="1008599" y="2400300"/>
-                  <a:pt x="1043489" y="2428875"/>
-                  <a:pt x="1107453" y="2411016"/>
-                </a:cubicBezTo>
-                <a:cubicBezTo>
-                  <a:pt x="1159787" y="2396729"/>
-                  <a:pt x="1215029" y="2403873"/>
-                  <a:pt x="1270270" y="2411016"/>
-                </a:cubicBezTo>
-                <a:cubicBezTo>
-                  <a:pt x="1331326" y="2418160"/>
-                  <a:pt x="1401105" y="2489597"/>
-                  <a:pt x="1386568" y="2528889"/>
-                </a:cubicBezTo>
-                <a:cubicBezTo>
-                  <a:pt x="1357494" y="2593182"/>
-                  <a:pt x="1308067" y="2561035"/>
-                  <a:pt x="1267362" y="2553891"/>
-                </a:cubicBezTo>
-                <a:cubicBezTo>
-                  <a:pt x="1217936" y="2546748"/>
-                  <a:pt x="1127805" y="2528889"/>
-                  <a:pt x="1127805" y="2536032"/>
-                </a:cubicBezTo>
-                <a:cubicBezTo>
-                  <a:pt x="1095822" y="2696766"/>
-                  <a:pt x="1023136" y="2575322"/>
-                  <a:pt x="970802" y="2575322"/>
-                </a:cubicBezTo>
-                <a:cubicBezTo>
-                  <a:pt x="921375" y="2575322"/>
-                  <a:pt x="871949" y="2557463"/>
-                  <a:pt x="825429" y="2543176"/>
-                </a:cubicBezTo>
-                <a:cubicBezTo>
-                  <a:pt x="764373" y="2525316"/>
-                  <a:pt x="709132" y="2557463"/>
-                  <a:pt x="650982" y="2564607"/>
-                </a:cubicBezTo>
-                <a:cubicBezTo>
-                  <a:pt x="598648" y="2571751"/>
-                  <a:pt x="627722" y="2664620"/>
-                  <a:pt x="595740" y="2703909"/>
-                </a:cubicBezTo>
-                <a:cubicBezTo>
-                  <a:pt x="589926" y="2714626"/>
-                  <a:pt x="584111" y="2714626"/>
-                  <a:pt x="578296" y="2714626"/>
-                </a:cubicBezTo>
-                <a:cubicBezTo>
-                  <a:pt x="560851" y="2993232"/>
-                  <a:pt x="255568" y="2925366"/>
-                  <a:pt x="255568" y="2936081"/>
-                </a:cubicBezTo>
-                <a:cubicBezTo>
-                  <a:pt x="229401" y="2953941"/>
-                  <a:pt x="197419" y="2911079"/>
-                  <a:pt x="165437" y="2953941"/>
-                </a:cubicBezTo>
-                <a:cubicBezTo>
-                  <a:pt x="302087" y="3150394"/>
-                  <a:pt x="511425" y="3196828"/>
-                  <a:pt x="697501" y="3343275"/>
-                </a:cubicBezTo>
-                <a:cubicBezTo>
-                  <a:pt x="543407" y="3393282"/>
-                  <a:pt x="453275" y="3221832"/>
-                  <a:pt x="339884" y="3243263"/>
-                </a:cubicBezTo>
-                <a:cubicBezTo>
-                  <a:pt x="284643" y="3296842"/>
-                  <a:pt x="450368" y="3382566"/>
-                  <a:pt x="290458" y="3407569"/>
-                </a:cubicBezTo>
-                <a:cubicBezTo>
-                  <a:pt x="360236" y="3454004"/>
-                  <a:pt x="409664" y="3500439"/>
-                  <a:pt x="459090" y="3554016"/>
-                </a:cubicBezTo>
-                <a:cubicBezTo>
-                  <a:pt x="543407" y="3650457"/>
-                  <a:pt x="560851" y="3714751"/>
-                  <a:pt x="520147" y="3843338"/>
-                </a:cubicBezTo>
-                <a:cubicBezTo>
-                  <a:pt x="493979" y="3929063"/>
-                  <a:pt x="456183" y="4007645"/>
-                  <a:pt x="491072" y="4107657"/>
-                </a:cubicBezTo>
-                <a:cubicBezTo>
-                  <a:pt x="514332" y="4175522"/>
-                  <a:pt x="505609" y="4221957"/>
-                  <a:pt x="418386" y="4189810"/>
-                </a:cubicBezTo>
-                <a:cubicBezTo>
-                  <a:pt x="325347" y="4157663"/>
-                  <a:pt x="290458" y="4218386"/>
-                  <a:pt x="313718" y="4339829"/>
-                </a:cubicBezTo>
-                <a:cubicBezTo>
-                  <a:pt x="328254" y="4418410"/>
-                  <a:pt x="313718" y="4443413"/>
-                  <a:pt x="249753" y="4432698"/>
-                </a:cubicBezTo>
-                <a:cubicBezTo>
-                  <a:pt x="179975" y="4421982"/>
-                  <a:pt x="113103" y="4371976"/>
-                  <a:pt x="25879" y="4396979"/>
-                </a:cubicBezTo>
-                <a:cubicBezTo>
-                  <a:pt x="95658" y="4539854"/>
-                  <a:pt x="243939" y="4496991"/>
-                  <a:pt x="325347" y="4632722"/>
-                </a:cubicBezTo>
-                <a:cubicBezTo>
-                  <a:pt x="229401" y="4632722"/>
-                  <a:pt x="153807" y="4632722"/>
-                  <a:pt x="84029" y="4604147"/>
-                </a:cubicBezTo>
-                <a:cubicBezTo>
-                  <a:pt x="54954" y="4593433"/>
-                  <a:pt x="22972" y="4579145"/>
-                  <a:pt x="5527" y="4622007"/>
-                </a:cubicBezTo>
-                <a:cubicBezTo>
-                  <a:pt x="-14826" y="4672014"/>
-                  <a:pt x="25879" y="4689872"/>
-                  <a:pt x="49139" y="4697016"/>
-                </a:cubicBezTo>
-                <a:cubicBezTo>
-                  <a:pt x="116011" y="4722019"/>
-                  <a:pt x="168344" y="4779170"/>
-                  <a:pt x="226494" y="4825604"/>
-                </a:cubicBezTo>
-                <a:cubicBezTo>
-                  <a:pt x="351514" y="4925616"/>
-                  <a:pt x="488165" y="5011341"/>
-                  <a:pt x="592833" y="5175647"/>
-                </a:cubicBezTo>
-                <a:cubicBezTo>
-                  <a:pt x="461997" y="5132785"/>
-                  <a:pt x="363144" y="5032772"/>
-                  <a:pt x="238123" y="5014913"/>
-                </a:cubicBezTo>
-                <a:cubicBezTo>
-                  <a:pt x="345700" y="5164932"/>
-                  <a:pt x="482350" y="5264944"/>
-                  <a:pt x="610278" y="5375673"/>
-                </a:cubicBezTo>
-                <a:cubicBezTo>
-                  <a:pt x="648075" y="5407819"/>
-                  <a:pt x="685872" y="5429250"/>
-                  <a:pt x="691686" y="5497116"/>
-                </a:cubicBezTo>
-                <a:cubicBezTo>
-                  <a:pt x="709132" y="5629276"/>
-                  <a:pt x="755650" y="5736432"/>
-                  <a:pt x="860319" y="5793582"/>
-                </a:cubicBezTo>
-                <a:cubicBezTo>
-                  <a:pt x="860319" y="5793582"/>
-                  <a:pt x="854504" y="5815013"/>
-                  <a:pt x="851597" y="5825729"/>
-                </a:cubicBezTo>
-                <a:cubicBezTo>
-                  <a:pt x="787632" y="5829301"/>
-                  <a:pt x="738206" y="5750720"/>
-                  <a:pt x="659704" y="5779295"/>
-                </a:cubicBezTo>
-                <a:cubicBezTo>
-                  <a:pt x="738206" y="5886451"/>
-                  <a:pt x="802169" y="5979319"/>
-                  <a:pt x="909746" y="6029326"/>
-                </a:cubicBezTo>
-                <a:cubicBezTo>
-                  <a:pt x="996969" y="6068616"/>
-                  <a:pt x="1104545" y="6093620"/>
-                  <a:pt x="1168509" y="6222207"/>
-                </a:cubicBezTo>
-                <a:cubicBezTo>
-                  <a:pt x="1095822" y="6247210"/>
-                  <a:pt x="1040581" y="6215063"/>
-                  <a:pt x="985339" y="6193632"/>
-                </a:cubicBezTo>
-                <a:cubicBezTo>
-                  <a:pt x="901023" y="6157913"/>
-                  <a:pt x="816707" y="6118623"/>
-                  <a:pt x="732391" y="6082904"/>
-                </a:cubicBezTo>
-                <a:cubicBezTo>
-                  <a:pt x="700408" y="6068616"/>
-                  <a:pt x="665519" y="6061472"/>
-                  <a:pt x="645167" y="6125766"/>
-                </a:cubicBezTo>
-                <a:cubicBezTo>
-                  <a:pt x="752743" y="6140053"/>
-                  <a:pt x="816707" y="6225779"/>
-                  <a:pt x="883579" y="6307932"/>
-                </a:cubicBezTo>
-                <a:cubicBezTo>
-                  <a:pt x="921375" y="6354366"/>
-                  <a:pt x="953358" y="6415088"/>
-                  <a:pt x="1020229" y="6393657"/>
-                </a:cubicBezTo>
-                <a:cubicBezTo>
-                  <a:pt x="1055118" y="6382942"/>
-                  <a:pt x="1078378" y="6415088"/>
-                  <a:pt x="1075471" y="6457950"/>
-                </a:cubicBezTo>
-                <a:cubicBezTo>
-                  <a:pt x="1060933" y="6607970"/>
-                  <a:pt x="1145250" y="6657976"/>
-                  <a:pt x="1232473" y="6686551"/>
-                </a:cubicBezTo>
-                <a:cubicBezTo>
-                  <a:pt x="1360401" y="6729413"/>
-                  <a:pt x="1473792" y="6815138"/>
-                  <a:pt x="1592997" y="6886576"/>
-                </a:cubicBezTo>
-                <a:lnTo>
-                  <a:pt x="5511704" y="6886576"/>
-                </a:lnTo>
-                <a:close/>
-              </a:path>
-            </a:pathLst>
-          </a:custGeom>
-          <a:solidFill>
-            <a:srgbClr val="6EA0EE">
-              <a:alpha val="20000"/>
-            </a:srgbClr>
-          </a:solidFill>
-          <a:ln w="32707" cap="flat">
-            <a:noFill/>
-            <a:prstDash val="solid"/>
-            <a:miter/>
-          </a:ln>
-        </p:spPr>
-        <p:txBody>
-          <a:bodyPr rtlCol="0" anchor="ctr"/>
-          <a:lstStyle/>
-          <a:p>
-            <a:endParaRPr lang="en-US" dirty="0"/>
-          </a:p>
-        </p:txBody>
-      </p:sp>
-      <p:sp>
-        <p:nvSpPr>
-          <p:cNvPr id="2" name="Nadpis 1">
-            <a:extLst>
-              <a:ext uri="{FF2B5EF4-FFF2-40B4-BE49-F238E27FC236}">
-                <a16:creationId xmlns:a16="http://schemas.microsoft.com/office/drawing/2014/main" id="{E4EA6845-4233-950B-5D0B-DF55FF26FE0E}"/>
-              </a:ext>
-            </a:extLst>
-          </p:cNvPr>
-          <p:cNvSpPr>
-            <a:spLocks noGrp="1"/>
-          </p:cNvSpPr>
-          <p:nvPr>
-            <p:ph type="title"/>
-          </p:nvPr>
-        </p:nvSpPr>
-        <p:spPr>
-          <a:xfrm>
-            <a:off x="838200" y="713312"/>
-            <a:ext cx="3524250" cy="5431376"/>
-          </a:xfrm>
-        </p:spPr>
-        <p:txBody>
-          <a:bodyPr>
-            <a:normAutofit/>
-          </a:bodyPr>
-          <a:lstStyle/>
-          <a:p>
-            <a:r>
-              <a:rPr lang="cs-CZ" dirty="0"/>
-              <a:t>Bitcoin</a:t>
-            </a:r>
-          </a:p>
-        </p:txBody>
-      </p:sp>
-      <p:sp>
-        <p:nvSpPr>
-          <p:cNvPr id="3" name="Zástupný obsah 2">
-            <a:extLst>
-              <a:ext uri="{FF2B5EF4-FFF2-40B4-BE49-F238E27FC236}">
-                <a16:creationId xmlns:a16="http://schemas.microsoft.com/office/drawing/2014/main" id="{8F9687EA-48DF-FA35-3D38-38DE2F11C6B2}"/>
-              </a:ext>
-            </a:extLst>
-          </p:cNvPr>
-          <p:cNvSpPr>
-            <a:spLocks noGrp="1"/>
-          </p:cNvSpPr>
-          <p:nvPr>
-            <p:ph idx="1"/>
-          </p:nvPr>
-        </p:nvSpPr>
-        <p:spPr>
-          <a:xfrm>
-            <a:off x="6095999" y="713313"/>
-            <a:ext cx="5257801" cy="5431376"/>
-          </a:xfrm>
-        </p:spPr>
-        <p:txBody>
-          <a:bodyPr vert="horz" lIns="91440" tIns="45720" rIns="91440" bIns="45720" rtlCol="0" anchor="ctr">
-            <a:normAutofit/>
-          </a:bodyPr>
-          <a:lstStyle/>
-          <a:p>
-            <a:r>
-              <a:rPr lang="cs-CZ" sz="2000" dirty="0"/>
-              <a:t>Nejznámější kryptoměna</a:t>
-            </a:r>
-          </a:p>
-        </p:txBody>
-      </p:sp>
-    </p:spTree>
-    <p:extLst>
-      <p:ext uri="{BB962C8B-B14F-4D97-AF65-F5344CB8AC3E}">
-        <p14:creationId xmlns:p14="http://schemas.microsoft.com/office/powerpoint/2010/main" val="1070189599"/>
-      </p:ext>
-    </p:extLst>
-  </p:cSld>
-  <p:clrMapOvr>
-    <a:masterClrMapping/>
-  </p:clrMapOvr>
-  <p:timing>
-    <p:tnLst>
-      <p:par>
-        <p:cTn id="1" dur="indefinite" restart="never" nodeType="tmRoot">
-          <p:childTnLst>
-            <p:seq concurrent="1" nextAc="seek">
-              <p:cTn id="2" dur="indefinite" nodeType="mainSeq">
-                <p:childTnLst>
-                  <p:par>
-                    <p:cTn id="3" fill="hold">
-                      <p:stCondLst>
-                        <p:cond delay="indefinite"/>
-                        <p:cond evt="onBegin" delay="0">
-                          <p:tn val="2"/>
-                        </p:cond>
-                      </p:stCondLst>
-                      <p:childTnLst>
-                        <p:par>
-                          <p:cTn id="4" fill="hold">
-                            <p:stCondLst>
-                              <p:cond delay="0"/>
-                            </p:stCondLst>
-                            <p:childTnLst>
-                              <p:par>
-                                <p:cTn id="5" presetID="10" presetClass="entr" presetSubtype="0" fill="hold" grpId="0" nodeType="withEffect">
-                                  <p:stCondLst>
-                                    <p:cond delay="500"/>
-                                  </p:stCondLst>
-                                  <p:iterate>
-                                    <p:tmPct val="10000"/>
-                                  </p:iterate>
-                                  <p:childTnLst>
-                                    <p:set>
-                                      <p:cBhvr>
-                                        <p:cTn id="6" dur="1" fill="hold">
-                                          <p:stCondLst>
-                                            <p:cond delay="0"/>
-                                          </p:stCondLst>
-                                        </p:cTn>
-                                        <p:tgtEl>
-                                          <p:spTgt spid="2"/>
-                                        </p:tgtEl>
-                                        <p:attrNameLst>
-                                          <p:attrName>style.visibility</p:attrName>
-                                        </p:attrNameLst>
-                                      </p:cBhvr>
-                                      <p:to>
-                                        <p:strVal val="visible"/>
-                                      </p:to>
-                                    </p:set>
-                                    <p:animEffect transition="in" filter="fade">
-                                      <p:cBhvr>
-                                        <p:cTn id="7" dur="700"/>
-                                        <p:tgtEl>
-                                          <p:spTgt spid="2"/>
-                                        </p:tgtEl>
-                                      </p:cBhvr>
-                                    </p:animEffect>
-                                  </p:childTnLst>
-                                </p:cTn>
-                              </p:par>
-                            </p:childTnLst>
-                          </p:cTn>
-                        </p:par>
-                      </p:childTnLst>
-                    </p:cTn>
-                  </p:par>
-                </p:childTnLst>
-              </p:cTn>
-              <p:prevCondLst>
-                <p:cond evt="onPrev" delay="0">
-                  <p:tgtEl>
-                    <p:sldTgt/>
-                  </p:tgtEl>
-                </p:cond>
-              </p:prevCondLst>
-              <p:nextCondLst>
-                <p:cond evt="onNext" delay="0">
-                  <p:tgtEl>
-                    <p:sldTgt/>
-                  </p:tgtEl>
-                </p:cond>
-              </p:nextCondLst>
-            </p:seq>
-          </p:childTnLst>
-        </p:cTn>
-      </p:par>
-    </p:tnLst>
-    <p:bldLst>
-      <p:bldP spid="2" grpId="0"/>
-    </p:bldLst>
-  </p:timing>
-</p:sld>
-</file>
-
 <file path=ppt/theme/theme1.xml><?xml version="1.0" encoding="utf-8"?>
 <a:theme xmlns:a="http://schemas.openxmlformats.org/drawingml/2006/main" name="BrushVTI">
   <a:themeElements>

--- a/Presentation.pptx
+++ b/Presentation.pptx
@@ -135,7 +135,7 @@
 <p1510:revInfo xmlns:a="http://schemas.openxmlformats.org/drawingml/2006/main" xmlns:r="http://schemas.openxmlformats.org/officeDocument/2006/relationships" xmlns:p1510="http://schemas.microsoft.com/office/powerpoint/2015/10/main">
   <p1510:revLst>
     <p1510:client id="{59693EA4-9B7B-4D6C-A343-44006B6E08F6}" v="82" dt="2023-01-19T19:30:14.881"/>
-    <p1510:client id="{64C3841D-0FC6-4C71-ADDD-FB6004B8FDBC}" v="191" dt="2023-01-19T21:29:18.239"/>
+    <p1510:client id="{64C3841D-0FC6-4C71-ADDD-FB6004B8FDBC}" v="215" dt="2023-01-19T21:34:35.294"/>
     <p1510:client id="{90CD2702-F223-42B5-86DB-5DE8794B5F53}" v="283" dt="2023-01-19T18:41:15.477"/>
     <p1510:client id="{A2015CC1-AD80-4D67-93C5-6172D29A789D}" v="366" dt="2023-01-17T19:16:33.831"/>
     <p1510:client id="{B5536738-2BF7-40E9-B25C-53EB12777241}" v="40" dt="2023-01-18T18:57:32.573"/>
@@ -1959,6 +1959,13 @@
         </dgm:presLayoutVars>
       </dgm:prSet>
       <dgm:spPr/>
+      <dgm:t>
+        <a:bodyPr/>
+        <a:lstStyle/>
+        <a:p>
+          <a:endParaRPr lang="en-US"/>
+        </a:p>
+      </dgm:t>
     </dgm:pt>
     <dgm:pt modelId="{F3472A88-DDEB-44F9-8CF2-7D5ECB3619C2}" type="pres">
       <dgm:prSet presAssocID="{D115171E-FAC7-4A08-B0EC-DA8B424272D7}" presName="thickLine" presStyleLbl="alignNode1" presStyleIdx="0" presStyleCnt="8"/>
@@ -1971,6 +1978,13 @@
     <dgm:pt modelId="{E22E27B4-6269-49F9-8DB7-E203BB5EB5C9}" type="pres">
       <dgm:prSet presAssocID="{D115171E-FAC7-4A08-B0EC-DA8B424272D7}" presName="tx1" presStyleLbl="revTx" presStyleIdx="0" presStyleCnt="8"/>
       <dgm:spPr/>
+      <dgm:t>
+        <a:bodyPr/>
+        <a:lstStyle/>
+        <a:p>
+          <a:endParaRPr lang="en-US"/>
+        </a:p>
+      </dgm:t>
     </dgm:pt>
     <dgm:pt modelId="{CC3CBF97-F4E3-4428-969E-B0DC535FF925}" type="pres">
       <dgm:prSet presAssocID="{D115171E-FAC7-4A08-B0EC-DA8B424272D7}" presName="vert1" presStyleCnt="0"/>
@@ -1987,6 +2001,13 @@
     <dgm:pt modelId="{B0838DB8-C254-426E-A5FB-8728C8A85947}" type="pres">
       <dgm:prSet presAssocID="{C73E29D7-87A2-44DC-8A38-95C3611D62FA}" presName="tx1" presStyleLbl="revTx" presStyleIdx="1" presStyleCnt="8"/>
       <dgm:spPr/>
+      <dgm:t>
+        <a:bodyPr/>
+        <a:lstStyle/>
+        <a:p>
+          <a:endParaRPr lang="en-US"/>
+        </a:p>
+      </dgm:t>
     </dgm:pt>
     <dgm:pt modelId="{4E52E7FD-A98F-43DB-9189-F9BFD4624344}" type="pres">
       <dgm:prSet presAssocID="{C73E29D7-87A2-44DC-8A38-95C3611D62FA}" presName="vert1" presStyleCnt="0"/>
@@ -2003,6 +2024,13 @@
     <dgm:pt modelId="{4F14057E-F2C8-4FE3-9BE8-E5A444CEADEE}" type="pres">
       <dgm:prSet presAssocID="{9AF89C65-7CCE-4E90-AA7D-B9657C3BA564}" presName="tx1" presStyleLbl="revTx" presStyleIdx="2" presStyleCnt="8"/>
       <dgm:spPr/>
+      <dgm:t>
+        <a:bodyPr/>
+        <a:lstStyle/>
+        <a:p>
+          <a:endParaRPr lang="en-US"/>
+        </a:p>
+      </dgm:t>
     </dgm:pt>
     <dgm:pt modelId="{86C6F432-F3CF-46F0-8F39-AEDD6DD2CACA}" type="pres">
       <dgm:prSet presAssocID="{9AF89C65-7CCE-4E90-AA7D-B9657C3BA564}" presName="vert1" presStyleCnt="0"/>
@@ -2019,6 +2047,13 @@
     <dgm:pt modelId="{12EA1E71-4C92-4051-AAB8-095CEDD4F9F1}" type="pres">
       <dgm:prSet presAssocID="{B772465C-3590-4B98-AB7A-0032640CDA41}" presName="tx1" presStyleLbl="revTx" presStyleIdx="3" presStyleCnt="8"/>
       <dgm:spPr/>
+      <dgm:t>
+        <a:bodyPr/>
+        <a:lstStyle/>
+        <a:p>
+          <a:endParaRPr lang="en-US"/>
+        </a:p>
+      </dgm:t>
     </dgm:pt>
     <dgm:pt modelId="{A89F49A6-7A31-4E5E-A3D0-84409350337D}" type="pres">
       <dgm:prSet presAssocID="{B772465C-3590-4B98-AB7A-0032640CDA41}" presName="vert1" presStyleCnt="0"/>
@@ -2035,6 +2070,13 @@
     <dgm:pt modelId="{C5DC69CC-1BB8-49F8-A1AA-1AAD9869DE0A}" type="pres">
       <dgm:prSet presAssocID="{AE776851-FB4B-4935-BB93-906EC787738B}" presName="tx1" presStyleLbl="revTx" presStyleIdx="4" presStyleCnt="8"/>
       <dgm:spPr/>
+      <dgm:t>
+        <a:bodyPr/>
+        <a:lstStyle/>
+        <a:p>
+          <a:endParaRPr lang="en-US"/>
+        </a:p>
+      </dgm:t>
     </dgm:pt>
     <dgm:pt modelId="{EE905529-1FAE-4E2E-9A43-95DB24156926}" type="pres">
       <dgm:prSet presAssocID="{AE776851-FB4B-4935-BB93-906EC787738B}" presName="vert1" presStyleCnt="0"/>
@@ -2051,6 +2093,13 @@
     <dgm:pt modelId="{4F520865-A6E4-45F7-83A3-327A183A3D66}" type="pres">
       <dgm:prSet presAssocID="{C1091C1B-E767-48DC-8862-3D4B9B1167D5}" presName="tx1" presStyleLbl="revTx" presStyleIdx="5" presStyleCnt="8"/>
       <dgm:spPr/>
+      <dgm:t>
+        <a:bodyPr/>
+        <a:lstStyle/>
+        <a:p>
+          <a:endParaRPr lang="en-US"/>
+        </a:p>
+      </dgm:t>
     </dgm:pt>
     <dgm:pt modelId="{7E88058A-E303-4631-AC34-C3108AB96A00}" type="pres">
       <dgm:prSet presAssocID="{C1091C1B-E767-48DC-8862-3D4B9B1167D5}" presName="vert1" presStyleCnt="0"/>
@@ -2067,6 +2116,13 @@
     <dgm:pt modelId="{D30568EB-76DC-4483-A50D-2BFD3A83CA3D}" type="pres">
       <dgm:prSet presAssocID="{8E5304E5-546E-4FB6-8DDF-CC85B69D88EF}" presName="tx1" presStyleLbl="revTx" presStyleIdx="6" presStyleCnt="8"/>
       <dgm:spPr/>
+      <dgm:t>
+        <a:bodyPr/>
+        <a:lstStyle/>
+        <a:p>
+          <a:endParaRPr lang="en-US"/>
+        </a:p>
+      </dgm:t>
     </dgm:pt>
     <dgm:pt modelId="{0B04CDC6-3BB0-48B8-BDF2-D753BF0512FC}" type="pres">
       <dgm:prSet presAssocID="{8E5304E5-546E-4FB6-8DDF-CC85B69D88EF}" presName="vert1" presStyleCnt="0"/>
@@ -2083,6 +2139,13 @@
     <dgm:pt modelId="{2582A93B-AE02-4AF2-ADA7-BCE97746AACF}" type="pres">
       <dgm:prSet presAssocID="{C6CDEC72-DAC0-4D00-A20E-8B873410DC21}" presName="tx1" presStyleLbl="revTx" presStyleIdx="7" presStyleCnt="8"/>
       <dgm:spPr/>
+      <dgm:t>
+        <a:bodyPr/>
+        <a:lstStyle/>
+        <a:p>
+          <a:endParaRPr lang="en-US"/>
+        </a:p>
+      </dgm:t>
     </dgm:pt>
     <dgm:pt modelId="{02030D17-97C8-422F-BDA6-11F7B4BB9247}" type="pres">
       <dgm:prSet presAssocID="{C6CDEC72-DAC0-4D00-A20E-8B873410DC21}" presName="vert1" presStyleCnt="0"/>
@@ -2090,55 +2153,55 @@
     </dgm:pt>
   </dgm:ptLst>
   <dgm:cxnLst>
+    <dgm:cxn modelId="{CF8D8065-1955-48ED-B21D-6213D7B01F76}" type="presOf" srcId="{9AF89C65-7CCE-4E90-AA7D-B9657C3BA564}" destId="{4F14057E-F2C8-4FE3-9BE8-E5A444CEADEE}" srcOrd="0" destOrd="0" presId="urn:microsoft.com/office/officeart/2008/layout/LinedList"/>
+    <dgm:cxn modelId="{D83E52EE-CAE9-49DF-B19D-0512BD486A7E}" srcId="{7A908F8F-FA07-4DEB-97D0-C12A003A3332}" destId="{C6CDEC72-DAC0-4D00-A20E-8B873410DC21}" srcOrd="7" destOrd="0" parTransId="{24586B24-A79F-4458-9C2C-25084D89CBE4}" sibTransId="{6C9CD2D6-C972-42DA-B3D7-F1E9E9F7D121}"/>
+    <dgm:cxn modelId="{B8D21827-5092-4BD5-A5FB-FEA38F09C568}" srcId="{7A908F8F-FA07-4DEB-97D0-C12A003A3332}" destId="{B772465C-3590-4B98-AB7A-0032640CDA41}" srcOrd="3" destOrd="0" parTransId="{E012725A-666E-48CF-B7C4-D501B0C11AFE}" sibTransId="{89919D58-DD73-457E-84C6-6E5E326B2503}"/>
+    <dgm:cxn modelId="{889A5C8B-87EE-43AC-8709-AEB8A1C7C1A3}" srcId="{7A908F8F-FA07-4DEB-97D0-C12A003A3332}" destId="{AE776851-FB4B-4935-BB93-906EC787738B}" srcOrd="4" destOrd="0" parTransId="{302A9A56-A17D-46E9-8436-9C35B2BB5EE7}" sibTransId="{35AED559-AD57-4E04-860F-5B8B67F9B987}"/>
+    <dgm:cxn modelId="{1B0F91C6-F0C4-41FC-BB3D-9331C4AFE9FF}" srcId="{7A908F8F-FA07-4DEB-97D0-C12A003A3332}" destId="{D115171E-FAC7-4A08-B0EC-DA8B424272D7}" srcOrd="0" destOrd="0" parTransId="{6322F993-B5C2-455F-8F32-EFCBC430C8A1}" sibTransId="{430A4452-979F-43F7-9B35-3E1AD655B14A}"/>
+    <dgm:cxn modelId="{294C3AB3-A59E-4817-B83C-F8315E09AFB9}" type="presOf" srcId="{AE776851-FB4B-4935-BB93-906EC787738B}" destId="{C5DC69CC-1BB8-49F8-A1AA-1AAD9869DE0A}" srcOrd="0" destOrd="0" presId="urn:microsoft.com/office/officeart/2008/layout/LinedList"/>
+    <dgm:cxn modelId="{5D158665-B367-443B-A144-4A3499298A27}" srcId="{7A908F8F-FA07-4DEB-97D0-C12A003A3332}" destId="{8E5304E5-546E-4FB6-8DDF-CC85B69D88EF}" srcOrd="6" destOrd="0" parTransId="{19BC60B8-1A7F-4BF3-89D1-43D6CA494708}" sibTransId="{3D6A3F13-80FC-4B25-8DB9-44F980D528C4}"/>
+    <dgm:cxn modelId="{D040435A-D3D5-4D6F-92F2-3915A2BCD449}" srcId="{7A908F8F-FA07-4DEB-97D0-C12A003A3332}" destId="{9AF89C65-7CCE-4E90-AA7D-B9657C3BA564}" srcOrd="2" destOrd="0" parTransId="{072C5D2A-88A6-4DC4-85B3-CA2F89B92E7E}" sibTransId="{9E41FA40-98A9-4A71-A6B5-79CB9C53AD3E}"/>
+    <dgm:cxn modelId="{623BB5EA-EFFB-490C-804E-FAE8F4C81824}" type="presOf" srcId="{C73E29D7-87A2-44DC-8A38-95C3611D62FA}" destId="{B0838DB8-C254-426E-A5FB-8728C8A85947}" srcOrd="0" destOrd="0" presId="urn:microsoft.com/office/officeart/2008/layout/LinedList"/>
+    <dgm:cxn modelId="{E2F0D8D3-BC0B-4DE6-8439-75AF83BC894B}" type="presOf" srcId="{B772465C-3590-4B98-AB7A-0032640CDA41}" destId="{12EA1E71-4C92-4051-AAB8-095CEDD4F9F1}" srcOrd="0" destOrd="0" presId="urn:microsoft.com/office/officeart/2008/layout/LinedList"/>
+    <dgm:cxn modelId="{F3873DF4-AB72-46C1-87A3-221B400D411D}" type="presOf" srcId="{C1091C1B-E767-48DC-8862-3D4B9B1167D5}" destId="{4F520865-A6E4-45F7-83A3-327A183A3D66}" srcOrd="0" destOrd="0" presId="urn:microsoft.com/office/officeart/2008/layout/LinedList"/>
+    <dgm:cxn modelId="{408F70F7-446D-4C12-B484-92E120E29D63}" type="presOf" srcId="{7A908F8F-FA07-4DEB-97D0-C12A003A3332}" destId="{206E07E3-7371-4B83-A3AC-56090C135DDD}" srcOrd="0" destOrd="0" presId="urn:microsoft.com/office/officeart/2008/layout/LinedList"/>
     <dgm:cxn modelId="{84BEDB0D-8B30-4655-9752-47059A3B8D2E}" srcId="{7A908F8F-FA07-4DEB-97D0-C12A003A3332}" destId="{C1091C1B-E767-48DC-8862-3D4B9B1167D5}" srcOrd="5" destOrd="0" parTransId="{CCC23ECF-649F-473D-B281-C774C0BCD7DD}" sibTransId="{CEA36945-EBC2-4320-A479-8B1D0055C29A}"/>
-    <dgm:cxn modelId="{3C8F1D12-24DC-4851-AA77-D779D621558D}" type="presOf" srcId="{C1091C1B-E767-48DC-8862-3D4B9B1167D5}" destId="{4F520865-A6E4-45F7-83A3-327A183A3D66}" srcOrd="0" destOrd="0" presId="urn:microsoft.com/office/officeart/2008/layout/LinedList"/>
-    <dgm:cxn modelId="{B8D21827-5092-4BD5-A5FB-FEA38F09C568}" srcId="{7A908F8F-FA07-4DEB-97D0-C12A003A3332}" destId="{B772465C-3590-4B98-AB7A-0032640CDA41}" srcOrd="3" destOrd="0" parTransId="{E012725A-666E-48CF-B7C4-D501B0C11AFE}" sibTransId="{89919D58-DD73-457E-84C6-6E5E326B2503}"/>
-    <dgm:cxn modelId="{1589062A-E4B3-42C4-93E7-FD4788FC1A43}" type="presOf" srcId="{C6CDEC72-DAC0-4D00-A20E-8B873410DC21}" destId="{2582A93B-AE02-4AF2-ADA7-BCE97746AACF}" srcOrd="0" destOrd="0" presId="urn:microsoft.com/office/officeart/2008/layout/LinedList"/>
-    <dgm:cxn modelId="{23F1B161-002B-4F7B-AF2F-A6F8B5B8160D}" type="presOf" srcId="{9AF89C65-7CCE-4E90-AA7D-B9657C3BA564}" destId="{4F14057E-F2C8-4FE3-9BE8-E5A444CEADEE}" srcOrd="0" destOrd="0" presId="urn:microsoft.com/office/officeart/2008/layout/LinedList"/>
-    <dgm:cxn modelId="{F1281865-95EF-4A1E-9F29-93DBBEE0F479}" type="presOf" srcId="{AE776851-FB4B-4935-BB93-906EC787738B}" destId="{C5DC69CC-1BB8-49F8-A1AA-1AAD9869DE0A}" srcOrd="0" destOrd="0" presId="urn:microsoft.com/office/officeart/2008/layout/LinedList"/>
-    <dgm:cxn modelId="{5D158665-B367-443B-A144-4A3499298A27}" srcId="{7A908F8F-FA07-4DEB-97D0-C12A003A3332}" destId="{8E5304E5-546E-4FB6-8DDF-CC85B69D88EF}" srcOrd="6" destOrd="0" parTransId="{19BC60B8-1A7F-4BF3-89D1-43D6CA494708}" sibTransId="{3D6A3F13-80FC-4B25-8DB9-44F980D528C4}"/>
-    <dgm:cxn modelId="{324BC44A-2BF8-4A44-A5EA-D014CEA46AC2}" type="presOf" srcId="{B772465C-3590-4B98-AB7A-0032640CDA41}" destId="{12EA1E71-4C92-4051-AAB8-095CEDD4F9F1}" srcOrd="0" destOrd="0" presId="urn:microsoft.com/office/officeart/2008/layout/LinedList"/>
-    <dgm:cxn modelId="{3BD1434C-DB79-4879-9963-FF344EF2720D}" type="presOf" srcId="{D115171E-FAC7-4A08-B0EC-DA8B424272D7}" destId="{E22E27B4-6269-49F9-8DB7-E203BB5EB5C9}" srcOrd="0" destOrd="0" presId="urn:microsoft.com/office/officeart/2008/layout/LinedList"/>
-    <dgm:cxn modelId="{CF38C773-E8E4-4831-A665-FC2CD1B6F6CC}" type="presOf" srcId="{8E5304E5-546E-4FB6-8DDF-CC85B69D88EF}" destId="{D30568EB-76DC-4483-A50D-2BFD3A83CA3D}" srcOrd="0" destOrd="0" presId="urn:microsoft.com/office/officeart/2008/layout/LinedList"/>
-    <dgm:cxn modelId="{D040435A-D3D5-4D6F-92F2-3915A2BCD449}" srcId="{7A908F8F-FA07-4DEB-97D0-C12A003A3332}" destId="{9AF89C65-7CCE-4E90-AA7D-B9657C3BA564}" srcOrd="2" destOrd="0" parTransId="{072C5D2A-88A6-4DC4-85B3-CA2F89B92E7E}" sibTransId="{9E41FA40-98A9-4A71-A6B5-79CB9C53AD3E}"/>
+    <dgm:cxn modelId="{0883D9A1-7FDA-4F08-851C-B4C88A55F8E1}" type="presOf" srcId="{C6CDEC72-DAC0-4D00-A20E-8B873410DC21}" destId="{2582A93B-AE02-4AF2-ADA7-BCE97746AACF}" srcOrd="0" destOrd="0" presId="urn:microsoft.com/office/officeart/2008/layout/LinedList"/>
+    <dgm:cxn modelId="{F757E02F-66B3-4BD3-8947-19C3FF932956}" type="presOf" srcId="{D115171E-FAC7-4A08-B0EC-DA8B424272D7}" destId="{E22E27B4-6269-49F9-8DB7-E203BB5EB5C9}" srcOrd="0" destOrd="0" presId="urn:microsoft.com/office/officeart/2008/layout/LinedList"/>
+    <dgm:cxn modelId="{20E6F9E3-1A81-4004-8AE0-B572AF1FF2D5}" type="presOf" srcId="{8E5304E5-546E-4FB6-8DDF-CC85B69D88EF}" destId="{D30568EB-76DC-4483-A50D-2BFD3A83CA3D}" srcOrd="0" destOrd="0" presId="urn:microsoft.com/office/officeart/2008/layout/LinedList"/>
     <dgm:cxn modelId="{EBD09587-14C2-4B80-997C-678BC54E6F1E}" srcId="{7A908F8F-FA07-4DEB-97D0-C12A003A3332}" destId="{C73E29D7-87A2-44DC-8A38-95C3611D62FA}" srcOrd="1" destOrd="0" parTransId="{893CC579-2D00-48B0-982F-8DE87ECB1B2A}" sibTransId="{BFC853AC-631D-48C0-9C1A-C0CDA7DB7EC3}"/>
-    <dgm:cxn modelId="{889A5C8B-87EE-43AC-8709-AEB8A1C7C1A3}" srcId="{7A908F8F-FA07-4DEB-97D0-C12A003A3332}" destId="{AE776851-FB4B-4935-BB93-906EC787738B}" srcOrd="4" destOrd="0" parTransId="{302A9A56-A17D-46E9-8436-9C35B2BB5EE7}" sibTransId="{35AED559-AD57-4E04-860F-5B8B67F9B987}"/>
-    <dgm:cxn modelId="{440E4FBF-AA64-4BF7-BB5E-3ED002E634E2}" type="presOf" srcId="{C73E29D7-87A2-44DC-8A38-95C3611D62FA}" destId="{B0838DB8-C254-426E-A5FB-8728C8A85947}" srcOrd="0" destOrd="0" presId="urn:microsoft.com/office/officeart/2008/layout/LinedList"/>
-    <dgm:cxn modelId="{1B0F91C6-F0C4-41FC-BB3D-9331C4AFE9FF}" srcId="{7A908F8F-FA07-4DEB-97D0-C12A003A3332}" destId="{D115171E-FAC7-4A08-B0EC-DA8B424272D7}" srcOrd="0" destOrd="0" parTransId="{6322F993-B5C2-455F-8F32-EFCBC430C8A1}" sibTransId="{430A4452-979F-43F7-9B35-3E1AD655B14A}"/>
-    <dgm:cxn modelId="{D83E52EE-CAE9-49DF-B19D-0512BD486A7E}" srcId="{7A908F8F-FA07-4DEB-97D0-C12A003A3332}" destId="{C6CDEC72-DAC0-4D00-A20E-8B873410DC21}" srcOrd="7" destOrd="0" parTransId="{24586B24-A79F-4458-9C2C-25084D89CBE4}" sibTransId="{6C9CD2D6-C972-42DA-B3D7-F1E9E9F7D121}"/>
-    <dgm:cxn modelId="{408F70F7-446D-4C12-B484-92E120E29D63}" type="presOf" srcId="{7A908F8F-FA07-4DEB-97D0-C12A003A3332}" destId="{206E07E3-7371-4B83-A3AC-56090C135DDD}" srcOrd="0" destOrd="0" presId="urn:microsoft.com/office/officeart/2008/layout/LinedList"/>
     <dgm:cxn modelId="{F102EA5E-32AF-4A8B-88AD-6AEBE8686420}" type="presParOf" srcId="{206E07E3-7371-4B83-A3AC-56090C135DDD}" destId="{F3472A88-DDEB-44F9-8CF2-7D5ECB3619C2}" srcOrd="0" destOrd="0" presId="urn:microsoft.com/office/officeart/2008/layout/LinedList"/>
     <dgm:cxn modelId="{76EF7CFA-A77E-40F0-B5BF-31CFA140DE17}" type="presParOf" srcId="{206E07E3-7371-4B83-A3AC-56090C135DDD}" destId="{D2DE8418-1F7A-4580-B4BC-FD9F0CB21EF6}" srcOrd="1" destOrd="0" presId="urn:microsoft.com/office/officeart/2008/layout/LinedList"/>
-    <dgm:cxn modelId="{E452092C-0E01-4969-8396-E059E2A9A2BA}" type="presParOf" srcId="{D2DE8418-1F7A-4580-B4BC-FD9F0CB21EF6}" destId="{E22E27B4-6269-49F9-8DB7-E203BB5EB5C9}" srcOrd="0" destOrd="0" presId="urn:microsoft.com/office/officeart/2008/layout/LinedList"/>
-    <dgm:cxn modelId="{8D6FEF09-347E-49B8-9B3E-C761F97182DA}" type="presParOf" srcId="{D2DE8418-1F7A-4580-B4BC-FD9F0CB21EF6}" destId="{CC3CBF97-F4E3-4428-969E-B0DC535FF925}" srcOrd="1" destOrd="0" presId="urn:microsoft.com/office/officeart/2008/layout/LinedList"/>
+    <dgm:cxn modelId="{2D376ED2-733F-4B44-B4C8-9F833C0742AE}" type="presParOf" srcId="{D2DE8418-1F7A-4580-B4BC-FD9F0CB21EF6}" destId="{E22E27B4-6269-49F9-8DB7-E203BB5EB5C9}" srcOrd="0" destOrd="0" presId="urn:microsoft.com/office/officeart/2008/layout/LinedList"/>
+    <dgm:cxn modelId="{953BE04C-A7F7-4A5D-B0E1-4E3C5DB4DC00}" type="presParOf" srcId="{D2DE8418-1F7A-4580-B4BC-FD9F0CB21EF6}" destId="{CC3CBF97-F4E3-4428-969E-B0DC535FF925}" srcOrd="1" destOrd="0" presId="urn:microsoft.com/office/officeart/2008/layout/LinedList"/>
     <dgm:cxn modelId="{2C663D16-3757-4417-8FF8-59000A38F697}" type="presParOf" srcId="{206E07E3-7371-4B83-A3AC-56090C135DDD}" destId="{66FA28F5-5ABF-4B5B-82BC-FD8B4407C4E5}" srcOrd="2" destOrd="0" presId="urn:microsoft.com/office/officeart/2008/layout/LinedList"/>
     <dgm:cxn modelId="{D34619CB-2219-449B-ACE9-C42D73B155F6}" type="presParOf" srcId="{206E07E3-7371-4B83-A3AC-56090C135DDD}" destId="{2AE9CBE5-9546-4B58-8D2B-1A91E781672F}" srcOrd="3" destOrd="0" presId="urn:microsoft.com/office/officeart/2008/layout/LinedList"/>
-    <dgm:cxn modelId="{2AB01C4B-5D2E-4393-BAF0-89648316EB06}" type="presParOf" srcId="{2AE9CBE5-9546-4B58-8D2B-1A91E781672F}" destId="{B0838DB8-C254-426E-A5FB-8728C8A85947}" srcOrd="0" destOrd="0" presId="urn:microsoft.com/office/officeart/2008/layout/LinedList"/>
-    <dgm:cxn modelId="{944E2316-07E8-46CC-8E9E-4D4E59513B1E}" type="presParOf" srcId="{2AE9CBE5-9546-4B58-8D2B-1A91E781672F}" destId="{4E52E7FD-A98F-43DB-9189-F9BFD4624344}" srcOrd="1" destOrd="0" presId="urn:microsoft.com/office/officeart/2008/layout/LinedList"/>
+    <dgm:cxn modelId="{9AA9DAA3-8340-4B1B-AFE4-EC92055D4392}" type="presParOf" srcId="{2AE9CBE5-9546-4B58-8D2B-1A91E781672F}" destId="{B0838DB8-C254-426E-A5FB-8728C8A85947}" srcOrd="0" destOrd="0" presId="urn:microsoft.com/office/officeart/2008/layout/LinedList"/>
+    <dgm:cxn modelId="{907A74EC-5D4A-4213-A33A-88356BCB2CEE}" type="presParOf" srcId="{2AE9CBE5-9546-4B58-8D2B-1A91E781672F}" destId="{4E52E7FD-A98F-43DB-9189-F9BFD4624344}" srcOrd="1" destOrd="0" presId="urn:microsoft.com/office/officeart/2008/layout/LinedList"/>
     <dgm:cxn modelId="{4F3EC75C-A421-4AB2-8B67-B344E504C798}" type="presParOf" srcId="{206E07E3-7371-4B83-A3AC-56090C135DDD}" destId="{10634666-1F74-4F38-8BC7-EB57D79FABE4}" srcOrd="4" destOrd="0" presId="urn:microsoft.com/office/officeart/2008/layout/LinedList"/>
     <dgm:cxn modelId="{EB08A6C0-8351-4579-A262-860A09686E55}" type="presParOf" srcId="{206E07E3-7371-4B83-A3AC-56090C135DDD}" destId="{C30FA371-0CD8-42A7-A74A-764A21548C11}" srcOrd="5" destOrd="0" presId="urn:microsoft.com/office/officeart/2008/layout/LinedList"/>
-    <dgm:cxn modelId="{F145CC9C-F093-43A1-9280-F6DB13F85C53}" type="presParOf" srcId="{C30FA371-0CD8-42A7-A74A-764A21548C11}" destId="{4F14057E-F2C8-4FE3-9BE8-E5A444CEADEE}" srcOrd="0" destOrd="0" presId="urn:microsoft.com/office/officeart/2008/layout/LinedList"/>
-    <dgm:cxn modelId="{970802E8-E26A-4709-A1C8-2D6E477C9662}" type="presParOf" srcId="{C30FA371-0CD8-42A7-A74A-764A21548C11}" destId="{86C6F432-F3CF-46F0-8F39-AEDD6DD2CACA}" srcOrd="1" destOrd="0" presId="urn:microsoft.com/office/officeart/2008/layout/LinedList"/>
+    <dgm:cxn modelId="{6E78DEA0-719F-4091-B752-393E36A47AAD}" type="presParOf" srcId="{C30FA371-0CD8-42A7-A74A-764A21548C11}" destId="{4F14057E-F2C8-4FE3-9BE8-E5A444CEADEE}" srcOrd="0" destOrd="0" presId="urn:microsoft.com/office/officeart/2008/layout/LinedList"/>
+    <dgm:cxn modelId="{52A1FF12-F54F-492C-A268-EBEE21A9F713}" type="presParOf" srcId="{C30FA371-0CD8-42A7-A74A-764A21548C11}" destId="{86C6F432-F3CF-46F0-8F39-AEDD6DD2CACA}" srcOrd="1" destOrd="0" presId="urn:microsoft.com/office/officeart/2008/layout/LinedList"/>
     <dgm:cxn modelId="{8EFE92BC-5E20-4C44-B915-CF5BDF8E733E}" type="presParOf" srcId="{206E07E3-7371-4B83-A3AC-56090C135DDD}" destId="{BF79C6DE-27CA-4541-93B8-5D534272EF42}" srcOrd="6" destOrd="0" presId="urn:microsoft.com/office/officeart/2008/layout/LinedList"/>
     <dgm:cxn modelId="{B0A90484-F367-49EF-B833-13FDFB783F60}" type="presParOf" srcId="{206E07E3-7371-4B83-A3AC-56090C135DDD}" destId="{FBFC7874-CED3-4A2E-B40F-6C08C62E2ECB}" srcOrd="7" destOrd="0" presId="urn:microsoft.com/office/officeart/2008/layout/LinedList"/>
-    <dgm:cxn modelId="{4285B03D-C214-4E49-89F4-7BFDFF19E548}" type="presParOf" srcId="{FBFC7874-CED3-4A2E-B40F-6C08C62E2ECB}" destId="{12EA1E71-4C92-4051-AAB8-095CEDD4F9F1}" srcOrd="0" destOrd="0" presId="urn:microsoft.com/office/officeart/2008/layout/LinedList"/>
-    <dgm:cxn modelId="{3D975CDF-208F-4FAF-9EF9-7E5A73A0EA7B}" type="presParOf" srcId="{FBFC7874-CED3-4A2E-B40F-6C08C62E2ECB}" destId="{A89F49A6-7A31-4E5E-A3D0-84409350337D}" srcOrd="1" destOrd="0" presId="urn:microsoft.com/office/officeart/2008/layout/LinedList"/>
+    <dgm:cxn modelId="{265F4670-B905-4235-ABA2-43436BB6B814}" type="presParOf" srcId="{FBFC7874-CED3-4A2E-B40F-6C08C62E2ECB}" destId="{12EA1E71-4C92-4051-AAB8-095CEDD4F9F1}" srcOrd="0" destOrd="0" presId="urn:microsoft.com/office/officeart/2008/layout/LinedList"/>
+    <dgm:cxn modelId="{63E6FA8E-6670-416C-A413-05EEEC3597E9}" type="presParOf" srcId="{FBFC7874-CED3-4A2E-B40F-6C08C62E2ECB}" destId="{A89F49A6-7A31-4E5E-A3D0-84409350337D}" srcOrd="1" destOrd="0" presId="urn:microsoft.com/office/officeart/2008/layout/LinedList"/>
     <dgm:cxn modelId="{77CF999E-A3C9-4F3E-8686-D31689D3883C}" type="presParOf" srcId="{206E07E3-7371-4B83-A3AC-56090C135DDD}" destId="{3CA1FB7E-6ED2-4019-8184-0A6F1E18CCD8}" srcOrd="8" destOrd="0" presId="urn:microsoft.com/office/officeart/2008/layout/LinedList"/>
     <dgm:cxn modelId="{DFBA7950-40D5-45BD-A6EB-F2D747AE851B}" type="presParOf" srcId="{206E07E3-7371-4B83-A3AC-56090C135DDD}" destId="{9D9C46FA-A191-45C0-B992-A6C780439ADC}" srcOrd="9" destOrd="0" presId="urn:microsoft.com/office/officeart/2008/layout/LinedList"/>
-    <dgm:cxn modelId="{C538460D-E38E-4E0D-8B0D-769C4A0E0553}" type="presParOf" srcId="{9D9C46FA-A191-45C0-B992-A6C780439ADC}" destId="{C5DC69CC-1BB8-49F8-A1AA-1AAD9869DE0A}" srcOrd="0" destOrd="0" presId="urn:microsoft.com/office/officeart/2008/layout/LinedList"/>
-    <dgm:cxn modelId="{26419618-A39A-4129-8374-9FF6030AA4BC}" type="presParOf" srcId="{9D9C46FA-A191-45C0-B992-A6C780439ADC}" destId="{EE905529-1FAE-4E2E-9A43-95DB24156926}" srcOrd="1" destOrd="0" presId="urn:microsoft.com/office/officeart/2008/layout/LinedList"/>
+    <dgm:cxn modelId="{23FB9A84-22D4-41F3-8F56-160F7F26A152}" type="presParOf" srcId="{9D9C46FA-A191-45C0-B992-A6C780439ADC}" destId="{C5DC69CC-1BB8-49F8-A1AA-1AAD9869DE0A}" srcOrd="0" destOrd="0" presId="urn:microsoft.com/office/officeart/2008/layout/LinedList"/>
+    <dgm:cxn modelId="{EFE2D077-464B-443E-8418-92A114233D6D}" type="presParOf" srcId="{9D9C46FA-A191-45C0-B992-A6C780439ADC}" destId="{EE905529-1FAE-4E2E-9A43-95DB24156926}" srcOrd="1" destOrd="0" presId="urn:microsoft.com/office/officeart/2008/layout/LinedList"/>
     <dgm:cxn modelId="{C8779221-FCDE-40A4-A0BE-C62C2C8B7FED}" type="presParOf" srcId="{206E07E3-7371-4B83-A3AC-56090C135DDD}" destId="{BBD81AD8-315D-45AC-9F91-336D7A46DACA}" srcOrd="10" destOrd="0" presId="urn:microsoft.com/office/officeart/2008/layout/LinedList"/>
     <dgm:cxn modelId="{0B53C7CC-8E7C-434D-AFA7-1AD2F85B2674}" type="presParOf" srcId="{206E07E3-7371-4B83-A3AC-56090C135DDD}" destId="{C4693EF2-D29A-4794-BA98-5F15902D36AA}" srcOrd="11" destOrd="0" presId="urn:microsoft.com/office/officeart/2008/layout/LinedList"/>
-    <dgm:cxn modelId="{8B227D55-33F2-4EFE-9EAF-0D991C7ED76B}" type="presParOf" srcId="{C4693EF2-D29A-4794-BA98-5F15902D36AA}" destId="{4F520865-A6E4-45F7-83A3-327A183A3D66}" srcOrd="0" destOrd="0" presId="urn:microsoft.com/office/officeart/2008/layout/LinedList"/>
-    <dgm:cxn modelId="{AAEDFF63-ACE0-4D35-A0CA-1E0952662818}" type="presParOf" srcId="{C4693EF2-D29A-4794-BA98-5F15902D36AA}" destId="{7E88058A-E303-4631-AC34-C3108AB96A00}" srcOrd="1" destOrd="0" presId="urn:microsoft.com/office/officeart/2008/layout/LinedList"/>
+    <dgm:cxn modelId="{C1BC71A4-D115-46A8-AA23-BFC357BDB72B}" type="presParOf" srcId="{C4693EF2-D29A-4794-BA98-5F15902D36AA}" destId="{4F520865-A6E4-45F7-83A3-327A183A3D66}" srcOrd="0" destOrd="0" presId="urn:microsoft.com/office/officeart/2008/layout/LinedList"/>
+    <dgm:cxn modelId="{7C485580-D181-4CF3-93F3-1CA436767484}" type="presParOf" srcId="{C4693EF2-D29A-4794-BA98-5F15902D36AA}" destId="{7E88058A-E303-4631-AC34-C3108AB96A00}" srcOrd="1" destOrd="0" presId="urn:microsoft.com/office/officeart/2008/layout/LinedList"/>
     <dgm:cxn modelId="{6E879EB7-BA11-40CB-8370-1E9FAE37192C}" type="presParOf" srcId="{206E07E3-7371-4B83-A3AC-56090C135DDD}" destId="{5EFCED70-0B6F-464E-9E1A-30B1A780F4E0}" srcOrd="12" destOrd="0" presId="urn:microsoft.com/office/officeart/2008/layout/LinedList"/>
     <dgm:cxn modelId="{75A60B12-594A-41BB-B204-A8680DFDF3C3}" type="presParOf" srcId="{206E07E3-7371-4B83-A3AC-56090C135DDD}" destId="{A161211F-4D92-4052-B7FD-A0C5925E0D40}" srcOrd="13" destOrd="0" presId="urn:microsoft.com/office/officeart/2008/layout/LinedList"/>
-    <dgm:cxn modelId="{9492AE5E-98E1-4AD3-9599-00ED2A2BA7D7}" type="presParOf" srcId="{A161211F-4D92-4052-B7FD-A0C5925E0D40}" destId="{D30568EB-76DC-4483-A50D-2BFD3A83CA3D}" srcOrd="0" destOrd="0" presId="urn:microsoft.com/office/officeart/2008/layout/LinedList"/>
-    <dgm:cxn modelId="{28706732-9358-4C30-88B4-87FAB607D45F}" type="presParOf" srcId="{A161211F-4D92-4052-B7FD-A0C5925E0D40}" destId="{0B04CDC6-3BB0-48B8-BDF2-D753BF0512FC}" srcOrd="1" destOrd="0" presId="urn:microsoft.com/office/officeart/2008/layout/LinedList"/>
+    <dgm:cxn modelId="{5C1AEEEF-7618-4106-B03D-E8EDA6F241CD}" type="presParOf" srcId="{A161211F-4D92-4052-B7FD-A0C5925E0D40}" destId="{D30568EB-76DC-4483-A50D-2BFD3A83CA3D}" srcOrd="0" destOrd="0" presId="urn:microsoft.com/office/officeart/2008/layout/LinedList"/>
+    <dgm:cxn modelId="{00732EFF-75F9-4E05-9006-97532E746241}" type="presParOf" srcId="{A161211F-4D92-4052-B7FD-A0C5925E0D40}" destId="{0B04CDC6-3BB0-48B8-BDF2-D753BF0512FC}" srcOrd="1" destOrd="0" presId="urn:microsoft.com/office/officeart/2008/layout/LinedList"/>
     <dgm:cxn modelId="{7998C84E-3AE7-4B23-B4A3-CC00EE35C5B1}" type="presParOf" srcId="{206E07E3-7371-4B83-A3AC-56090C135DDD}" destId="{76F158B3-0063-4B0D-8393-EB896AC05BE0}" srcOrd="14" destOrd="0" presId="urn:microsoft.com/office/officeart/2008/layout/LinedList"/>
     <dgm:cxn modelId="{268E25CB-3AA1-4E3E-8DB0-FBCB4A83F93F}" type="presParOf" srcId="{206E07E3-7371-4B83-A3AC-56090C135DDD}" destId="{B7F5D509-AC17-4009-9C8A-1E0EBF071707}" srcOrd="15" destOrd="0" presId="urn:microsoft.com/office/officeart/2008/layout/LinedList"/>
-    <dgm:cxn modelId="{8A640208-7A27-4D2F-B7A8-EEE70CF3575F}" type="presParOf" srcId="{B7F5D509-AC17-4009-9C8A-1E0EBF071707}" destId="{2582A93B-AE02-4AF2-ADA7-BCE97746AACF}" srcOrd="0" destOrd="0" presId="urn:microsoft.com/office/officeart/2008/layout/LinedList"/>
-    <dgm:cxn modelId="{C1248164-217B-42AF-A33C-338A24F50CB0}" type="presParOf" srcId="{B7F5D509-AC17-4009-9C8A-1E0EBF071707}" destId="{02030D17-97C8-422F-BDA6-11F7B4BB9247}" srcOrd="1" destOrd="0" presId="urn:microsoft.com/office/officeart/2008/layout/LinedList"/>
+    <dgm:cxn modelId="{BCA19CC8-6FA4-49CA-AA5F-D8093643C92A}" type="presParOf" srcId="{B7F5D509-AC17-4009-9C8A-1E0EBF071707}" destId="{2582A93B-AE02-4AF2-ADA7-BCE97746AACF}" srcOrd="0" destOrd="0" presId="urn:microsoft.com/office/officeart/2008/layout/LinedList"/>
+    <dgm:cxn modelId="{3CCD68D0-805D-4C0A-B2FF-EDB78527FC6B}" type="presParOf" srcId="{B7F5D509-AC17-4009-9C8A-1E0EBF071707}" destId="{02030D17-97C8-422F-BDA6-11F7B4BB9247}" srcOrd="1" destOrd="0" presId="urn:microsoft.com/office/officeart/2008/layout/LinedList"/>
   </dgm:cxnLst>
   <dgm:bg/>
   <dgm:whole/>
@@ -2321,6 +2384,13 @@
         </dgm:presLayoutVars>
       </dgm:prSet>
       <dgm:spPr/>
+      <dgm:t>
+        <a:bodyPr/>
+        <a:lstStyle/>
+        <a:p>
+          <a:endParaRPr lang="en-US"/>
+        </a:p>
+      </dgm:t>
     </dgm:pt>
     <dgm:pt modelId="{66D3D5ED-800A-4C5C-8425-D3028B2C8949}" type="pres">
       <dgm:prSet presAssocID="{BA585673-C19A-4993-A891-94E4C9B531DB}" presName="thickLine" presStyleLbl="alignNode1" presStyleIdx="0" presStyleCnt="4"/>
@@ -2333,6 +2403,13 @@
     <dgm:pt modelId="{19F063BC-0DA0-47B5-B5AD-9E61A7128B19}" type="pres">
       <dgm:prSet presAssocID="{BA585673-C19A-4993-A891-94E4C9B531DB}" presName="tx1" presStyleLbl="revTx" presStyleIdx="0" presStyleCnt="4"/>
       <dgm:spPr/>
+      <dgm:t>
+        <a:bodyPr/>
+        <a:lstStyle/>
+        <a:p>
+          <a:endParaRPr lang="en-US"/>
+        </a:p>
+      </dgm:t>
     </dgm:pt>
     <dgm:pt modelId="{12D7AA5E-9300-441A-815E-C1CC46DC8CD3}" type="pres">
       <dgm:prSet presAssocID="{BA585673-C19A-4993-A891-94E4C9B531DB}" presName="vert1" presStyleCnt="0"/>
@@ -2349,6 +2426,13 @@
     <dgm:pt modelId="{28B1C2B1-1626-42A5-A718-5E6B6A3E6A6A}" type="pres">
       <dgm:prSet presAssocID="{D0238A7D-BDAF-41D2-9B44-03CE11BE11BC}" presName="tx1" presStyleLbl="revTx" presStyleIdx="1" presStyleCnt="4"/>
       <dgm:spPr/>
+      <dgm:t>
+        <a:bodyPr/>
+        <a:lstStyle/>
+        <a:p>
+          <a:endParaRPr lang="en-US"/>
+        </a:p>
+      </dgm:t>
     </dgm:pt>
     <dgm:pt modelId="{80FE52BA-DD2B-4F85-905F-F4449C081C96}" type="pres">
       <dgm:prSet presAssocID="{D0238A7D-BDAF-41D2-9B44-03CE11BE11BC}" presName="vert1" presStyleCnt="0"/>
@@ -2365,6 +2449,13 @@
     <dgm:pt modelId="{42F900C8-A097-42F8-A5A7-1F418F427441}" type="pres">
       <dgm:prSet presAssocID="{779DFD13-28AF-4F6F-B85E-D20EEC91DD57}" presName="tx1" presStyleLbl="revTx" presStyleIdx="2" presStyleCnt="4"/>
       <dgm:spPr/>
+      <dgm:t>
+        <a:bodyPr/>
+        <a:lstStyle/>
+        <a:p>
+          <a:endParaRPr lang="en-US"/>
+        </a:p>
+      </dgm:t>
     </dgm:pt>
     <dgm:pt modelId="{153DF544-87EA-44B4-B2EE-375CFFBFFECA}" type="pres">
       <dgm:prSet presAssocID="{779DFD13-28AF-4F6F-B85E-D20EEC91DD57}" presName="vert1" presStyleCnt="0"/>
@@ -2381,6 +2472,13 @@
     <dgm:pt modelId="{52CB0FA0-DF77-4748-9333-002459CF4243}" type="pres">
       <dgm:prSet presAssocID="{E6E881A1-D4B3-43B7-B4BE-0E5035B9BC01}" presName="tx1" presStyleLbl="revTx" presStyleIdx="3" presStyleCnt="4"/>
       <dgm:spPr/>
+      <dgm:t>
+        <a:bodyPr/>
+        <a:lstStyle/>
+        <a:p>
+          <a:endParaRPr lang="en-US"/>
+        </a:p>
+      </dgm:t>
     </dgm:pt>
     <dgm:pt modelId="{6AC55CCE-FCFD-4337-AA82-3951D00CB68B}" type="pres">
       <dgm:prSet presAssocID="{E6E881A1-D4B3-43B7-B4BE-0E5035B9BC01}" presName="vert1" presStyleCnt="0"/>
@@ -2388,15 +2486,15 @@
     </dgm:pt>
   </dgm:ptLst>
   <dgm:cxnLst>
-    <dgm:cxn modelId="{556BE908-A0C7-468A-92FC-1ACE96F0E71A}" srcId="{361FAAB6-2994-42BF-AB5D-6A01A007A36A}" destId="{E6E881A1-D4B3-43B7-B4BE-0E5035B9BC01}" srcOrd="3" destOrd="0" parTransId="{1D56E3FD-7BB9-4C57-A538-CE57583D927E}" sibTransId="{2CFCF568-78B2-4043-8F40-A137B987F52F}"/>
+    <dgm:cxn modelId="{D214F8DB-BC15-452C-B3FF-29E2A75771E3}" type="presOf" srcId="{E6E881A1-D4B3-43B7-B4BE-0E5035B9BC01}" destId="{52CB0FA0-DF77-4748-9333-002459CF4243}" srcOrd="0" destOrd="0" presId="urn:microsoft.com/office/officeart/2008/layout/LinedList"/>
+    <dgm:cxn modelId="{7AD6EF5D-7DDF-4629-9686-FB6AF5347654}" type="presOf" srcId="{361FAAB6-2994-42BF-AB5D-6A01A007A36A}" destId="{28305CC0-269B-45ED-988F-F596482A1BB7}" srcOrd="0" destOrd="0" presId="urn:microsoft.com/office/officeart/2008/layout/LinedList"/>
     <dgm:cxn modelId="{B2C9DC5D-60C5-42BA-ADC3-0C7F7269D274}" type="presOf" srcId="{D0238A7D-BDAF-41D2-9B44-03CE11BE11BC}" destId="{28B1C2B1-1626-42A5-A718-5E6B6A3E6A6A}" srcOrd="0" destOrd="0" presId="urn:microsoft.com/office/officeart/2008/layout/LinedList"/>
-    <dgm:cxn modelId="{7AD6EF5D-7DDF-4629-9686-FB6AF5347654}" type="presOf" srcId="{361FAAB6-2994-42BF-AB5D-6A01A007A36A}" destId="{28305CC0-269B-45ED-988F-F596482A1BB7}" srcOrd="0" destOrd="0" presId="urn:microsoft.com/office/officeart/2008/layout/LinedList"/>
-    <dgm:cxn modelId="{064C7A9E-BA67-497A-939A-ADD15F0AB45A}" srcId="{361FAAB6-2994-42BF-AB5D-6A01A007A36A}" destId="{779DFD13-28AF-4F6F-B85E-D20EEC91DD57}" srcOrd="2" destOrd="0" parTransId="{61CF6BEB-8DB0-4BA7-8786-9A705BC85D76}" sibTransId="{19B55D31-600E-4DE0-AA2F-2F7EB3419DA0}"/>
     <dgm:cxn modelId="{02ACF8A4-5AE8-4D58-A2E9-64B6E308B2DC}" type="presOf" srcId="{BA585673-C19A-4993-A891-94E4C9B531DB}" destId="{19F063BC-0DA0-47B5-B5AD-9E61A7128B19}" srcOrd="0" destOrd="0" presId="urn:microsoft.com/office/officeart/2008/layout/LinedList"/>
     <dgm:cxn modelId="{BF4DA9CB-A9D2-4092-B0F6-DCDA761DAB5F}" srcId="{361FAAB6-2994-42BF-AB5D-6A01A007A36A}" destId="{BA585673-C19A-4993-A891-94E4C9B531DB}" srcOrd="0" destOrd="0" parTransId="{647568DF-0166-48B9-9EC5-A1D9C1632996}" sibTransId="{98F5C448-6F4B-44A1-8C55-5258B52F832A}"/>
+    <dgm:cxn modelId="{D58844DE-7FEC-4E3E-B930-553996F553D2}" type="presOf" srcId="{779DFD13-28AF-4F6F-B85E-D20EEC91DD57}" destId="{42F900C8-A097-42F8-A5A7-1F418F427441}" srcOrd="0" destOrd="0" presId="urn:microsoft.com/office/officeart/2008/layout/LinedList"/>
+    <dgm:cxn modelId="{064C7A9E-BA67-497A-939A-ADD15F0AB45A}" srcId="{361FAAB6-2994-42BF-AB5D-6A01A007A36A}" destId="{779DFD13-28AF-4F6F-B85E-D20EEC91DD57}" srcOrd="2" destOrd="0" parTransId="{61CF6BEB-8DB0-4BA7-8786-9A705BC85D76}" sibTransId="{19B55D31-600E-4DE0-AA2F-2F7EB3419DA0}"/>
     <dgm:cxn modelId="{FB88DDD4-D336-4823-B9E8-1B42282EE23D}" srcId="{361FAAB6-2994-42BF-AB5D-6A01A007A36A}" destId="{D0238A7D-BDAF-41D2-9B44-03CE11BE11BC}" srcOrd="1" destOrd="0" parTransId="{E5842441-AF55-4B4E-A053-E1540005304B}" sibTransId="{BBDC8615-49DF-4B33-A469-B7A7D10E5610}"/>
-    <dgm:cxn modelId="{D214F8DB-BC15-452C-B3FF-29E2A75771E3}" type="presOf" srcId="{E6E881A1-D4B3-43B7-B4BE-0E5035B9BC01}" destId="{52CB0FA0-DF77-4748-9333-002459CF4243}" srcOrd="0" destOrd="0" presId="urn:microsoft.com/office/officeart/2008/layout/LinedList"/>
-    <dgm:cxn modelId="{D58844DE-7FEC-4E3E-B930-553996F553D2}" type="presOf" srcId="{779DFD13-28AF-4F6F-B85E-D20EEC91DD57}" destId="{42F900C8-A097-42F8-A5A7-1F418F427441}" srcOrd="0" destOrd="0" presId="urn:microsoft.com/office/officeart/2008/layout/LinedList"/>
+    <dgm:cxn modelId="{556BE908-A0C7-468A-92FC-1ACE96F0E71A}" srcId="{361FAAB6-2994-42BF-AB5D-6A01A007A36A}" destId="{E6E881A1-D4B3-43B7-B4BE-0E5035B9BC01}" srcOrd="3" destOrd="0" parTransId="{1D56E3FD-7BB9-4C57-A538-CE57583D927E}" sibTransId="{2CFCF568-78B2-4043-8F40-A137B987F52F}"/>
     <dgm:cxn modelId="{12BF3FBD-9FBE-4086-8AA0-F552032DF21D}" type="presParOf" srcId="{28305CC0-269B-45ED-988F-F596482A1BB7}" destId="{66D3D5ED-800A-4C5C-8425-D3028B2C8949}" srcOrd="0" destOrd="0" presId="urn:microsoft.com/office/officeart/2008/layout/LinedList"/>
     <dgm:cxn modelId="{BD591E3D-9284-4A35-93E3-B2D5950DBB7E}" type="presParOf" srcId="{28305CC0-269B-45ED-988F-F596482A1BB7}" destId="{7E10BDBC-7BE4-4F69-86AF-0217BC59ECE8}" srcOrd="1" destOrd="0" presId="urn:microsoft.com/office/officeart/2008/layout/LinedList"/>
     <dgm:cxn modelId="{942F7F60-9635-4894-8A7B-1BE0725BD75E}" type="presParOf" srcId="{7E10BDBC-7BE4-4F69-86AF-0217BC59ECE8}" destId="{19F063BC-0DA0-47B5-B5AD-9E61A7128B19}" srcOrd="0" destOrd="0" presId="urn:microsoft.com/office/officeart/2008/layout/LinedList"/>
@@ -2519,7 +2617,7 @@
         </a:bodyPr>
         <a:lstStyle/>
         <a:p>
-          <a:pPr marL="0" lvl="0" indent="0" algn="l" defTabSz="977900" rtl="0">
+          <a:pPr lvl="0" algn="l" defTabSz="977900" rtl="0">
             <a:lnSpc>
               <a:spcPct val="90000"/>
             </a:lnSpc>
@@ -2529,7 +2627,6 @@
             <a:spcAft>
               <a:spcPct val="35000"/>
             </a:spcAft>
-            <a:buNone/>
           </a:pPr>
           <a:r>
             <a:rPr lang="cs-CZ" sz="2200" kern="1200" dirty="0"/>
@@ -2638,7 +2735,7 @@
         </a:bodyPr>
         <a:lstStyle/>
         <a:p>
-          <a:pPr marL="0" lvl="0" indent="0" algn="l" defTabSz="977900">
+          <a:pPr lvl="0" algn="l" defTabSz="977900">
             <a:lnSpc>
               <a:spcPct val="90000"/>
             </a:lnSpc>
@@ -2648,7 +2745,6 @@
             <a:spcAft>
               <a:spcPct val="35000"/>
             </a:spcAft>
-            <a:buNone/>
           </a:pPr>
           <a:r>
             <a:rPr lang="cs-CZ" sz="2200" kern="1200" dirty="0"/>
@@ -2749,7 +2845,7 @@
         </a:bodyPr>
         <a:lstStyle/>
         <a:p>
-          <a:pPr marL="0" lvl="0" indent="0" algn="l" defTabSz="977900">
+          <a:pPr lvl="0" algn="l" defTabSz="977900">
             <a:lnSpc>
               <a:spcPct val="90000"/>
             </a:lnSpc>
@@ -2759,7 +2855,6 @@
             <a:spcAft>
               <a:spcPct val="35000"/>
             </a:spcAft>
-            <a:buNone/>
           </a:pPr>
           <a:r>
             <a:rPr lang="cs-CZ" sz="2200" kern="1200" dirty="0"/>
@@ -2860,7 +2955,7 @@
         </a:bodyPr>
         <a:lstStyle/>
         <a:p>
-          <a:pPr marL="0" lvl="0" indent="0" algn="l" defTabSz="977900" rtl="0">
+          <a:pPr lvl="0" algn="l" defTabSz="977900" rtl="0">
             <a:lnSpc>
               <a:spcPct val="90000"/>
             </a:lnSpc>
@@ -2870,7 +2965,6 @@
             <a:spcAft>
               <a:spcPct val="35000"/>
             </a:spcAft>
-            <a:buNone/>
           </a:pPr>
           <a:r>
             <a:rPr lang="cs-CZ" sz="2200" kern="1200" dirty="0"/>
@@ -2977,7 +3071,7 @@
         </a:bodyPr>
         <a:lstStyle/>
         <a:p>
-          <a:pPr marL="0" lvl="0" indent="0" algn="l" defTabSz="977900">
+          <a:pPr lvl="0" algn="l" defTabSz="977900">
             <a:lnSpc>
               <a:spcPct val="90000"/>
             </a:lnSpc>
@@ -2987,7 +3081,6 @@
             <a:spcAft>
               <a:spcPct val="35000"/>
             </a:spcAft>
-            <a:buNone/>
           </a:pPr>
           <a:r>
             <a:rPr lang="cs-CZ" sz="2200" kern="1200" dirty="0"/>
@@ -3088,7 +3181,7 @@
         </a:bodyPr>
         <a:lstStyle/>
         <a:p>
-          <a:pPr marL="0" lvl="0" indent="0" algn="l" defTabSz="977900">
+          <a:pPr lvl="0" algn="l" defTabSz="977900">
             <a:lnSpc>
               <a:spcPct val="90000"/>
             </a:lnSpc>
@@ -3098,7 +3191,6 @@
             <a:spcAft>
               <a:spcPct val="35000"/>
             </a:spcAft>
-            <a:buNone/>
           </a:pPr>
           <a:r>
             <a:rPr lang="cs-CZ" sz="2200" kern="1200" dirty="0"/>
@@ -3199,7 +3291,7 @@
         </a:bodyPr>
         <a:lstStyle/>
         <a:p>
-          <a:pPr marL="0" lvl="0" indent="0" algn="l" defTabSz="977900">
+          <a:pPr lvl="0" algn="l" defTabSz="977900">
             <a:lnSpc>
               <a:spcPct val="90000"/>
             </a:lnSpc>
@@ -3209,7 +3301,6 @@
             <a:spcAft>
               <a:spcPct val="35000"/>
             </a:spcAft>
-            <a:buNone/>
           </a:pPr>
           <a:r>
             <a:rPr lang="cs-CZ" sz="2200" kern="1200" dirty="0"/>
@@ -3309,7 +3400,7 @@
         </a:bodyPr>
         <a:lstStyle/>
         <a:p>
-          <a:pPr marL="0" lvl="0" indent="0" algn="l" defTabSz="977900">
+          <a:pPr lvl="0" algn="l" defTabSz="977900">
             <a:lnSpc>
               <a:spcPct val="90000"/>
             </a:lnSpc>
@@ -3319,7 +3410,6 @@
             <a:spcAft>
               <a:spcPct val="35000"/>
             </a:spcAft>
-            <a:buNone/>
           </a:pPr>
           <a:r>
             <a:rPr lang="cs-CZ" sz="2200" b="0" kern="1200" dirty="0">
@@ -3433,7 +3523,7 @@
         </a:bodyPr>
         <a:lstStyle/>
         <a:p>
-          <a:pPr marL="0" lvl="0" indent="0" algn="l" defTabSz="2222500">
+          <a:pPr lvl="0" algn="l" defTabSz="2222500">
             <a:lnSpc>
               <a:spcPct val="90000"/>
             </a:lnSpc>
@@ -3443,7 +3533,6 @@
             <a:spcAft>
               <a:spcPct val="35000"/>
             </a:spcAft>
-            <a:buNone/>
           </a:pPr>
           <a:r>
             <a:rPr lang="cs-CZ" sz="5000" kern="1200" dirty="0"/>
@@ -3544,7 +3633,7 @@
         </a:bodyPr>
         <a:lstStyle/>
         <a:p>
-          <a:pPr marL="0" lvl="0" indent="0" algn="l" defTabSz="2222500">
+          <a:pPr lvl="0" algn="l" defTabSz="2222500">
             <a:lnSpc>
               <a:spcPct val="90000"/>
             </a:lnSpc>
@@ -3554,7 +3643,6 @@
             <a:spcAft>
               <a:spcPct val="35000"/>
             </a:spcAft>
-            <a:buNone/>
           </a:pPr>
           <a:r>
             <a:rPr lang="cs-CZ" sz="5000" kern="1200" dirty="0"/>
@@ -3655,7 +3743,7 @@
         </a:bodyPr>
         <a:lstStyle/>
         <a:p>
-          <a:pPr marL="0" lvl="0" indent="0" algn="l" defTabSz="2222500">
+          <a:pPr lvl="0" algn="l" defTabSz="2222500">
             <a:lnSpc>
               <a:spcPct val="90000"/>
             </a:lnSpc>
@@ -3665,7 +3753,6 @@
             <a:spcAft>
               <a:spcPct val="35000"/>
             </a:spcAft>
-            <a:buNone/>
           </a:pPr>
           <a:r>
             <a:rPr lang="cs-CZ" sz="5000" kern="1200" dirty="0"/>
@@ -3766,7 +3853,7 @@
         </a:bodyPr>
         <a:lstStyle/>
         <a:p>
-          <a:pPr marL="0" lvl="0" indent="0" algn="l" defTabSz="2222500">
+          <a:pPr lvl="0" algn="l" defTabSz="2222500">
             <a:lnSpc>
               <a:spcPct val="90000"/>
             </a:lnSpc>
@@ -3776,7 +3863,6 @@
             <a:spcAft>
               <a:spcPct val="35000"/>
             </a:spcAft>
-            <a:buNone/>
           </a:pPr>
           <a:r>
             <a:rPr lang="cs-CZ" sz="5000" kern="1200" dirty="0"/>
@@ -6875,7 +6961,7 @@
           </a:lstStyle>
           <a:p>
             <a:fld id="{B91A0ED3-B8FC-4F5B-9E05-BE18201B3379}" type="datetimeFigureOut">
-              <a:t>19.01.2023</a:t>
+              <a:t>1/19/2023</a:t>
             </a:fld>
             <a:endParaRPr lang="cs-CZ"/>
           </a:p>
@@ -7239,6 +7325,12 @@
               </a:rPr>
               <a:t>shopech</a:t>
             </a:r>
+            <a:r>
+              <a:rPr lang="en-US" dirty="0">
+                <a:cs typeface="+mn-lt"/>
+              </a:rPr>
+              <a:t/>
+            </a:r>
             <a:br>
               <a:rPr lang="en-US" dirty="0">
                 <a:cs typeface="+mn-lt"/>
@@ -7477,7 +7569,7 @@
           <a:p>
             <a:fld id="{32F4232D-96EB-4162-835E-5F7C14EFA415}" type="slidenum">
               <a:rPr lang="cs-CZ"/>
-              <a:t>12</a:t>
+              <a:t>13</a:t>
             </a:fld>
             <a:endParaRPr lang="cs-CZ"/>
           </a:p>
@@ -7724,7 +7816,7 @@
           <a:p>
             <a:fld id="{32F4232D-96EB-4162-835E-5F7C14EFA415}" type="slidenum">
               <a:rPr lang="cs-CZ"/>
-              <a:t>13</a:t>
+              <a:t>15</a:t>
             </a:fld>
             <a:endParaRPr lang="cs-CZ"/>
           </a:p>
@@ -8149,6 +8241,12 @@
                 <a:cs typeface="Calibri"/>
               </a:rPr>
               <a:t>ovládat</a:t>
+            </a:r>
+            <a:r>
+              <a:rPr lang="en-US" dirty="0">
+                <a:cs typeface="+mn-lt"/>
+              </a:rPr>
+              <a:t/>
             </a:r>
             <a:br>
               <a:rPr lang="en-US" dirty="0">
@@ -9032,7 +9130,7 @@
           <a:p>
             <a:fld id="{32F4232D-96EB-4162-835E-5F7C14EFA415}" type="slidenum">
               <a:rPr lang="cs-CZ"/>
-              <a:t>10</a:t>
+              <a:t>9</a:t>
             </a:fld>
             <a:endParaRPr lang="cs-CZ"/>
           </a:p>
@@ -9147,6 +9245,12 @@
               <a:rPr lang="en-US" dirty="0"/>
               <a:t>, ...</a:t>
             </a:r>
+            <a:r>
+              <a:rPr lang="en-US" dirty="0">
+                <a:cs typeface="+mn-lt"/>
+              </a:rPr>
+              <a:t/>
+            </a:r>
             <a:br>
               <a:rPr lang="en-US" dirty="0">
                 <a:cs typeface="+mn-lt"/>
@@ -9229,7 +9333,7 @@
           <a:p>
             <a:fld id="{32F4232D-96EB-4162-835E-5F7C14EFA415}" type="slidenum">
               <a:rPr lang="cs-CZ"/>
-              <a:t>9</a:t>
+              <a:t>10</a:t>
             </a:fld>
             <a:endParaRPr lang="cs-CZ"/>
           </a:p>
@@ -9550,7 +9654,7 @@
           <a:p>
             <a:fld id="{32F4232D-96EB-4162-835E-5F7C14EFA415}" type="slidenum">
               <a:rPr lang="cs-CZ"/>
-              <a:t>11</a:t>
+              <a:t>12</a:t>
             </a:fld>
             <a:endParaRPr lang="cs-CZ"/>
           </a:p>
@@ -22895,7 +22999,7 @@
                 <a16:creationId xmlns:a16="http://schemas.microsoft.com/office/drawing/2014/main" id="{8F187B58-3857-4454-9C70-EFB475976F73}"/>
               </a:ext>
               <a:ext uri="{C183D7F6-B498-43B3-948B-1728B52AA6E4}">
-                <adec:decorative xmlns:adec="http://schemas.microsoft.com/office/drawing/2017/decorative" val="1"/>
+                <adec:decorative xmlns:adec="http://schemas.microsoft.com/office/drawing/2017/decorative" xmlns="" val="1"/>
               </a:ext>
             </a:extLst>
           </p:cNvPr>
@@ -22984,7 +23088,7 @@
                 <a16:creationId xmlns:a16="http://schemas.microsoft.com/office/drawing/2014/main" id="{4C5418A4-3935-49EA-B51C-5DDCBFAA3952}"/>
               </a:ext>
               <a:ext uri="{C183D7F6-B498-43B3-948B-1728B52AA6E4}">
-                <adec:decorative xmlns:adec="http://schemas.microsoft.com/office/drawing/2017/decorative" val="1"/>
+                <adec:decorative xmlns:adec="http://schemas.microsoft.com/office/drawing/2017/decorative" xmlns="" val="1"/>
               </a:ext>
             </a:extLst>
           </p:cNvPr>
@@ -23554,6 +23658,25 @@
   <p:clrMapOvr>
     <a:masterClrMapping/>
   </p:clrMapOvr>
+  <mc:AlternateContent xmlns:mc="http://schemas.openxmlformats.org/markup-compatibility/2006">
+    <mc:Choice xmlns:p159="http://schemas.microsoft.com/office/powerpoint/2015/09/main" Requires="p159">
+      <p:transition xmlns:p14="http://schemas.microsoft.com/office/powerpoint/2010/main" spd="slow" p14:dur="2000" advTm="54">
+        <p159:morph option="byObject"/>
+      </p:transition>
+    </mc:Choice>
+    <mc:Fallback>
+      <p:transition spd="slow" advTm="54">
+        <p:fade/>
+      </p:transition>
+    </mc:Fallback>
+  </mc:AlternateContent>
+  <p:timing>
+    <p:tnLst>
+      <p:par>
+        <p:cTn id="1" dur="indefinite" restart="never" nodeType="tmRoot"/>
+      </p:par>
+    </p:tnLst>
+  </p:timing>
 </p:sld>
 </file>
 
@@ -23655,6 +23778,25 @@
   <p:clrMapOvr>
     <a:masterClrMapping/>
   </p:clrMapOvr>
+  <mc:AlternateContent xmlns:mc="http://schemas.openxmlformats.org/markup-compatibility/2006">
+    <mc:Choice xmlns:p159="http://schemas.microsoft.com/office/powerpoint/2015/09/main" Requires="p159">
+      <p:transition xmlns:p14="http://schemas.microsoft.com/office/powerpoint/2010/main" spd="slow" p14:dur="2000" advTm="3712">
+        <p159:morph option="byObject"/>
+      </p:transition>
+    </mc:Choice>
+    <mc:Fallback>
+      <p:transition spd="slow" advTm="3712">
+        <p:fade/>
+      </p:transition>
+    </mc:Fallback>
+  </mc:AlternateContent>
+  <p:timing>
+    <p:tnLst>
+      <p:par>
+        <p:cTn id="1" dur="indefinite" restart="never" nodeType="tmRoot"/>
+      </p:par>
+    </p:tnLst>
+  </p:timing>
 </p:sld>
 </file>
 
@@ -23691,7 +23833,7 @@
                 <a16:creationId xmlns:a16="http://schemas.microsoft.com/office/drawing/2014/main" id="{5D9FC6AC-4A12-4825-8ABE-0732B8EF4D16}"/>
               </a:ext>
               <a:ext uri="{C183D7F6-B498-43B3-948B-1728B52AA6E4}">
-                <adec:decorative xmlns:adec="http://schemas.microsoft.com/office/drawing/2017/decorative" val="1"/>
+                <adec:decorative xmlns:adec="http://schemas.microsoft.com/office/drawing/2017/decorative" xmlns="" val="1"/>
               </a:ext>
             </a:extLst>
           </p:cNvPr>
@@ -24278,6 +24420,25 @@
   <p:clrMapOvr>
     <a:masterClrMapping/>
   </p:clrMapOvr>
+  <mc:AlternateContent xmlns:mc="http://schemas.openxmlformats.org/markup-compatibility/2006">
+    <mc:Choice xmlns:p159="http://schemas.microsoft.com/office/powerpoint/2015/09/main" Requires="p159">
+      <p:transition xmlns:p14="http://schemas.microsoft.com/office/powerpoint/2010/main" spd="slow" p14:dur="2000" advTm="353">
+        <p159:morph option="byObject"/>
+      </p:transition>
+    </mc:Choice>
+    <mc:Fallback>
+      <p:transition spd="slow" advTm="353">
+        <p:fade/>
+      </p:transition>
+    </mc:Fallback>
+  </mc:AlternateContent>
+  <p:timing>
+    <p:tnLst>
+      <p:par>
+        <p:cTn id="1" dur="indefinite" restart="never" nodeType="tmRoot"/>
+      </p:par>
+    </p:tnLst>
+  </p:timing>
 </p:sld>
 </file>
 
@@ -24314,7 +24475,7 @@
                 <a16:creationId xmlns:a16="http://schemas.microsoft.com/office/drawing/2014/main" id="{85F55C16-BC21-49EF-A4FF-C3155BB93BD3}"/>
               </a:ext>
               <a:ext uri="{C183D7F6-B498-43B3-948B-1728B52AA6E4}">
-                <adec:decorative xmlns:adec="http://schemas.microsoft.com/office/drawing/2017/decorative" val="1"/>
+                <adec:decorative xmlns:adec="http://schemas.microsoft.com/office/drawing/2017/decorative" xmlns="" val="1"/>
               </a:ext>
             </a:extLst>
           </p:cNvPr>
@@ -24409,7 +24570,7 @@
                 <a16:creationId xmlns:a16="http://schemas.microsoft.com/office/drawing/2014/main" id="{0C5F069E-AFE6-4825-8945-46F2918A5019}"/>
               </a:ext>
               <a:ext uri="{C183D7F6-B498-43B3-948B-1728B52AA6E4}">
-                <adec:decorative xmlns:adec="http://schemas.microsoft.com/office/drawing/2017/decorative" val="1"/>
+                <adec:decorative xmlns:adec="http://schemas.microsoft.com/office/drawing/2017/decorative" xmlns="" val="1"/>
               </a:ext>
             </a:extLst>
           </p:cNvPr>
@@ -25270,6 +25431,18 @@
   <p:clrMapOvr>
     <a:overrideClrMapping bg1="dk1" tx1="lt1" bg2="dk2" tx2="lt2" accent1="accent1" accent2="accent2" accent3="accent3" accent4="accent4" accent5="accent5" accent6="accent6" hlink="hlink" folHlink="folHlink"/>
   </p:clrMapOvr>
+  <mc:AlternateContent xmlns:mc="http://schemas.openxmlformats.org/markup-compatibility/2006">
+    <mc:Choice xmlns:p159="http://schemas.microsoft.com/office/powerpoint/2015/09/main" Requires="p159">
+      <p:transition xmlns:p14="http://schemas.microsoft.com/office/powerpoint/2010/main" spd="slow" p14:dur="2000" advTm="449">
+        <p159:morph option="byObject"/>
+      </p:transition>
+    </mc:Choice>
+    <mc:Fallback>
+      <p:transition spd="slow" advTm="449">
+        <p:fade/>
+      </p:transition>
+    </mc:Fallback>
+  </mc:AlternateContent>
   <p:timing>
     <p:tnLst>
       <p:par>
@@ -25398,7 +25571,7 @@
                 <a16:creationId xmlns:a16="http://schemas.microsoft.com/office/drawing/2014/main" id="{FBE20309-1FB9-4818-BAFA-9C4C0534178B}"/>
               </a:ext>
               <a:ext uri="{C183D7F6-B498-43B3-948B-1728B52AA6E4}">
-                <adec:decorative xmlns:adec="http://schemas.microsoft.com/office/drawing/2017/decorative" val="1"/>
+                <adec:decorative xmlns:adec="http://schemas.microsoft.com/office/drawing/2017/decorative" xmlns="" val="1"/>
               </a:ext>
             </a:extLst>
           </p:cNvPr>
@@ -25458,7 +25631,7 @@
                 <a16:creationId xmlns:a16="http://schemas.microsoft.com/office/drawing/2014/main" id="{FBD77573-9EF2-4C35-8285-A1CF6FBB0EA5}"/>
               </a:ext>
               <a:ext uri="{C183D7F6-B498-43B3-948B-1728B52AA6E4}">
-                <adec:decorative xmlns:adec="http://schemas.microsoft.com/office/drawing/2017/decorative" val="1"/>
+                <adec:decorative xmlns:adec="http://schemas.microsoft.com/office/drawing/2017/decorative" xmlns="" val="1"/>
               </a:ext>
             </a:extLst>
           </p:cNvPr>
@@ -26515,6 +26688,25 @@
   <p:clrMapOvr>
     <a:masterClrMapping/>
   </p:clrMapOvr>
+  <mc:AlternateContent xmlns:mc="http://schemas.openxmlformats.org/markup-compatibility/2006">
+    <mc:Choice xmlns:p159="http://schemas.microsoft.com/office/powerpoint/2015/09/main" Requires="p159">
+      <p:transition xmlns:p14="http://schemas.microsoft.com/office/powerpoint/2010/main" spd="slow" p14:dur="2000" advTm="218">
+        <p159:morph option="byObject"/>
+      </p:transition>
+    </mc:Choice>
+    <mc:Fallback>
+      <p:transition spd="slow" advTm="218">
+        <p:fade/>
+      </p:transition>
+    </mc:Fallback>
+  </mc:AlternateContent>
+  <p:timing>
+    <p:tnLst>
+      <p:par>
+        <p:cTn id="1" dur="indefinite" restart="never" nodeType="tmRoot"/>
+      </p:par>
+    </p:tnLst>
+  </p:timing>
 </p:sld>
 </file>
 
@@ -26551,7 +26743,7 @@
                 <a16:creationId xmlns:a16="http://schemas.microsoft.com/office/drawing/2014/main" id="{5D9FC6AC-4A12-4825-8ABE-0732B8EF4D16}"/>
               </a:ext>
               <a:ext uri="{C183D7F6-B498-43B3-948B-1728B52AA6E4}">
-                <adec:decorative xmlns:adec="http://schemas.microsoft.com/office/drawing/2017/decorative" val="1"/>
+                <adec:decorative xmlns:adec="http://schemas.microsoft.com/office/drawing/2017/decorative" xmlns="" val="1"/>
               </a:ext>
             </a:extLst>
           </p:cNvPr>
@@ -27138,6 +27330,25 @@
   <p:clrMapOvr>
     <a:masterClrMapping/>
   </p:clrMapOvr>
+  <mc:AlternateContent xmlns:mc="http://schemas.openxmlformats.org/markup-compatibility/2006">
+    <mc:Choice xmlns:p159="http://schemas.microsoft.com/office/powerpoint/2015/09/main" Requires="p159">
+      <p:transition xmlns:p14="http://schemas.microsoft.com/office/powerpoint/2010/main" spd="slow" p14:dur="2000" advTm="432">
+        <p159:morph option="byObject"/>
+      </p:transition>
+    </mc:Choice>
+    <mc:Fallback>
+      <p:transition spd="slow" advTm="432">
+        <p:fade/>
+      </p:transition>
+    </mc:Fallback>
+  </mc:AlternateContent>
+  <p:timing>
+    <p:tnLst>
+      <p:par>
+        <p:cTn id="1" dur="indefinite" restart="never" nodeType="tmRoot"/>
+      </p:par>
+    </p:tnLst>
+  </p:timing>
 </p:sld>
 </file>
 
@@ -27174,7 +27385,7 @@
                 <a16:creationId xmlns:a16="http://schemas.microsoft.com/office/drawing/2014/main" id="{85F55C16-BC21-49EF-A4FF-C3155BB93BD3}"/>
               </a:ext>
               <a:ext uri="{C183D7F6-B498-43B3-948B-1728B52AA6E4}">
-                <adec:decorative xmlns:adec="http://schemas.microsoft.com/office/drawing/2017/decorative" val="1"/>
+                <adec:decorative xmlns:adec="http://schemas.microsoft.com/office/drawing/2017/decorative" xmlns="" val="1"/>
               </a:ext>
             </a:extLst>
           </p:cNvPr>
@@ -27269,7 +27480,7 @@
                 <a16:creationId xmlns:a16="http://schemas.microsoft.com/office/drawing/2014/main" id="{0C5F069E-AFE6-4825-8945-46F2918A5019}"/>
               </a:ext>
               <a:ext uri="{C183D7F6-B498-43B3-948B-1728B52AA6E4}">
-                <adec:decorative xmlns:adec="http://schemas.microsoft.com/office/drawing/2017/decorative" val="1"/>
+                <adec:decorative xmlns:adec="http://schemas.microsoft.com/office/drawing/2017/decorative" xmlns="" val="1"/>
               </a:ext>
             </a:extLst>
           </p:cNvPr>
@@ -28111,6 +28322,25 @@
   <p:clrMapOvr>
     <a:overrideClrMapping bg1="dk1" tx1="lt1" bg2="dk2" tx2="lt2" accent1="accent1" accent2="accent2" accent3="accent3" accent4="accent4" accent5="accent5" accent6="accent6" hlink="hlink" folHlink="folHlink"/>
   </p:clrMapOvr>
+  <mc:AlternateContent xmlns:mc="http://schemas.openxmlformats.org/markup-compatibility/2006">
+    <mc:Choice xmlns:p159="http://schemas.microsoft.com/office/powerpoint/2015/09/main" Requires="p159">
+      <p:transition xmlns:p14="http://schemas.microsoft.com/office/powerpoint/2010/main" spd="slow" p14:dur="2000" advTm="595">
+        <p159:morph option="byObject"/>
+      </p:transition>
+    </mc:Choice>
+    <mc:Fallback>
+      <p:transition spd="slow" advTm="595">
+        <p:fade/>
+      </p:transition>
+    </mc:Fallback>
+  </mc:AlternateContent>
+  <p:timing>
+    <p:tnLst>
+      <p:par>
+        <p:cTn id="1" dur="indefinite" restart="never" nodeType="tmRoot"/>
+      </p:par>
+    </p:tnLst>
+  </p:timing>
 </p:sld>
 </file>
 
@@ -28374,6 +28604,25 @@
   <p:clrMapOvr>
     <a:masterClrMapping/>
   </p:clrMapOvr>
+  <mc:AlternateContent xmlns:mc="http://schemas.openxmlformats.org/markup-compatibility/2006">
+    <mc:Choice xmlns:p159="http://schemas.microsoft.com/office/powerpoint/2015/09/main" Requires="p159">
+      <p:transition xmlns:p14="http://schemas.microsoft.com/office/powerpoint/2010/main" spd="slow" p14:dur="2000" advTm="422">
+        <p159:morph option="byObject"/>
+      </p:transition>
+    </mc:Choice>
+    <mc:Fallback>
+      <p:transition spd="slow" advTm="422">
+        <p:fade/>
+      </p:transition>
+    </mc:Fallback>
+  </mc:AlternateContent>
+  <p:timing>
+    <p:tnLst>
+      <p:par>
+        <p:cTn id="1" dur="indefinite" restart="never" nodeType="tmRoot"/>
+      </p:par>
+    </p:tnLst>
+  </p:timing>
 </p:sld>
 </file>
 
@@ -28481,6 +28730,25 @@
   <p:clrMapOvr>
     <a:masterClrMapping/>
   </p:clrMapOvr>
+  <mc:AlternateContent xmlns:mc="http://schemas.openxmlformats.org/markup-compatibility/2006">
+    <mc:Choice xmlns:p159="http://schemas.microsoft.com/office/powerpoint/2015/09/main" Requires="p159">
+      <p:transition xmlns:p14="http://schemas.microsoft.com/office/powerpoint/2010/main" spd="slow" p14:dur="2000" advTm="400">
+        <p159:morph option="byObject"/>
+      </p:transition>
+    </mc:Choice>
+    <mc:Fallback>
+      <p:transition spd="slow" advTm="400">
+        <p:fade/>
+      </p:transition>
+    </mc:Fallback>
+  </mc:AlternateContent>
+  <p:timing>
+    <p:tnLst>
+      <p:par>
+        <p:cTn id="1" dur="indefinite" restart="never" nodeType="tmRoot"/>
+      </p:par>
+    </p:tnLst>
+  </p:timing>
 </p:sld>
 </file>
 
@@ -28565,6 +28833,25 @@
   <p:clrMapOvr>
     <a:masterClrMapping/>
   </p:clrMapOvr>
+  <mc:AlternateContent xmlns:mc="http://schemas.openxmlformats.org/markup-compatibility/2006">
+    <mc:Choice xmlns:p159="http://schemas.microsoft.com/office/powerpoint/2015/09/main" Requires="p159">
+      <p:transition spd="slow" advTm="9215">
+        <p159:morph option="byObject"/>
+      </p:transition>
+    </mc:Choice>
+    <mc:Fallback>
+      <p:transition spd="slow" advTm="9215">
+        <p:fade/>
+      </p:transition>
+    </mc:Fallback>
+  </mc:AlternateContent>
+  <p:timing>
+    <p:tnLst>
+      <p:par>
+        <p:cTn id="1" dur="indefinite" restart="never" nodeType="tmRoot"/>
+      </p:par>
+    </p:tnLst>
+  </p:timing>
 </p:sld>
 </file>
 
@@ -28601,7 +28888,7 @@
                 <a16:creationId xmlns:a16="http://schemas.microsoft.com/office/drawing/2014/main" id="{FBE20309-1FB9-4818-BAFA-9C4C0534178B}"/>
               </a:ext>
               <a:ext uri="{C183D7F6-B498-43B3-948B-1728B52AA6E4}">
-                <adec:decorative xmlns:adec="http://schemas.microsoft.com/office/drawing/2017/decorative" val="1"/>
+                <adec:decorative xmlns:adec="http://schemas.microsoft.com/office/drawing/2017/decorative" xmlns="" val="1"/>
               </a:ext>
             </a:extLst>
           </p:cNvPr>
@@ -28661,7 +28948,7 @@
                 <a16:creationId xmlns:a16="http://schemas.microsoft.com/office/drawing/2014/main" id="{FBD77573-9EF2-4C35-8285-A1CF6FBB0EA5}"/>
               </a:ext>
               <a:ext uri="{C183D7F6-B498-43B3-948B-1728B52AA6E4}">
-                <adec:decorative xmlns:adec="http://schemas.microsoft.com/office/drawing/2017/decorative" val="1"/>
+                <adec:decorative xmlns:adec="http://schemas.microsoft.com/office/drawing/2017/decorative" xmlns="" val="1"/>
               </a:ext>
             </a:extLst>
           </p:cNvPr>
@@ -29713,6 +30000,25 @@
   <p:clrMapOvr>
     <a:masterClrMapping/>
   </p:clrMapOvr>
+  <mc:AlternateContent xmlns:mc="http://schemas.openxmlformats.org/markup-compatibility/2006">
+    <mc:Choice xmlns:p159="http://schemas.microsoft.com/office/powerpoint/2015/09/main" Requires="p159">
+      <p:transition xmlns:p14="http://schemas.microsoft.com/office/powerpoint/2010/main" spd="slow" p14:dur="2000" advTm="8478">
+        <p159:morph option="byObject"/>
+      </p:transition>
+    </mc:Choice>
+    <mc:Fallback>
+      <p:transition spd="slow" advTm="8478">
+        <p:fade/>
+      </p:transition>
+    </mc:Fallback>
+  </mc:AlternateContent>
+  <p:timing>
+    <p:tnLst>
+      <p:par>
+        <p:cTn id="1" dur="indefinite" restart="never" nodeType="tmRoot"/>
+      </p:par>
+    </p:tnLst>
+  </p:timing>
 </p:sld>
 </file>
 
@@ -29749,7 +30055,7 @@
                 <a16:creationId xmlns:a16="http://schemas.microsoft.com/office/drawing/2014/main" id="{FBE20309-1FB9-4818-BAFA-9C4C0534178B}"/>
               </a:ext>
               <a:ext uri="{C183D7F6-B498-43B3-948B-1728B52AA6E4}">
-                <adec:decorative xmlns:adec="http://schemas.microsoft.com/office/drawing/2017/decorative" val="1"/>
+                <adec:decorative xmlns:adec="http://schemas.microsoft.com/office/drawing/2017/decorative" xmlns="" val="1"/>
               </a:ext>
             </a:extLst>
           </p:cNvPr>
@@ -29809,7 +30115,7 @@
                 <a16:creationId xmlns:a16="http://schemas.microsoft.com/office/drawing/2014/main" id="{FBD77573-9EF2-4C35-8285-A1CF6FBB0EA5}"/>
               </a:ext>
               <a:ext uri="{C183D7F6-B498-43B3-948B-1728B52AA6E4}">
-                <adec:decorative xmlns:adec="http://schemas.microsoft.com/office/drawing/2017/decorative" val="1"/>
+                <adec:decorative xmlns:adec="http://schemas.microsoft.com/office/drawing/2017/decorative" xmlns="" val="1"/>
               </a:ext>
             </a:extLst>
           </p:cNvPr>
@@ -30837,6 +31143,25 @@
   <p:clrMapOvr>
     <a:masterClrMapping/>
   </p:clrMapOvr>
+  <mc:AlternateContent xmlns:mc="http://schemas.openxmlformats.org/markup-compatibility/2006">
+    <mc:Choice xmlns:p159="http://schemas.microsoft.com/office/powerpoint/2015/09/main" Requires="p159">
+      <p:transition xmlns:p14="http://schemas.microsoft.com/office/powerpoint/2010/main" spd="slow" p14:dur="2000" advTm="21589">
+        <p159:morph option="byObject"/>
+      </p:transition>
+    </mc:Choice>
+    <mc:Fallback>
+      <p:transition spd="slow" advTm="21589">
+        <p:fade/>
+      </p:transition>
+    </mc:Fallback>
+  </mc:AlternateContent>
+  <p:timing>
+    <p:tnLst>
+      <p:par>
+        <p:cTn id="1" dur="indefinite" restart="never" nodeType="tmRoot"/>
+      </p:par>
+    </p:tnLst>
+  </p:timing>
 </p:sld>
 </file>
 
@@ -30873,7 +31198,7 @@
                 <a16:creationId xmlns:a16="http://schemas.microsoft.com/office/drawing/2014/main" id="{B20EED73-1494-4E89-869B-E501A02B2408}"/>
               </a:ext>
               <a:ext uri="{C183D7F6-B498-43B3-948B-1728B52AA6E4}">
-                <adec:decorative xmlns:adec="http://schemas.microsoft.com/office/drawing/2017/decorative" val="1"/>
+                <adec:decorative xmlns:adec="http://schemas.microsoft.com/office/drawing/2017/decorative" xmlns="" val="1"/>
               </a:ext>
             </a:extLst>
           </p:cNvPr>
@@ -30933,7 +31258,7 @@
                 <a16:creationId xmlns:a16="http://schemas.microsoft.com/office/drawing/2014/main" id="{E9D7A3A2-205A-4FD7-89D2-24FA8A54EA12}"/>
               </a:ext>
               <a:ext uri="{C183D7F6-B498-43B3-948B-1728B52AA6E4}">
-                <adec:decorative xmlns:adec="http://schemas.microsoft.com/office/drawing/2017/decorative" val="1"/>
+                <adec:decorative xmlns:adec="http://schemas.microsoft.com/office/drawing/2017/decorative" xmlns="" val="1"/>
               </a:ext>
             </a:extLst>
           </p:cNvPr>
@@ -31726,7 +32051,7 @@
                 <a16:creationId xmlns:a16="http://schemas.microsoft.com/office/drawing/2014/main" id="{C6BFDF0B-6325-416D-926F-7141006DDBD0}"/>
               </a:ext>
               <a:ext uri="{C183D7F6-B498-43B3-948B-1728B52AA6E4}">
-                <adec:decorative xmlns:adec="http://schemas.microsoft.com/office/drawing/2017/decorative" val="1"/>
+                <adec:decorative xmlns:adec="http://schemas.microsoft.com/office/drawing/2017/decorative" xmlns="" val="1"/>
               </a:ext>
             </a:extLst>
           </p:cNvPr>
@@ -32115,6 +32440,25 @@
   <p:clrMapOvr>
     <a:masterClrMapping/>
   </p:clrMapOvr>
+  <mc:AlternateContent xmlns:mc="http://schemas.openxmlformats.org/markup-compatibility/2006">
+    <mc:Choice xmlns:p159="http://schemas.microsoft.com/office/powerpoint/2015/09/main" Requires="p159">
+      <p:transition xmlns:p14="http://schemas.microsoft.com/office/powerpoint/2010/main" spd="slow" p14:dur="2000" advTm="14704">
+        <p159:morph option="byObject"/>
+      </p:transition>
+    </mc:Choice>
+    <mc:Fallback>
+      <p:transition spd="slow" advTm="14704">
+        <p:fade/>
+      </p:transition>
+    </mc:Fallback>
+  </mc:AlternateContent>
+  <p:timing>
+    <p:tnLst>
+      <p:par>
+        <p:cTn id="1" dur="indefinite" restart="never" nodeType="tmRoot"/>
+      </p:par>
+    </p:tnLst>
+  </p:timing>
 </p:sld>
 </file>
 
@@ -32185,6 +32529,25 @@
   <p:clrMapOvr>
     <a:overrideClrMapping bg1="dk1" tx1="lt1" bg2="dk2" tx2="lt2" accent1="accent1" accent2="accent2" accent3="accent3" accent4="accent4" accent5="accent5" accent6="accent6" hlink="hlink" folHlink="folHlink"/>
   </p:clrMapOvr>
+  <mc:AlternateContent xmlns:mc="http://schemas.openxmlformats.org/markup-compatibility/2006">
+    <mc:Choice xmlns:p159="http://schemas.microsoft.com/office/powerpoint/2015/09/main" Requires="p159">
+      <p:transition xmlns:p14="http://schemas.microsoft.com/office/powerpoint/2010/main" spd="slow" p14:dur="2000" advTm="14386">
+        <p159:morph option="byObject"/>
+      </p:transition>
+    </mc:Choice>
+    <mc:Fallback>
+      <p:transition spd="slow" advTm="14386">
+        <p:fade/>
+      </p:transition>
+    </mc:Fallback>
+  </mc:AlternateContent>
+  <p:timing>
+    <p:tnLst>
+      <p:par>
+        <p:cTn id="1" dur="indefinite" restart="never" nodeType="tmRoot"/>
+      </p:par>
+    </p:tnLst>
+  </p:timing>
 </p:sld>
 </file>
 
@@ -32221,7 +32584,7 @@
                 <a16:creationId xmlns:a16="http://schemas.microsoft.com/office/drawing/2014/main" id="{68717E5B-2C1D-4094-9D25-6FF6FBD92379}"/>
               </a:ext>
               <a:ext uri="{C183D7F6-B498-43B3-948B-1728B52AA6E4}">
-                <adec:decorative xmlns:adec="http://schemas.microsoft.com/office/drawing/2017/decorative" val="1"/>
+                <adec:decorative xmlns:adec="http://schemas.microsoft.com/office/drawing/2017/decorative" xmlns="" val="1"/>
               </a:ext>
             </a:extLst>
           </p:cNvPr>
@@ -32281,7 +32644,7 @@
                 <a16:creationId xmlns:a16="http://schemas.microsoft.com/office/drawing/2014/main" id="{6B6E033A-DB2E-49B8-B600-B38E0C280263}"/>
               </a:ext>
               <a:ext uri="{C183D7F6-B498-43B3-948B-1728B52AA6E4}">
-                <adec:decorative xmlns:adec="http://schemas.microsoft.com/office/drawing/2017/decorative" val="1"/>
+                <adec:decorative xmlns:adec="http://schemas.microsoft.com/office/drawing/2017/decorative" xmlns="" val="1"/>
               </a:ext>
             </a:extLst>
           </p:cNvPr>
@@ -34822,6 +35185,25 @@
   <p:clrMapOvr>
     <a:masterClrMapping/>
   </p:clrMapOvr>
+  <mc:AlternateContent xmlns:mc="http://schemas.openxmlformats.org/markup-compatibility/2006">
+    <mc:Choice xmlns:p159="http://schemas.microsoft.com/office/powerpoint/2015/09/main" Requires="p159">
+      <p:transition xmlns:p14="http://schemas.microsoft.com/office/powerpoint/2010/main" spd="slow" p14:dur="2000" advTm="44437">
+        <p159:morph option="byObject"/>
+      </p:transition>
+    </mc:Choice>
+    <mc:Fallback>
+      <p:transition spd="slow" advTm="44437">
+        <p:fade/>
+      </p:transition>
+    </mc:Fallback>
+  </mc:AlternateContent>
+  <p:timing>
+    <p:tnLst>
+      <p:par>
+        <p:cTn id="1" dur="indefinite" restart="never" nodeType="tmRoot"/>
+      </p:par>
+    </p:tnLst>
+  </p:timing>
 </p:sld>
 </file>
 
@@ -34858,7 +35240,7 @@
                 <a16:creationId xmlns:a16="http://schemas.microsoft.com/office/drawing/2014/main" id="{0E3596DD-156A-473E-9BB3-C6A29F7574E9}"/>
               </a:ext>
               <a:ext uri="{C183D7F6-B498-43B3-948B-1728B52AA6E4}">
-                <adec:decorative xmlns:adec="http://schemas.microsoft.com/office/drawing/2017/decorative" val="1"/>
+                <adec:decorative xmlns:adec="http://schemas.microsoft.com/office/drawing/2017/decorative" xmlns="" val="1"/>
               </a:ext>
             </a:extLst>
           </p:cNvPr>
@@ -34918,7 +35300,7 @@
                 <a16:creationId xmlns:a16="http://schemas.microsoft.com/office/drawing/2014/main" id="{2C46C4D6-C474-4E92-B52E-944C1118F7B6}"/>
               </a:ext>
               <a:ext uri="{C183D7F6-B498-43B3-948B-1728B52AA6E4}">
-                <adec:decorative xmlns:adec="http://schemas.microsoft.com/office/drawing/2017/decorative" val="1"/>
+                <adec:decorative xmlns:adec="http://schemas.microsoft.com/office/drawing/2017/decorative" xmlns="" val="1"/>
               </a:ext>
             </a:extLst>
           </p:cNvPr>
@@ -36034,6 +36416,25 @@
   <p:clrMapOvr>
     <a:masterClrMapping/>
   </p:clrMapOvr>
+  <mc:AlternateContent xmlns:mc="http://schemas.openxmlformats.org/markup-compatibility/2006">
+    <mc:Choice xmlns:p159="http://schemas.microsoft.com/office/powerpoint/2015/09/main" Requires="p159">
+      <p:transition xmlns:p14="http://schemas.microsoft.com/office/powerpoint/2010/main" spd="slow" p14:dur="2000" advTm="14116">
+        <p159:morph option="byObject"/>
+      </p:transition>
+    </mc:Choice>
+    <mc:Fallback>
+      <p:transition spd="slow" advTm="14116">
+        <p:fade/>
+      </p:transition>
+    </mc:Fallback>
+  </mc:AlternateContent>
+  <p:timing>
+    <p:tnLst>
+      <p:par>
+        <p:cTn id="1" dur="indefinite" restart="never" nodeType="tmRoot"/>
+      </p:par>
+    </p:tnLst>
+  </p:timing>
 </p:sld>
 </file>
 
@@ -36070,7 +36471,7 @@
                 <a16:creationId xmlns:a16="http://schemas.microsoft.com/office/drawing/2014/main" id="{FBE20309-1FB9-4818-BAFA-9C4C0534178B}"/>
               </a:ext>
               <a:ext uri="{C183D7F6-B498-43B3-948B-1728B52AA6E4}">
-                <adec:decorative xmlns:adec="http://schemas.microsoft.com/office/drawing/2017/decorative" val="1"/>
+                <adec:decorative xmlns:adec="http://schemas.microsoft.com/office/drawing/2017/decorative" xmlns="" val="1"/>
               </a:ext>
             </a:extLst>
           </p:cNvPr>
@@ -36130,7 +36531,7 @@
                 <a16:creationId xmlns:a16="http://schemas.microsoft.com/office/drawing/2014/main" id="{FBD77573-9EF2-4C35-8285-A1CF6FBB0EA5}"/>
               </a:ext>
               <a:ext uri="{C183D7F6-B498-43B3-948B-1728B52AA6E4}">
-                <adec:decorative xmlns:adec="http://schemas.microsoft.com/office/drawing/2017/decorative" val="1"/>
+                <adec:decorative xmlns:adec="http://schemas.microsoft.com/office/drawing/2017/decorative" xmlns="" val="1"/>
               </a:ext>
             </a:extLst>
           </p:cNvPr>
@@ -37187,6 +37588,25 @@
   <p:clrMapOvr>
     <a:masterClrMapping/>
   </p:clrMapOvr>
+  <mc:AlternateContent xmlns:mc="http://schemas.openxmlformats.org/markup-compatibility/2006">
+    <mc:Choice xmlns:p159="http://schemas.microsoft.com/office/powerpoint/2015/09/main" Requires="p159">
+      <p:transition xmlns:p14="http://schemas.microsoft.com/office/powerpoint/2010/main" spd="slow" p14:dur="2000" advTm="18578">
+        <p159:morph option="byObject"/>
+      </p:transition>
+    </mc:Choice>
+    <mc:Fallback>
+      <p:transition spd="slow" advTm="18578">
+        <p:fade/>
+      </p:transition>
+    </mc:Fallback>
+  </mc:AlternateContent>
+  <p:timing>
+    <p:tnLst>
+      <p:par>
+        <p:cTn id="1" dur="indefinite" restart="never" nodeType="tmRoot"/>
+      </p:par>
+    </p:tnLst>
+  </p:timing>
 </p:sld>
 </file>
 

--- a/Presentation.pptx
+++ b/Presentation.pptx
@@ -5,7 +5,7 @@
     <p:sldMasterId id="2147483660" r:id="rId1"/>
   </p:sldMasterIdLst>
   <p:notesMasterIdLst>
-    <p:notesMasterId r:id="rId19"/>
+    <p:notesMasterId r:id="rId20"/>
   </p:notesMasterIdLst>
   <p:sldIdLst>
     <p:sldId id="256" r:id="rId2"/>
@@ -18,13 +18,14 @@
     <p:sldId id="266" r:id="rId9"/>
     <p:sldId id="262" r:id="rId10"/>
     <p:sldId id="269" r:id="rId11"/>
-    <p:sldId id="272" r:id="rId12"/>
-    <p:sldId id="263" r:id="rId13"/>
-    <p:sldId id="261" r:id="rId14"/>
-    <p:sldId id="271" r:id="rId15"/>
-    <p:sldId id="264" r:id="rId16"/>
-    <p:sldId id="267" r:id="rId17"/>
-    <p:sldId id="270" r:id="rId18"/>
+    <p:sldId id="273" r:id="rId12"/>
+    <p:sldId id="272" r:id="rId13"/>
+    <p:sldId id="263" r:id="rId14"/>
+    <p:sldId id="261" r:id="rId15"/>
+    <p:sldId id="271" r:id="rId16"/>
+    <p:sldId id="264" r:id="rId17"/>
+    <p:sldId id="267" r:id="rId18"/>
+    <p:sldId id="270" r:id="rId19"/>
   </p:sldIdLst>
   <p:sldSz cx="12192000" cy="6858000"/>
   <p:notesSz cx="6858000" cy="9144000"/>
@@ -140,6 +141,7 @@
     <p1510:client id="{A2015CC1-AD80-4D67-93C5-6172D29A789D}" v="366" dt="2023-01-17T19:16:33.831"/>
     <p1510:client id="{B5536738-2BF7-40E9-B25C-53EB12777241}" v="40" dt="2023-01-18T18:57:32.573"/>
     <p1510:client id="{C0C9C4A6-BF36-4CCE-9666-76CC2D2B6D40}" v="142" dt="2023-01-18T19:23:55.995"/>
+    <p1510:client id="{E1EC5573-F006-465F-AD1A-87DA379054E5}" v="26" dt="2023-03-29T19:41:10.905"/>
   </p1510:revLst>
 </p1510:revInfo>
 </file>
@@ -1959,13 +1961,6 @@
         </dgm:presLayoutVars>
       </dgm:prSet>
       <dgm:spPr/>
-      <dgm:t>
-        <a:bodyPr/>
-        <a:lstStyle/>
-        <a:p>
-          <a:endParaRPr lang="en-US"/>
-        </a:p>
-      </dgm:t>
     </dgm:pt>
     <dgm:pt modelId="{F3472A88-DDEB-44F9-8CF2-7D5ECB3619C2}" type="pres">
       <dgm:prSet presAssocID="{D115171E-FAC7-4A08-B0EC-DA8B424272D7}" presName="thickLine" presStyleLbl="alignNode1" presStyleIdx="0" presStyleCnt="8"/>
@@ -1978,13 +1973,6 @@
     <dgm:pt modelId="{E22E27B4-6269-49F9-8DB7-E203BB5EB5C9}" type="pres">
       <dgm:prSet presAssocID="{D115171E-FAC7-4A08-B0EC-DA8B424272D7}" presName="tx1" presStyleLbl="revTx" presStyleIdx="0" presStyleCnt="8"/>
       <dgm:spPr/>
-      <dgm:t>
-        <a:bodyPr/>
-        <a:lstStyle/>
-        <a:p>
-          <a:endParaRPr lang="en-US"/>
-        </a:p>
-      </dgm:t>
     </dgm:pt>
     <dgm:pt modelId="{CC3CBF97-F4E3-4428-969E-B0DC535FF925}" type="pres">
       <dgm:prSet presAssocID="{D115171E-FAC7-4A08-B0EC-DA8B424272D7}" presName="vert1" presStyleCnt="0"/>
@@ -2001,13 +1989,6 @@
     <dgm:pt modelId="{B0838DB8-C254-426E-A5FB-8728C8A85947}" type="pres">
       <dgm:prSet presAssocID="{C73E29D7-87A2-44DC-8A38-95C3611D62FA}" presName="tx1" presStyleLbl="revTx" presStyleIdx="1" presStyleCnt="8"/>
       <dgm:spPr/>
-      <dgm:t>
-        <a:bodyPr/>
-        <a:lstStyle/>
-        <a:p>
-          <a:endParaRPr lang="en-US"/>
-        </a:p>
-      </dgm:t>
     </dgm:pt>
     <dgm:pt modelId="{4E52E7FD-A98F-43DB-9189-F9BFD4624344}" type="pres">
       <dgm:prSet presAssocID="{C73E29D7-87A2-44DC-8A38-95C3611D62FA}" presName="vert1" presStyleCnt="0"/>
@@ -2024,13 +2005,6 @@
     <dgm:pt modelId="{4F14057E-F2C8-4FE3-9BE8-E5A444CEADEE}" type="pres">
       <dgm:prSet presAssocID="{9AF89C65-7CCE-4E90-AA7D-B9657C3BA564}" presName="tx1" presStyleLbl="revTx" presStyleIdx="2" presStyleCnt="8"/>
       <dgm:spPr/>
-      <dgm:t>
-        <a:bodyPr/>
-        <a:lstStyle/>
-        <a:p>
-          <a:endParaRPr lang="en-US"/>
-        </a:p>
-      </dgm:t>
     </dgm:pt>
     <dgm:pt modelId="{86C6F432-F3CF-46F0-8F39-AEDD6DD2CACA}" type="pres">
       <dgm:prSet presAssocID="{9AF89C65-7CCE-4E90-AA7D-B9657C3BA564}" presName="vert1" presStyleCnt="0"/>
@@ -2047,13 +2021,6 @@
     <dgm:pt modelId="{12EA1E71-4C92-4051-AAB8-095CEDD4F9F1}" type="pres">
       <dgm:prSet presAssocID="{B772465C-3590-4B98-AB7A-0032640CDA41}" presName="tx1" presStyleLbl="revTx" presStyleIdx="3" presStyleCnt="8"/>
       <dgm:spPr/>
-      <dgm:t>
-        <a:bodyPr/>
-        <a:lstStyle/>
-        <a:p>
-          <a:endParaRPr lang="en-US"/>
-        </a:p>
-      </dgm:t>
     </dgm:pt>
     <dgm:pt modelId="{A89F49A6-7A31-4E5E-A3D0-84409350337D}" type="pres">
       <dgm:prSet presAssocID="{B772465C-3590-4B98-AB7A-0032640CDA41}" presName="vert1" presStyleCnt="0"/>
@@ -2070,13 +2037,6 @@
     <dgm:pt modelId="{C5DC69CC-1BB8-49F8-A1AA-1AAD9869DE0A}" type="pres">
       <dgm:prSet presAssocID="{AE776851-FB4B-4935-BB93-906EC787738B}" presName="tx1" presStyleLbl="revTx" presStyleIdx="4" presStyleCnt="8"/>
       <dgm:spPr/>
-      <dgm:t>
-        <a:bodyPr/>
-        <a:lstStyle/>
-        <a:p>
-          <a:endParaRPr lang="en-US"/>
-        </a:p>
-      </dgm:t>
     </dgm:pt>
     <dgm:pt modelId="{EE905529-1FAE-4E2E-9A43-95DB24156926}" type="pres">
       <dgm:prSet presAssocID="{AE776851-FB4B-4935-BB93-906EC787738B}" presName="vert1" presStyleCnt="0"/>
@@ -2093,13 +2053,6 @@
     <dgm:pt modelId="{4F520865-A6E4-45F7-83A3-327A183A3D66}" type="pres">
       <dgm:prSet presAssocID="{C1091C1B-E767-48DC-8862-3D4B9B1167D5}" presName="tx1" presStyleLbl="revTx" presStyleIdx="5" presStyleCnt="8"/>
       <dgm:spPr/>
-      <dgm:t>
-        <a:bodyPr/>
-        <a:lstStyle/>
-        <a:p>
-          <a:endParaRPr lang="en-US"/>
-        </a:p>
-      </dgm:t>
     </dgm:pt>
     <dgm:pt modelId="{7E88058A-E303-4631-AC34-C3108AB96A00}" type="pres">
       <dgm:prSet presAssocID="{C1091C1B-E767-48DC-8862-3D4B9B1167D5}" presName="vert1" presStyleCnt="0"/>
@@ -2116,13 +2069,6 @@
     <dgm:pt modelId="{D30568EB-76DC-4483-A50D-2BFD3A83CA3D}" type="pres">
       <dgm:prSet presAssocID="{8E5304E5-546E-4FB6-8DDF-CC85B69D88EF}" presName="tx1" presStyleLbl="revTx" presStyleIdx="6" presStyleCnt="8"/>
       <dgm:spPr/>
-      <dgm:t>
-        <a:bodyPr/>
-        <a:lstStyle/>
-        <a:p>
-          <a:endParaRPr lang="en-US"/>
-        </a:p>
-      </dgm:t>
     </dgm:pt>
     <dgm:pt modelId="{0B04CDC6-3BB0-48B8-BDF2-D753BF0512FC}" type="pres">
       <dgm:prSet presAssocID="{8E5304E5-546E-4FB6-8DDF-CC85B69D88EF}" presName="vert1" presStyleCnt="0"/>
@@ -2139,13 +2085,6 @@
     <dgm:pt modelId="{2582A93B-AE02-4AF2-ADA7-BCE97746AACF}" type="pres">
       <dgm:prSet presAssocID="{C6CDEC72-DAC0-4D00-A20E-8B873410DC21}" presName="tx1" presStyleLbl="revTx" presStyleIdx="7" presStyleCnt="8"/>
       <dgm:spPr/>
-      <dgm:t>
-        <a:bodyPr/>
-        <a:lstStyle/>
-        <a:p>
-          <a:endParaRPr lang="en-US"/>
-        </a:p>
-      </dgm:t>
     </dgm:pt>
     <dgm:pt modelId="{02030D17-97C8-422F-BDA6-11F7B4BB9247}" type="pres">
       <dgm:prSet presAssocID="{C6CDEC72-DAC0-4D00-A20E-8B873410DC21}" presName="vert1" presStyleCnt="0"/>
@@ -2153,23 +2092,23 @@
     </dgm:pt>
   </dgm:ptLst>
   <dgm:cxnLst>
+    <dgm:cxn modelId="{84BEDB0D-8B30-4655-9752-47059A3B8D2E}" srcId="{7A908F8F-FA07-4DEB-97D0-C12A003A3332}" destId="{C1091C1B-E767-48DC-8862-3D4B9B1167D5}" srcOrd="5" destOrd="0" parTransId="{CCC23ECF-649F-473D-B281-C774C0BCD7DD}" sibTransId="{CEA36945-EBC2-4320-A479-8B1D0055C29A}"/>
+    <dgm:cxn modelId="{B8D21827-5092-4BD5-A5FB-FEA38F09C568}" srcId="{7A908F8F-FA07-4DEB-97D0-C12A003A3332}" destId="{B772465C-3590-4B98-AB7A-0032640CDA41}" srcOrd="3" destOrd="0" parTransId="{E012725A-666E-48CF-B7C4-D501B0C11AFE}" sibTransId="{89919D58-DD73-457E-84C6-6E5E326B2503}"/>
+    <dgm:cxn modelId="{F757E02F-66B3-4BD3-8947-19C3FF932956}" type="presOf" srcId="{D115171E-FAC7-4A08-B0EC-DA8B424272D7}" destId="{E22E27B4-6269-49F9-8DB7-E203BB5EB5C9}" srcOrd="0" destOrd="0" presId="urn:microsoft.com/office/officeart/2008/layout/LinedList"/>
     <dgm:cxn modelId="{CF8D8065-1955-48ED-B21D-6213D7B01F76}" type="presOf" srcId="{9AF89C65-7CCE-4E90-AA7D-B9657C3BA564}" destId="{4F14057E-F2C8-4FE3-9BE8-E5A444CEADEE}" srcOrd="0" destOrd="0" presId="urn:microsoft.com/office/officeart/2008/layout/LinedList"/>
-    <dgm:cxn modelId="{D83E52EE-CAE9-49DF-B19D-0512BD486A7E}" srcId="{7A908F8F-FA07-4DEB-97D0-C12A003A3332}" destId="{C6CDEC72-DAC0-4D00-A20E-8B873410DC21}" srcOrd="7" destOrd="0" parTransId="{24586B24-A79F-4458-9C2C-25084D89CBE4}" sibTransId="{6C9CD2D6-C972-42DA-B3D7-F1E9E9F7D121}"/>
-    <dgm:cxn modelId="{B8D21827-5092-4BD5-A5FB-FEA38F09C568}" srcId="{7A908F8F-FA07-4DEB-97D0-C12A003A3332}" destId="{B772465C-3590-4B98-AB7A-0032640CDA41}" srcOrd="3" destOrd="0" parTransId="{E012725A-666E-48CF-B7C4-D501B0C11AFE}" sibTransId="{89919D58-DD73-457E-84C6-6E5E326B2503}"/>
-    <dgm:cxn modelId="{889A5C8B-87EE-43AC-8709-AEB8A1C7C1A3}" srcId="{7A908F8F-FA07-4DEB-97D0-C12A003A3332}" destId="{AE776851-FB4B-4935-BB93-906EC787738B}" srcOrd="4" destOrd="0" parTransId="{302A9A56-A17D-46E9-8436-9C35B2BB5EE7}" sibTransId="{35AED559-AD57-4E04-860F-5B8B67F9B987}"/>
-    <dgm:cxn modelId="{1B0F91C6-F0C4-41FC-BB3D-9331C4AFE9FF}" srcId="{7A908F8F-FA07-4DEB-97D0-C12A003A3332}" destId="{D115171E-FAC7-4A08-B0EC-DA8B424272D7}" srcOrd="0" destOrd="0" parTransId="{6322F993-B5C2-455F-8F32-EFCBC430C8A1}" sibTransId="{430A4452-979F-43F7-9B35-3E1AD655B14A}"/>
-    <dgm:cxn modelId="{294C3AB3-A59E-4817-B83C-F8315E09AFB9}" type="presOf" srcId="{AE776851-FB4B-4935-BB93-906EC787738B}" destId="{C5DC69CC-1BB8-49F8-A1AA-1AAD9869DE0A}" srcOrd="0" destOrd="0" presId="urn:microsoft.com/office/officeart/2008/layout/LinedList"/>
     <dgm:cxn modelId="{5D158665-B367-443B-A144-4A3499298A27}" srcId="{7A908F8F-FA07-4DEB-97D0-C12A003A3332}" destId="{8E5304E5-546E-4FB6-8DDF-CC85B69D88EF}" srcOrd="6" destOrd="0" parTransId="{19BC60B8-1A7F-4BF3-89D1-43D6CA494708}" sibTransId="{3D6A3F13-80FC-4B25-8DB9-44F980D528C4}"/>
     <dgm:cxn modelId="{D040435A-D3D5-4D6F-92F2-3915A2BCD449}" srcId="{7A908F8F-FA07-4DEB-97D0-C12A003A3332}" destId="{9AF89C65-7CCE-4E90-AA7D-B9657C3BA564}" srcOrd="2" destOrd="0" parTransId="{072C5D2A-88A6-4DC4-85B3-CA2F89B92E7E}" sibTransId="{9E41FA40-98A9-4A71-A6B5-79CB9C53AD3E}"/>
+    <dgm:cxn modelId="{EBD09587-14C2-4B80-997C-678BC54E6F1E}" srcId="{7A908F8F-FA07-4DEB-97D0-C12A003A3332}" destId="{C73E29D7-87A2-44DC-8A38-95C3611D62FA}" srcOrd="1" destOrd="0" parTransId="{893CC579-2D00-48B0-982F-8DE87ECB1B2A}" sibTransId="{BFC853AC-631D-48C0-9C1A-C0CDA7DB7EC3}"/>
+    <dgm:cxn modelId="{889A5C8B-87EE-43AC-8709-AEB8A1C7C1A3}" srcId="{7A908F8F-FA07-4DEB-97D0-C12A003A3332}" destId="{AE776851-FB4B-4935-BB93-906EC787738B}" srcOrd="4" destOrd="0" parTransId="{302A9A56-A17D-46E9-8436-9C35B2BB5EE7}" sibTransId="{35AED559-AD57-4E04-860F-5B8B67F9B987}"/>
+    <dgm:cxn modelId="{0883D9A1-7FDA-4F08-851C-B4C88A55F8E1}" type="presOf" srcId="{C6CDEC72-DAC0-4D00-A20E-8B873410DC21}" destId="{2582A93B-AE02-4AF2-ADA7-BCE97746AACF}" srcOrd="0" destOrd="0" presId="urn:microsoft.com/office/officeart/2008/layout/LinedList"/>
+    <dgm:cxn modelId="{294C3AB3-A59E-4817-B83C-F8315E09AFB9}" type="presOf" srcId="{AE776851-FB4B-4935-BB93-906EC787738B}" destId="{C5DC69CC-1BB8-49F8-A1AA-1AAD9869DE0A}" srcOrd="0" destOrd="0" presId="urn:microsoft.com/office/officeart/2008/layout/LinedList"/>
+    <dgm:cxn modelId="{1B0F91C6-F0C4-41FC-BB3D-9331C4AFE9FF}" srcId="{7A908F8F-FA07-4DEB-97D0-C12A003A3332}" destId="{D115171E-FAC7-4A08-B0EC-DA8B424272D7}" srcOrd="0" destOrd="0" parTransId="{6322F993-B5C2-455F-8F32-EFCBC430C8A1}" sibTransId="{430A4452-979F-43F7-9B35-3E1AD655B14A}"/>
+    <dgm:cxn modelId="{E2F0D8D3-BC0B-4DE6-8439-75AF83BC894B}" type="presOf" srcId="{B772465C-3590-4B98-AB7A-0032640CDA41}" destId="{12EA1E71-4C92-4051-AAB8-095CEDD4F9F1}" srcOrd="0" destOrd="0" presId="urn:microsoft.com/office/officeart/2008/layout/LinedList"/>
+    <dgm:cxn modelId="{20E6F9E3-1A81-4004-8AE0-B572AF1FF2D5}" type="presOf" srcId="{8E5304E5-546E-4FB6-8DDF-CC85B69D88EF}" destId="{D30568EB-76DC-4483-A50D-2BFD3A83CA3D}" srcOrd="0" destOrd="0" presId="urn:microsoft.com/office/officeart/2008/layout/LinedList"/>
     <dgm:cxn modelId="{623BB5EA-EFFB-490C-804E-FAE8F4C81824}" type="presOf" srcId="{C73E29D7-87A2-44DC-8A38-95C3611D62FA}" destId="{B0838DB8-C254-426E-A5FB-8728C8A85947}" srcOrd="0" destOrd="0" presId="urn:microsoft.com/office/officeart/2008/layout/LinedList"/>
-    <dgm:cxn modelId="{E2F0D8D3-BC0B-4DE6-8439-75AF83BC894B}" type="presOf" srcId="{B772465C-3590-4B98-AB7A-0032640CDA41}" destId="{12EA1E71-4C92-4051-AAB8-095CEDD4F9F1}" srcOrd="0" destOrd="0" presId="urn:microsoft.com/office/officeart/2008/layout/LinedList"/>
+    <dgm:cxn modelId="{D83E52EE-CAE9-49DF-B19D-0512BD486A7E}" srcId="{7A908F8F-FA07-4DEB-97D0-C12A003A3332}" destId="{C6CDEC72-DAC0-4D00-A20E-8B873410DC21}" srcOrd="7" destOrd="0" parTransId="{24586B24-A79F-4458-9C2C-25084D89CBE4}" sibTransId="{6C9CD2D6-C972-42DA-B3D7-F1E9E9F7D121}"/>
     <dgm:cxn modelId="{F3873DF4-AB72-46C1-87A3-221B400D411D}" type="presOf" srcId="{C1091C1B-E767-48DC-8862-3D4B9B1167D5}" destId="{4F520865-A6E4-45F7-83A3-327A183A3D66}" srcOrd="0" destOrd="0" presId="urn:microsoft.com/office/officeart/2008/layout/LinedList"/>
     <dgm:cxn modelId="{408F70F7-446D-4C12-B484-92E120E29D63}" type="presOf" srcId="{7A908F8F-FA07-4DEB-97D0-C12A003A3332}" destId="{206E07E3-7371-4B83-A3AC-56090C135DDD}" srcOrd="0" destOrd="0" presId="urn:microsoft.com/office/officeart/2008/layout/LinedList"/>
-    <dgm:cxn modelId="{84BEDB0D-8B30-4655-9752-47059A3B8D2E}" srcId="{7A908F8F-FA07-4DEB-97D0-C12A003A3332}" destId="{C1091C1B-E767-48DC-8862-3D4B9B1167D5}" srcOrd="5" destOrd="0" parTransId="{CCC23ECF-649F-473D-B281-C774C0BCD7DD}" sibTransId="{CEA36945-EBC2-4320-A479-8B1D0055C29A}"/>
-    <dgm:cxn modelId="{0883D9A1-7FDA-4F08-851C-B4C88A55F8E1}" type="presOf" srcId="{C6CDEC72-DAC0-4D00-A20E-8B873410DC21}" destId="{2582A93B-AE02-4AF2-ADA7-BCE97746AACF}" srcOrd="0" destOrd="0" presId="urn:microsoft.com/office/officeart/2008/layout/LinedList"/>
-    <dgm:cxn modelId="{F757E02F-66B3-4BD3-8947-19C3FF932956}" type="presOf" srcId="{D115171E-FAC7-4A08-B0EC-DA8B424272D7}" destId="{E22E27B4-6269-49F9-8DB7-E203BB5EB5C9}" srcOrd="0" destOrd="0" presId="urn:microsoft.com/office/officeart/2008/layout/LinedList"/>
-    <dgm:cxn modelId="{20E6F9E3-1A81-4004-8AE0-B572AF1FF2D5}" type="presOf" srcId="{8E5304E5-546E-4FB6-8DDF-CC85B69D88EF}" destId="{D30568EB-76DC-4483-A50D-2BFD3A83CA3D}" srcOrd="0" destOrd="0" presId="urn:microsoft.com/office/officeart/2008/layout/LinedList"/>
-    <dgm:cxn modelId="{EBD09587-14C2-4B80-997C-678BC54E6F1E}" srcId="{7A908F8F-FA07-4DEB-97D0-C12A003A3332}" destId="{C73E29D7-87A2-44DC-8A38-95C3611D62FA}" srcOrd="1" destOrd="0" parTransId="{893CC579-2D00-48B0-982F-8DE87ECB1B2A}" sibTransId="{BFC853AC-631D-48C0-9C1A-C0CDA7DB7EC3}"/>
     <dgm:cxn modelId="{F102EA5E-32AF-4A8B-88AD-6AEBE8686420}" type="presParOf" srcId="{206E07E3-7371-4B83-A3AC-56090C135DDD}" destId="{F3472A88-DDEB-44F9-8CF2-7D5ECB3619C2}" srcOrd="0" destOrd="0" presId="urn:microsoft.com/office/officeart/2008/layout/LinedList"/>
     <dgm:cxn modelId="{76EF7CFA-A77E-40F0-B5BF-31CFA140DE17}" type="presParOf" srcId="{206E07E3-7371-4B83-A3AC-56090C135DDD}" destId="{D2DE8418-1F7A-4580-B4BC-FD9F0CB21EF6}" srcOrd="1" destOrd="0" presId="urn:microsoft.com/office/officeart/2008/layout/LinedList"/>
     <dgm:cxn modelId="{2D376ED2-733F-4B44-B4C8-9F833C0742AE}" type="presParOf" srcId="{D2DE8418-1F7A-4580-B4BC-FD9F0CB21EF6}" destId="{E22E27B4-6269-49F9-8DB7-E203BB5EB5C9}" srcOrd="0" destOrd="0" presId="urn:microsoft.com/office/officeart/2008/layout/LinedList"/>
@@ -2384,13 +2323,6 @@
         </dgm:presLayoutVars>
       </dgm:prSet>
       <dgm:spPr/>
-      <dgm:t>
-        <a:bodyPr/>
-        <a:lstStyle/>
-        <a:p>
-          <a:endParaRPr lang="en-US"/>
-        </a:p>
-      </dgm:t>
     </dgm:pt>
     <dgm:pt modelId="{66D3D5ED-800A-4C5C-8425-D3028B2C8949}" type="pres">
       <dgm:prSet presAssocID="{BA585673-C19A-4993-A891-94E4C9B531DB}" presName="thickLine" presStyleLbl="alignNode1" presStyleIdx="0" presStyleCnt="4"/>
@@ -2403,13 +2335,6 @@
     <dgm:pt modelId="{19F063BC-0DA0-47B5-B5AD-9E61A7128B19}" type="pres">
       <dgm:prSet presAssocID="{BA585673-C19A-4993-A891-94E4C9B531DB}" presName="tx1" presStyleLbl="revTx" presStyleIdx="0" presStyleCnt="4"/>
       <dgm:spPr/>
-      <dgm:t>
-        <a:bodyPr/>
-        <a:lstStyle/>
-        <a:p>
-          <a:endParaRPr lang="en-US"/>
-        </a:p>
-      </dgm:t>
     </dgm:pt>
     <dgm:pt modelId="{12D7AA5E-9300-441A-815E-C1CC46DC8CD3}" type="pres">
       <dgm:prSet presAssocID="{BA585673-C19A-4993-A891-94E4C9B531DB}" presName="vert1" presStyleCnt="0"/>
@@ -2426,13 +2351,6 @@
     <dgm:pt modelId="{28B1C2B1-1626-42A5-A718-5E6B6A3E6A6A}" type="pres">
       <dgm:prSet presAssocID="{D0238A7D-BDAF-41D2-9B44-03CE11BE11BC}" presName="tx1" presStyleLbl="revTx" presStyleIdx="1" presStyleCnt="4"/>
       <dgm:spPr/>
-      <dgm:t>
-        <a:bodyPr/>
-        <a:lstStyle/>
-        <a:p>
-          <a:endParaRPr lang="en-US"/>
-        </a:p>
-      </dgm:t>
     </dgm:pt>
     <dgm:pt modelId="{80FE52BA-DD2B-4F85-905F-F4449C081C96}" type="pres">
       <dgm:prSet presAssocID="{D0238A7D-BDAF-41D2-9B44-03CE11BE11BC}" presName="vert1" presStyleCnt="0"/>
@@ -2449,13 +2367,6 @@
     <dgm:pt modelId="{42F900C8-A097-42F8-A5A7-1F418F427441}" type="pres">
       <dgm:prSet presAssocID="{779DFD13-28AF-4F6F-B85E-D20EEC91DD57}" presName="tx1" presStyleLbl="revTx" presStyleIdx="2" presStyleCnt="4"/>
       <dgm:spPr/>
-      <dgm:t>
-        <a:bodyPr/>
-        <a:lstStyle/>
-        <a:p>
-          <a:endParaRPr lang="en-US"/>
-        </a:p>
-      </dgm:t>
     </dgm:pt>
     <dgm:pt modelId="{153DF544-87EA-44B4-B2EE-375CFFBFFECA}" type="pres">
       <dgm:prSet presAssocID="{779DFD13-28AF-4F6F-B85E-D20EEC91DD57}" presName="vert1" presStyleCnt="0"/>
@@ -2472,13 +2383,6 @@
     <dgm:pt modelId="{52CB0FA0-DF77-4748-9333-002459CF4243}" type="pres">
       <dgm:prSet presAssocID="{E6E881A1-D4B3-43B7-B4BE-0E5035B9BC01}" presName="tx1" presStyleLbl="revTx" presStyleIdx="3" presStyleCnt="4"/>
       <dgm:spPr/>
-      <dgm:t>
-        <a:bodyPr/>
-        <a:lstStyle/>
-        <a:p>
-          <a:endParaRPr lang="en-US"/>
-        </a:p>
-      </dgm:t>
     </dgm:pt>
     <dgm:pt modelId="{6AC55CCE-FCFD-4337-AA82-3951D00CB68B}" type="pres">
       <dgm:prSet presAssocID="{E6E881A1-D4B3-43B7-B4BE-0E5035B9BC01}" presName="vert1" presStyleCnt="0"/>
@@ -2486,15 +2390,15 @@
     </dgm:pt>
   </dgm:ptLst>
   <dgm:cxnLst>
-    <dgm:cxn modelId="{D214F8DB-BC15-452C-B3FF-29E2A75771E3}" type="presOf" srcId="{E6E881A1-D4B3-43B7-B4BE-0E5035B9BC01}" destId="{52CB0FA0-DF77-4748-9333-002459CF4243}" srcOrd="0" destOrd="0" presId="urn:microsoft.com/office/officeart/2008/layout/LinedList"/>
+    <dgm:cxn modelId="{556BE908-A0C7-468A-92FC-1ACE96F0E71A}" srcId="{361FAAB6-2994-42BF-AB5D-6A01A007A36A}" destId="{E6E881A1-D4B3-43B7-B4BE-0E5035B9BC01}" srcOrd="3" destOrd="0" parTransId="{1D56E3FD-7BB9-4C57-A538-CE57583D927E}" sibTransId="{2CFCF568-78B2-4043-8F40-A137B987F52F}"/>
+    <dgm:cxn modelId="{B2C9DC5D-60C5-42BA-ADC3-0C7F7269D274}" type="presOf" srcId="{D0238A7D-BDAF-41D2-9B44-03CE11BE11BC}" destId="{28B1C2B1-1626-42A5-A718-5E6B6A3E6A6A}" srcOrd="0" destOrd="0" presId="urn:microsoft.com/office/officeart/2008/layout/LinedList"/>
     <dgm:cxn modelId="{7AD6EF5D-7DDF-4629-9686-FB6AF5347654}" type="presOf" srcId="{361FAAB6-2994-42BF-AB5D-6A01A007A36A}" destId="{28305CC0-269B-45ED-988F-F596482A1BB7}" srcOrd="0" destOrd="0" presId="urn:microsoft.com/office/officeart/2008/layout/LinedList"/>
-    <dgm:cxn modelId="{B2C9DC5D-60C5-42BA-ADC3-0C7F7269D274}" type="presOf" srcId="{D0238A7D-BDAF-41D2-9B44-03CE11BE11BC}" destId="{28B1C2B1-1626-42A5-A718-5E6B6A3E6A6A}" srcOrd="0" destOrd="0" presId="urn:microsoft.com/office/officeart/2008/layout/LinedList"/>
+    <dgm:cxn modelId="{064C7A9E-BA67-497A-939A-ADD15F0AB45A}" srcId="{361FAAB6-2994-42BF-AB5D-6A01A007A36A}" destId="{779DFD13-28AF-4F6F-B85E-D20EEC91DD57}" srcOrd="2" destOrd="0" parTransId="{61CF6BEB-8DB0-4BA7-8786-9A705BC85D76}" sibTransId="{19B55D31-600E-4DE0-AA2F-2F7EB3419DA0}"/>
     <dgm:cxn modelId="{02ACF8A4-5AE8-4D58-A2E9-64B6E308B2DC}" type="presOf" srcId="{BA585673-C19A-4993-A891-94E4C9B531DB}" destId="{19F063BC-0DA0-47B5-B5AD-9E61A7128B19}" srcOrd="0" destOrd="0" presId="urn:microsoft.com/office/officeart/2008/layout/LinedList"/>
     <dgm:cxn modelId="{BF4DA9CB-A9D2-4092-B0F6-DCDA761DAB5F}" srcId="{361FAAB6-2994-42BF-AB5D-6A01A007A36A}" destId="{BA585673-C19A-4993-A891-94E4C9B531DB}" srcOrd="0" destOrd="0" parTransId="{647568DF-0166-48B9-9EC5-A1D9C1632996}" sibTransId="{98F5C448-6F4B-44A1-8C55-5258B52F832A}"/>
+    <dgm:cxn modelId="{FB88DDD4-D336-4823-B9E8-1B42282EE23D}" srcId="{361FAAB6-2994-42BF-AB5D-6A01A007A36A}" destId="{D0238A7D-BDAF-41D2-9B44-03CE11BE11BC}" srcOrd="1" destOrd="0" parTransId="{E5842441-AF55-4B4E-A053-E1540005304B}" sibTransId="{BBDC8615-49DF-4B33-A469-B7A7D10E5610}"/>
+    <dgm:cxn modelId="{D214F8DB-BC15-452C-B3FF-29E2A75771E3}" type="presOf" srcId="{E6E881A1-D4B3-43B7-B4BE-0E5035B9BC01}" destId="{52CB0FA0-DF77-4748-9333-002459CF4243}" srcOrd="0" destOrd="0" presId="urn:microsoft.com/office/officeart/2008/layout/LinedList"/>
     <dgm:cxn modelId="{D58844DE-7FEC-4E3E-B930-553996F553D2}" type="presOf" srcId="{779DFD13-28AF-4F6F-B85E-D20EEC91DD57}" destId="{42F900C8-A097-42F8-A5A7-1F418F427441}" srcOrd="0" destOrd="0" presId="urn:microsoft.com/office/officeart/2008/layout/LinedList"/>
-    <dgm:cxn modelId="{064C7A9E-BA67-497A-939A-ADD15F0AB45A}" srcId="{361FAAB6-2994-42BF-AB5D-6A01A007A36A}" destId="{779DFD13-28AF-4F6F-B85E-D20EEC91DD57}" srcOrd="2" destOrd="0" parTransId="{61CF6BEB-8DB0-4BA7-8786-9A705BC85D76}" sibTransId="{19B55D31-600E-4DE0-AA2F-2F7EB3419DA0}"/>
-    <dgm:cxn modelId="{FB88DDD4-D336-4823-B9E8-1B42282EE23D}" srcId="{361FAAB6-2994-42BF-AB5D-6A01A007A36A}" destId="{D0238A7D-BDAF-41D2-9B44-03CE11BE11BC}" srcOrd="1" destOrd="0" parTransId="{E5842441-AF55-4B4E-A053-E1540005304B}" sibTransId="{BBDC8615-49DF-4B33-A469-B7A7D10E5610}"/>
-    <dgm:cxn modelId="{556BE908-A0C7-468A-92FC-1ACE96F0E71A}" srcId="{361FAAB6-2994-42BF-AB5D-6A01A007A36A}" destId="{E6E881A1-D4B3-43B7-B4BE-0E5035B9BC01}" srcOrd="3" destOrd="0" parTransId="{1D56E3FD-7BB9-4C57-A538-CE57583D927E}" sibTransId="{2CFCF568-78B2-4043-8F40-A137B987F52F}"/>
     <dgm:cxn modelId="{12BF3FBD-9FBE-4086-8AA0-F552032DF21D}" type="presParOf" srcId="{28305CC0-269B-45ED-988F-F596482A1BB7}" destId="{66D3D5ED-800A-4C5C-8425-D3028B2C8949}" srcOrd="0" destOrd="0" presId="urn:microsoft.com/office/officeart/2008/layout/LinedList"/>
     <dgm:cxn modelId="{BD591E3D-9284-4A35-93E3-B2D5950DBB7E}" type="presParOf" srcId="{28305CC0-269B-45ED-988F-F596482A1BB7}" destId="{7E10BDBC-7BE4-4F69-86AF-0217BC59ECE8}" srcOrd="1" destOrd="0" presId="urn:microsoft.com/office/officeart/2008/layout/LinedList"/>
     <dgm:cxn modelId="{942F7F60-9635-4894-8A7B-1BE0725BD75E}" type="presParOf" srcId="{7E10BDBC-7BE4-4F69-86AF-0217BC59ECE8}" destId="{19F063BC-0DA0-47B5-B5AD-9E61A7128B19}" srcOrd="0" destOrd="0" presId="urn:microsoft.com/office/officeart/2008/layout/LinedList"/>
@@ -2612,12 +2516,12 @@
         <a:fontRef idx="minor"/>
       </dsp:style>
       <dsp:txBody>
-        <a:bodyPr spcFirstLastPara="0" vert="horz" wrap="square" lIns="83820" tIns="83820" rIns="83820" bIns="83820" numCol="1" spcCol="1270" anchor="t" anchorCtr="0">
+        <a:bodyPr spcFirstLastPara="0" vert="horz" wrap="square" lIns="87630" tIns="87630" rIns="87630" bIns="87630" numCol="1" spcCol="1270" anchor="t" anchorCtr="0">
           <a:noAutofit/>
         </a:bodyPr>
         <a:lstStyle/>
         <a:p>
-          <a:pPr lvl="0" algn="l" defTabSz="977900" rtl="0">
+          <a:pPr marL="0" lvl="0" indent="0" algn="l" defTabSz="1022350" rtl="0">
             <a:lnSpc>
               <a:spcPct val="90000"/>
             </a:lnSpc>
@@ -2627,18 +2531,19 @@
             <a:spcAft>
               <a:spcPct val="35000"/>
             </a:spcAft>
+            <a:buNone/>
           </a:pPr>
           <a:r>
-            <a:rPr lang="cs-CZ" sz="2200" kern="1200" dirty="0"/>
+            <a:rPr lang="cs-CZ" sz="2300" kern="1200" dirty="0"/>
             <a:t>Co to </a:t>
           </a:r>
           <a:r>
-            <a:rPr lang="cs-CZ" sz="2200" kern="1200" dirty="0">
+            <a:rPr lang="cs-CZ" sz="2300" kern="1200" dirty="0">
               <a:latin typeface="Century Gothic"/>
             </a:rPr>
             <a:t>jsou Kryptoměny</a:t>
           </a:r>
-          <a:endParaRPr lang="cs-CZ" sz="2200" b="1" kern="1200" dirty="0">
+          <a:endParaRPr lang="cs-CZ" sz="2300" b="1" kern="1200" dirty="0">
             <a:latin typeface="Century Gothic"/>
           </a:endParaRPr>
         </a:p>
@@ -2730,12 +2635,12 @@
         <a:fontRef idx="minor"/>
       </dsp:style>
       <dsp:txBody>
-        <a:bodyPr spcFirstLastPara="0" vert="horz" wrap="square" lIns="83820" tIns="83820" rIns="83820" bIns="83820" numCol="1" spcCol="1270" anchor="t" anchorCtr="0">
+        <a:bodyPr spcFirstLastPara="0" vert="horz" wrap="square" lIns="87630" tIns="87630" rIns="87630" bIns="87630" numCol="1" spcCol="1270" anchor="t" anchorCtr="0">
           <a:noAutofit/>
         </a:bodyPr>
         <a:lstStyle/>
         <a:p>
-          <a:pPr lvl="0" algn="l" defTabSz="977900">
+          <a:pPr marL="0" lvl="0" indent="0" algn="l" defTabSz="1022350">
             <a:lnSpc>
               <a:spcPct val="90000"/>
             </a:lnSpc>
@@ -2745,12 +2650,13 @@
             <a:spcAft>
               <a:spcPct val="35000"/>
             </a:spcAft>
+            <a:buNone/>
           </a:pPr>
           <a:r>
-            <a:rPr lang="cs-CZ" sz="2200" kern="1200" dirty="0"/>
+            <a:rPr lang="cs-CZ" sz="2300" kern="1200" dirty="0"/>
             <a:t>Vlastnosti</a:t>
           </a:r>
-          <a:endParaRPr lang="en-US" sz="2200" kern="1200" dirty="0"/>
+          <a:endParaRPr lang="en-US" sz="2300" kern="1200" dirty="0"/>
         </a:p>
       </dsp:txBody>
       <dsp:txXfrm>
@@ -2840,12 +2746,12 @@
         <a:fontRef idx="minor"/>
       </dsp:style>
       <dsp:txBody>
-        <a:bodyPr spcFirstLastPara="0" vert="horz" wrap="square" lIns="83820" tIns="83820" rIns="83820" bIns="83820" numCol="1" spcCol="1270" anchor="t" anchorCtr="0">
+        <a:bodyPr spcFirstLastPara="0" vert="horz" wrap="square" lIns="87630" tIns="87630" rIns="87630" bIns="87630" numCol="1" spcCol="1270" anchor="t" anchorCtr="0">
           <a:noAutofit/>
         </a:bodyPr>
         <a:lstStyle/>
         <a:p>
-          <a:pPr lvl="0" algn="l" defTabSz="977900">
+          <a:pPr marL="0" lvl="0" indent="0" algn="l" defTabSz="1022350">
             <a:lnSpc>
               <a:spcPct val="90000"/>
             </a:lnSpc>
@@ -2855,12 +2761,13 @@
             <a:spcAft>
               <a:spcPct val="35000"/>
             </a:spcAft>
+            <a:buNone/>
           </a:pPr>
           <a:r>
-            <a:rPr lang="cs-CZ" sz="2200" kern="1200" dirty="0"/>
+            <a:rPr lang="cs-CZ" sz="2300" kern="1200" dirty="0"/>
             <a:t>Blockchain</a:t>
           </a:r>
-          <a:endParaRPr lang="en-US" sz="2200" kern="1200" dirty="0"/>
+          <a:endParaRPr lang="en-US" sz="2300" kern="1200" dirty="0"/>
         </a:p>
       </dsp:txBody>
       <dsp:txXfrm>
@@ -2950,12 +2857,12 @@
         <a:fontRef idx="minor"/>
       </dsp:style>
       <dsp:txBody>
-        <a:bodyPr spcFirstLastPara="0" vert="horz" wrap="square" lIns="83820" tIns="83820" rIns="83820" bIns="83820" numCol="1" spcCol="1270" anchor="t" anchorCtr="0">
+        <a:bodyPr spcFirstLastPara="0" vert="horz" wrap="square" lIns="87630" tIns="87630" rIns="87630" bIns="87630" numCol="1" spcCol="1270" anchor="t" anchorCtr="0">
           <a:noAutofit/>
         </a:bodyPr>
         <a:lstStyle/>
         <a:p>
-          <a:pPr lvl="0" algn="l" defTabSz="977900" rtl="0">
+          <a:pPr marL="0" lvl="0" indent="0" algn="l" defTabSz="1022350" rtl="0">
             <a:lnSpc>
               <a:spcPct val="90000"/>
             </a:lnSpc>
@@ -2965,18 +2872,19 @@
             <a:spcAft>
               <a:spcPct val="35000"/>
             </a:spcAft>
+            <a:buNone/>
           </a:pPr>
           <a:r>
-            <a:rPr lang="cs-CZ" sz="2200" kern="1200" dirty="0"/>
+            <a:rPr lang="cs-CZ" sz="2300" kern="1200" dirty="0"/>
             <a:t>Mining</a:t>
           </a:r>
           <a:r>
-            <a:rPr lang="cs-CZ" sz="2200" kern="1200" dirty="0">
+            <a:rPr lang="cs-CZ" sz="2300" kern="1200" dirty="0">
               <a:latin typeface="Elephant"/>
             </a:rPr>
             <a:t> </a:t>
           </a:r>
-          <a:endParaRPr lang="en-US" sz="2200" kern="1200" dirty="0" err="1"/>
+          <a:endParaRPr lang="en-US" sz="2300" kern="1200" dirty="0" err="1"/>
         </a:p>
       </dsp:txBody>
       <dsp:txXfrm>
@@ -3066,12 +2974,12 @@
         <a:fontRef idx="minor"/>
       </dsp:style>
       <dsp:txBody>
-        <a:bodyPr spcFirstLastPara="0" vert="horz" wrap="square" lIns="83820" tIns="83820" rIns="83820" bIns="83820" numCol="1" spcCol="1270" anchor="t" anchorCtr="0">
+        <a:bodyPr spcFirstLastPara="0" vert="horz" wrap="square" lIns="87630" tIns="87630" rIns="87630" bIns="87630" numCol="1" spcCol="1270" anchor="t" anchorCtr="0">
           <a:noAutofit/>
         </a:bodyPr>
         <a:lstStyle/>
         <a:p>
-          <a:pPr lvl="0" algn="l" defTabSz="977900">
+          <a:pPr marL="0" lvl="0" indent="0" algn="l" defTabSz="1022350">
             <a:lnSpc>
               <a:spcPct val="90000"/>
             </a:lnSpc>
@@ -3081,12 +2989,13 @@
             <a:spcAft>
               <a:spcPct val="35000"/>
             </a:spcAft>
+            <a:buNone/>
           </a:pPr>
           <a:r>
-            <a:rPr lang="cs-CZ" sz="2200" kern="1200" dirty="0"/>
+            <a:rPr lang="cs-CZ" sz="2300" kern="1200" dirty="0"/>
             <a:t>Kryptoměny</a:t>
           </a:r>
-          <a:endParaRPr lang="en-US" sz="2200" kern="1200" dirty="0"/>
+          <a:endParaRPr lang="en-US" sz="2300" kern="1200" dirty="0"/>
         </a:p>
       </dsp:txBody>
       <dsp:txXfrm>
@@ -3176,12 +3085,12 @@
         <a:fontRef idx="minor"/>
       </dsp:style>
       <dsp:txBody>
-        <a:bodyPr spcFirstLastPara="0" vert="horz" wrap="square" lIns="83820" tIns="83820" rIns="83820" bIns="83820" numCol="1" spcCol="1270" anchor="t" anchorCtr="0">
+        <a:bodyPr spcFirstLastPara="0" vert="horz" wrap="square" lIns="87630" tIns="87630" rIns="87630" bIns="87630" numCol="1" spcCol="1270" anchor="t" anchorCtr="0">
           <a:noAutofit/>
         </a:bodyPr>
         <a:lstStyle/>
         <a:p>
-          <a:pPr lvl="0" algn="l" defTabSz="977900">
+          <a:pPr marL="0" lvl="0" indent="0" algn="l" defTabSz="1022350">
             <a:lnSpc>
               <a:spcPct val="90000"/>
             </a:lnSpc>
@@ -3191,12 +3100,13 @@
             <a:spcAft>
               <a:spcPct val="35000"/>
             </a:spcAft>
+            <a:buNone/>
           </a:pPr>
           <a:r>
-            <a:rPr lang="cs-CZ" sz="2200" kern="1200" dirty="0"/>
+            <a:rPr lang="cs-CZ" sz="2300" kern="1200" dirty="0"/>
             <a:t>Bitcoin</a:t>
           </a:r>
-          <a:endParaRPr lang="en-US" sz="2200" kern="1200" dirty="0"/>
+          <a:endParaRPr lang="en-US" sz="2300" kern="1200" dirty="0"/>
         </a:p>
       </dsp:txBody>
       <dsp:txXfrm>
@@ -3286,12 +3196,12 @@
         <a:fontRef idx="minor"/>
       </dsp:style>
       <dsp:txBody>
-        <a:bodyPr spcFirstLastPara="0" vert="horz" wrap="square" lIns="83820" tIns="83820" rIns="83820" bIns="83820" numCol="1" spcCol="1270" anchor="t" anchorCtr="0">
+        <a:bodyPr spcFirstLastPara="0" vert="horz" wrap="square" lIns="87630" tIns="87630" rIns="87630" bIns="87630" numCol="1" spcCol="1270" anchor="t" anchorCtr="0">
           <a:noAutofit/>
         </a:bodyPr>
         <a:lstStyle/>
         <a:p>
-          <a:pPr lvl="0" algn="l" defTabSz="977900">
+          <a:pPr marL="0" lvl="0" indent="0" algn="l" defTabSz="1022350">
             <a:lnSpc>
               <a:spcPct val="90000"/>
             </a:lnSpc>
@@ -3301,9 +3211,10 @@
             <a:spcAft>
               <a:spcPct val="35000"/>
             </a:spcAft>
+            <a:buNone/>
           </a:pPr>
           <a:r>
-            <a:rPr lang="cs-CZ" sz="2200" kern="1200" dirty="0"/>
+            <a:rPr lang="cs-CZ" sz="2300" kern="1200" dirty="0"/>
             <a:t>Ethereum</a:t>
           </a:r>
         </a:p>
@@ -3395,12 +3306,12 @@
         <a:fontRef idx="minor"/>
       </dsp:style>
       <dsp:txBody>
-        <a:bodyPr spcFirstLastPara="0" vert="horz" wrap="square" lIns="83820" tIns="83820" rIns="83820" bIns="83820" numCol="1" spcCol="1270" anchor="t" anchorCtr="0">
+        <a:bodyPr spcFirstLastPara="0" vert="horz" wrap="square" lIns="87630" tIns="87630" rIns="87630" bIns="87630" numCol="1" spcCol="1270" anchor="t" anchorCtr="0">
           <a:noAutofit/>
         </a:bodyPr>
         <a:lstStyle/>
         <a:p>
-          <a:pPr lvl="0" algn="l" defTabSz="977900">
+          <a:pPr marL="0" lvl="0" indent="0" algn="l" defTabSz="1022350">
             <a:lnSpc>
               <a:spcPct val="90000"/>
             </a:lnSpc>
@@ -3410,9 +3321,10 @@
             <a:spcAft>
               <a:spcPct val="35000"/>
             </a:spcAft>
+            <a:buNone/>
           </a:pPr>
           <a:r>
-            <a:rPr lang="cs-CZ" sz="2200" b="0" kern="1200" dirty="0">
+            <a:rPr lang="cs-CZ" sz="2300" b="0" kern="1200" dirty="0">
               <a:latin typeface="Century Gothic"/>
             </a:rPr>
             <a:t>Investice</a:t>
@@ -3523,7 +3435,7 @@
         </a:bodyPr>
         <a:lstStyle/>
         <a:p>
-          <a:pPr lvl="0" algn="l" defTabSz="2222500">
+          <a:pPr marL="0" lvl="0" indent="0" algn="l" defTabSz="2222500">
             <a:lnSpc>
               <a:spcPct val="90000"/>
             </a:lnSpc>
@@ -3533,6 +3445,7 @@
             <a:spcAft>
               <a:spcPct val="35000"/>
             </a:spcAft>
+            <a:buNone/>
           </a:pPr>
           <a:r>
             <a:rPr lang="cs-CZ" sz="5000" kern="1200" dirty="0"/>
@@ -3633,7 +3546,7 @@
         </a:bodyPr>
         <a:lstStyle/>
         <a:p>
-          <a:pPr lvl="0" algn="l" defTabSz="2222500">
+          <a:pPr marL="0" lvl="0" indent="0" algn="l" defTabSz="2222500">
             <a:lnSpc>
               <a:spcPct val="90000"/>
             </a:lnSpc>
@@ -3643,6 +3556,7 @@
             <a:spcAft>
               <a:spcPct val="35000"/>
             </a:spcAft>
+            <a:buNone/>
           </a:pPr>
           <a:r>
             <a:rPr lang="cs-CZ" sz="5000" kern="1200" dirty="0"/>
@@ -3743,7 +3657,7 @@
         </a:bodyPr>
         <a:lstStyle/>
         <a:p>
-          <a:pPr lvl="0" algn="l" defTabSz="2222500">
+          <a:pPr marL="0" lvl="0" indent="0" algn="l" defTabSz="2222500">
             <a:lnSpc>
               <a:spcPct val="90000"/>
             </a:lnSpc>
@@ -3753,6 +3667,7 @@
             <a:spcAft>
               <a:spcPct val="35000"/>
             </a:spcAft>
+            <a:buNone/>
           </a:pPr>
           <a:r>
             <a:rPr lang="cs-CZ" sz="5000" kern="1200" dirty="0"/>
@@ -3853,7 +3768,7 @@
         </a:bodyPr>
         <a:lstStyle/>
         <a:p>
-          <a:pPr lvl="0" algn="l" defTabSz="2222500">
+          <a:pPr marL="0" lvl="0" indent="0" algn="l" defTabSz="2222500">
             <a:lnSpc>
               <a:spcPct val="90000"/>
             </a:lnSpc>
@@ -3863,6 +3778,7 @@
             <a:spcAft>
               <a:spcPct val="35000"/>
             </a:spcAft>
+            <a:buNone/>
           </a:pPr>
           <a:r>
             <a:rPr lang="cs-CZ" sz="5000" kern="1200" dirty="0"/>
@@ -6961,7 +6877,7 @@
           </a:lstStyle>
           <a:p>
             <a:fld id="{B91A0ED3-B8FC-4F5B-9E05-BE18201B3379}" type="datetimeFigureOut">
-              <a:t>1/19/2023</a:t>
+              <a:t>29.03.2023</a:t>
             </a:fld>
             <a:endParaRPr lang="cs-CZ"/>
           </a:p>
@@ -7325,12 +7241,6 @@
               </a:rPr>
               <a:t>shopech</a:t>
             </a:r>
-            <a:r>
-              <a:rPr lang="en-US" dirty="0">
-                <a:cs typeface="+mn-lt"/>
-              </a:rPr>
-              <a:t/>
-            </a:r>
             <a:br>
               <a:rPr lang="en-US" dirty="0">
                 <a:cs typeface="+mn-lt"/>
@@ -7425,6 +7335,214 @@
               <a:rPr lang="en-US" dirty="0" err="1">
                 <a:cs typeface="Calibri"/>
               </a:rPr>
+              <a:t>Díky</a:t>
+            </a:r>
+            <a:r>
+              <a:rPr lang="en-US" dirty="0">
+                <a:cs typeface="Calibri"/>
+              </a:rPr>
+              <a:t> </a:t>
+            </a:r>
+            <a:r>
+              <a:rPr lang="en-US" dirty="0" err="1">
+                <a:cs typeface="Calibri"/>
+              </a:rPr>
+              <a:t>bitcoinu</a:t>
+            </a:r>
+            <a:r>
+              <a:rPr lang="en-US" dirty="0">
+                <a:cs typeface="Calibri"/>
+              </a:rPr>
+              <a:t> to </a:t>
+            </a:r>
+            <a:r>
+              <a:rPr lang="en-US" dirty="0" err="1">
+                <a:cs typeface="Calibri"/>
+              </a:rPr>
+              <a:t>všechno</a:t>
+            </a:r>
+            <a:r>
+              <a:rPr lang="en-US" dirty="0">
+                <a:cs typeface="Calibri"/>
+              </a:rPr>
+              <a:t> </a:t>
+            </a:r>
+            <a:r>
+              <a:rPr lang="en-US" dirty="0" err="1">
+                <a:cs typeface="Calibri"/>
+              </a:rPr>
+              <a:t>začalo</a:t>
+            </a:r>
+            <a:endParaRPr lang="en-US" dirty="0">
+              <a:cs typeface="Calibri"/>
+            </a:endParaRPr>
+          </a:p>
+          <a:p>
+            <a:r>
+              <a:rPr lang="en-US" dirty="0" err="1">
+                <a:cs typeface="Calibri"/>
+              </a:rPr>
+              <a:t>Nepodléhá</a:t>
+            </a:r>
+            <a:r>
+              <a:rPr lang="en-US" dirty="0">
+                <a:cs typeface="Calibri"/>
+              </a:rPr>
+              <a:t> </a:t>
+            </a:r>
+            <a:r>
+              <a:rPr lang="en-US" dirty="0" err="1">
+                <a:cs typeface="Calibri"/>
+              </a:rPr>
+              <a:t>inflaci</a:t>
+            </a:r>
+            <a:r>
+              <a:rPr lang="en-US" dirty="0">
+                <a:cs typeface="Calibri"/>
+              </a:rPr>
+              <a:t>, </a:t>
+            </a:r>
+            <a:r>
+              <a:rPr lang="en-US" dirty="0" err="1">
+                <a:cs typeface="Calibri"/>
+              </a:rPr>
+              <a:t>protože</a:t>
+            </a:r>
+            <a:r>
+              <a:rPr lang="en-US" dirty="0">
+                <a:cs typeface="Calibri"/>
+              </a:rPr>
+              <a:t> je </a:t>
+            </a:r>
+            <a:r>
+              <a:rPr lang="en-US" dirty="0" err="1">
+                <a:cs typeface="Calibri"/>
+              </a:rPr>
+              <a:t>přesně</a:t>
+            </a:r>
+            <a:r>
+              <a:rPr lang="en-US" dirty="0">
+                <a:cs typeface="Calibri"/>
+              </a:rPr>
+              <a:t> </a:t>
+            </a:r>
+            <a:r>
+              <a:rPr lang="en-US" dirty="0" err="1">
+                <a:cs typeface="Calibri"/>
+              </a:rPr>
+              <a:t>daný</a:t>
+            </a:r>
+            <a:r>
+              <a:rPr lang="en-US" dirty="0">
+                <a:cs typeface="Calibri"/>
+              </a:rPr>
+              <a:t> </a:t>
+            </a:r>
+            <a:r>
+              <a:rPr lang="en-US" dirty="0" err="1">
+                <a:cs typeface="Calibri"/>
+              </a:rPr>
+              <a:t>jeho</a:t>
+            </a:r>
+            <a:r>
+              <a:rPr lang="en-US" dirty="0">
+                <a:cs typeface="Calibri"/>
+              </a:rPr>
+              <a:t> </a:t>
+            </a:r>
+            <a:r>
+              <a:rPr lang="en-US" dirty="0" err="1">
+                <a:cs typeface="Calibri"/>
+              </a:rPr>
+              <a:t>počet</a:t>
+            </a:r>
+          </a:p>
+        </p:txBody>
+      </p:sp>
+      <p:sp>
+        <p:nvSpPr>
+          <p:cNvPr id="4" name="Zástupný symbol pro číslo snímku 3"/>
+          <p:cNvSpPr>
+            <a:spLocks noGrp="1"/>
+          </p:cNvSpPr>
+          <p:nvPr>
+            <p:ph type="sldNum" sz="quarter" idx="5"/>
+          </p:nvPr>
+        </p:nvSpPr>
+        <p:spPr/>
+        <p:txBody>
+          <a:bodyPr/>
+          <a:lstStyle/>
+          <a:p>
+            <a:fld id="{32F4232D-96EB-4162-835E-5F7C14EFA415}" type="slidenum">
+              <a:rPr lang="cs-CZ"/>
+              <a:t>12</a:t>
+            </a:fld>
+            <a:endParaRPr lang="cs-CZ"/>
+          </a:p>
+        </p:txBody>
+      </p:sp>
+    </p:spTree>
+    <p:extLst>
+      <p:ext uri="{BB962C8B-B14F-4D97-AF65-F5344CB8AC3E}">
+        <p14:creationId xmlns:p14="http://schemas.microsoft.com/office/powerpoint/2010/main" val="11520000"/>
+      </p:ext>
+    </p:extLst>
+  </p:cSld>
+  <p:clrMapOvr>
+    <a:masterClrMapping/>
+  </p:clrMapOvr>
+</p:notes>
+</file>
+
+<file path=ppt/notesSlides/notesSlide11.xml><?xml version="1.0" encoding="utf-8"?>
+<p:notes xmlns:a="http://schemas.openxmlformats.org/drawingml/2006/main" xmlns:r="http://schemas.openxmlformats.org/officeDocument/2006/relationships" xmlns:p="http://schemas.openxmlformats.org/presentationml/2006/main">
+  <p:cSld>
+    <p:spTree>
+      <p:nvGrpSpPr>
+        <p:cNvPr id="1" name=""/>
+        <p:cNvGrpSpPr/>
+        <p:nvPr/>
+      </p:nvGrpSpPr>
+      <p:grpSpPr>
+        <a:xfrm>
+          <a:off x="0" y="0"/>
+          <a:ext cx="0" cy="0"/>
+          <a:chOff x="0" y="0"/>
+          <a:chExt cx="0" cy="0"/>
+        </a:xfrm>
+      </p:grpSpPr>
+      <p:sp>
+        <p:nvSpPr>
+          <p:cNvPr id="2" name="Zástupný symbol pro obrázek snímku 1"/>
+          <p:cNvSpPr>
+            <a:spLocks noGrp="1" noRot="1" noChangeAspect="1"/>
+          </p:cNvSpPr>
+          <p:nvPr>
+            <p:ph type="sldImg"/>
+          </p:nvPr>
+        </p:nvSpPr>
+        <p:spPr/>
+      </p:sp>
+      <p:sp>
+        <p:nvSpPr>
+          <p:cNvPr id="3" name="Zástupný symbol pro poznámky 2"/>
+          <p:cNvSpPr>
+            <a:spLocks noGrp="1"/>
+          </p:cNvSpPr>
+          <p:nvPr>
+            <p:ph type="body" idx="1"/>
+          </p:nvPr>
+        </p:nvSpPr>
+        <p:spPr/>
+        <p:txBody>
+          <a:bodyPr/>
+          <a:lstStyle/>
+          <a:p>
+            <a:r>
+              <a:rPr lang="en-US" dirty="0" err="1">
+                <a:cs typeface="Calibri"/>
+              </a:rPr>
               <a:t>Nikdo</a:t>
             </a:r>
             <a:r>
@@ -7588,7 +7706,7 @@
 </p:notes>
 </file>
 
-<file path=ppt/notesSlides/notesSlide11.xml><?xml version="1.0" encoding="utf-8"?>
+<file path=ppt/notesSlides/notesSlide12.xml><?xml version="1.0" encoding="utf-8"?>
 <p:notes xmlns:a="http://schemas.openxmlformats.org/drawingml/2006/main" xmlns:r="http://schemas.openxmlformats.org/officeDocument/2006/relationships" xmlns:p="http://schemas.openxmlformats.org/presentationml/2006/main">
   <p:cSld>
     <p:spTree>
@@ -8241,12 +8359,6 @@
                 <a:cs typeface="Calibri"/>
               </a:rPr>
               <a:t>ovládat</a:t>
-            </a:r>
-            <a:r>
-              <a:rPr lang="en-US" dirty="0">
-                <a:cs typeface="+mn-lt"/>
-              </a:rPr>
-              <a:t/>
             </a:r>
             <a:br>
               <a:rPr lang="en-US" dirty="0">
@@ -9245,12 +9357,6 @@
               <a:rPr lang="en-US" dirty="0"/>
               <a:t>, ...</a:t>
             </a:r>
-            <a:r>
-              <a:rPr lang="en-US" dirty="0">
-                <a:cs typeface="+mn-lt"/>
-              </a:rPr>
-              <a:t/>
-            </a:r>
             <a:br>
               <a:rPr lang="en-US" dirty="0">
                 <a:cs typeface="+mn-lt"/>
@@ -9397,35 +9503,50 @@
           <a:lstStyle/>
           <a:p>
             <a:r>
-              <a:rPr lang="en-US" dirty="0" err="1">
-                <a:cs typeface="Calibri"/>
-              </a:rPr>
-              <a:t>Grafy</a:t>
-            </a:r>
-            <a:r>
-              <a:rPr lang="en-US" dirty="0">
-                <a:cs typeface="Calibri"/>
-              </a:rPr>
-              <a:t> k </a:t>
-            </a:r>
-            <a:r>
-              <a:rPr lang="en-US" dirty="0" err="1">
-                <a:cs typeface="Calibri"/>
-              </a:rPr>
-              <a:t>obchodování</a:t>
-            </a:r>
-            <a:r>
-              <a:rPr lang="en-US" dirty="0">
-                <a:cs typeface="Calibri"/>
-              </a:rPr>
-              <a:t> s </a:t>
-            </a:r>
-            <a:r>
-              <a:rPr lang="en-US" dirty="0" err="1">
-                <a:cs typeface="Calibri"/>
-              </a:rPr>
-              <a:t>kryptem</a:t>
-            </a:r>
+              <a:rPr lang="en-US" dirty="0" err="1"/>
+              <a:t>Algoritmus</a:t>
+            </a:r>
+            <a:r>
+              <a:rPr lang="en-US" dirty="0"/>
+              <a:t>, </a:t>
+            </a:r>
+            <a:r>
+              <a:rPr lang="en-US" dirty="0" err="1"/>
+              <a:t>který</a:t>
+            </a:r>
+            <a:r>
+              <a:rPr lang="en-US" dirty="0"/>
+              <a:t> </a:t>
+            </a:r>
+            <a:r>
+              <a:rPr lang="en-US" dirty="0" err="1"/>
+              <a:t>dosahuje</a:t>
+            </a:r>
+            <a:r>
+              <a:rPr lang="en-US" dirty="0"/>
+              <a:t> </a:t>
+            </a:r>
+            <a:r>
+              <a:rPr lang="en-US" dirty="0" err="1"/>
+              <a:t>konsenzu</a:t>
+            </a:r>
+            <a:r>
+              <a:rPr lang="en-US" dirty="0"/>
+              <a:t> </a:t>
+            </a:r>
+            <a:r>
+              <a:rPr lang="en-US" dirty="0" err="1"/>
+              <a:t>na</a:t>
+            </a:r>
+            <a:r>
+              <a:rPr lang="en-US" dirty="0"/>
+              <a:t> </a:t>
+            </a:r>
+            <a:r>
+              <a:rPr lang="en-US" dirty="0" err="1"/>
+              <a:t>blockchainu</a:t>
+            </a:r>
+            <a:endParaRPr lang="cs-CZ" dirty="0" err="1"/>
           </a:p>
         </p:txBody>
       </p:sp>
@@ -9455,7 +9576,7 @@
     </p:spTree>
     <p:extLst>
       <p:ext uri="{BB962C8B-B14F-4D97-AF65-F5344CB8AC3E}">
-        <p14:creationId xmlns:p14="http://schemas.microsoft.com/office/powerpoint/2010/main" val="1501735475"/>
+        <p14:creationId xmlns:p14="http://schemas.microsoft.com/office/powerpoint/2010/main" val="1420116816"/>
       </p:ext>
     </p:extLst>
   </p:cSld>
@@ -9513,126 +9634,31 @@
               <a:rPr lang="en-US" dirty="0" err="1">
                 <a:cs typeface="Calibri"/>
               </a:rPr>
-              <a:t>Díky</a:t>
+              <a:t>Grafy</a:t>
             </a:r>
             <a:r>
               <a:rPr lang="en-US" dirty="0">
                 <a:cs typeface="Calibri"/>
               </a:rPr>
-              <a:t> </a:t>
+              <a:t> k </a:t>
             </a:r>
             <a:r>
               <a:rPr lang="en-US" dirty="0" err="1">
                 <a:cs typeface="Calibri"/>
               </a:rPr>
-              <a:t>bitcoinu</a:t>
+              <a:t>obchodování</a:t>
             </a:r>
             <a:r>
               <a:rPr lang="en-US" dirty="0">
                 <a:cs typeface="Calibri"/>
               </a:rPr>
-              <a:t> to </a:t>
+              <a:t> s </a:t>
             </a:r>
             <a:r>
               <a:rPr lang="en-US" dirty="0" err="1">
                 <a:cs typeface="Calibri"/>
               </a:rPr>
-              <a:t>všechno</a:t>
-            </a:r>
-            <a:r>
-              <a:rPr lang="en-US" dirty="0">
-                <a:cs typeface="Calibri"/>
-              </a:rPr>
-              <a:t> </a:t>
-            </a:r>
-            <a:r>
-              <a:rPr lang="en-US" dirty="0" err="1">
-                <a:cs typeface="Calibri"/>
-              </a:rPr>
-              <a:t>začalo</a:t>
-            </a:r>
-            <a:endParaRPr lang="en-US" dirty="0">
-              <a:cs typeface="Calibri"/>
-            </a:endParaRPr>
-          </a:p>
-          <a:p>
-            <a:r>
-              <a:rPr lang="en-US" dirty="0" err="1">
-                <a:cs typeface="Calibri"/>
-              </a:rPr>
-              <a:t>Nepodléhá</a:t>
-            </a:r>
-            <a:r>
-              <a:rPr lang="en-US" dirty="0">
-                <a:cs typeface="Calibri"/>
-              </a:rPr>
-              <a:t> </a:t>
-            </a:r>
-            <a:r>
-              <a:rPr lang="en-US" dirty="0" err="1">
-                <a:cs typeface="Calibri"/>
-              </a:rPr>
-              <a:t>inflaci</a:t>
-            </a:r>
-            <a:r>
-              <a:rPr lang="en-US" dirty="0">
-                <a:cs typeface="Calibri"/>
-              </a:rPr>
-              <a:t>, </a:t>
-            </a:r>
-            <a:r>
-              <a:rPr lang="en-US" dirty="0" err="1">
-                <a:cs typeface="Calibri"/>
-              </a:rPr>
-              <a:t>protože</a:t>
-            </a:r>
-            <a:r>
-              <a:rPr lang="en-US" dirty="0">
-                <a:cs typeface="Calibri"/>
-              </a:rPr>
-              <a:t> je </a:t>
-            </a:r>
-            <a:r>
-              <a:rPr lang="en-US" dirty="0" err="1">
-                <a:cs typeface="Calibri"/>
-              </a:rPr>
-              <a:t>přesně</a:t>
-            </a:r>
-            <a:r>
-              <a:rPr lang="en-US" dirty="0">
-                <a:cs typeface="Calibri"/>
-              </a:rPr>
-              <a:t> </a:t>
-            </a:r>
-            <a:r>
-              <a:rPr lang="en-US" dirty="0" err="1">
-                <a:cs typeface="Calibri"/>
-              </a:rPr>
-              <a:t>daný</a:t>
-            </a:r>
-            <a:r>
-              <a:rPr lang="en-US" dirty="0">
-                <a:cs typeface="Calibri"/>
-              </a:rPr>
-              <a:t> </a:t>
-            </a:r>
-            <a:r>
-              <a:rPr lang="en-US" dirty="0" err="1">
-                <a:cs typeface="Calibri"/>
-              </a:rPr>
-              <a:t>jeho</a:t>
-            </a:r>
-            <a:r>
-              <a:rPr lang="en-US" dirty="0">
-                <a:cs typeface="Calibri"/>
-              </a:rPr>
-              <a:t> </a:t>
-            </a:r>
-            <a:r>
-              <a:rPr lang="en-US" dirty="0" err="1">
-                <a:cs typeface="Calibri"/>
-              </a:rPr>
-              <a:t>počet</a:t>
+              <a:t>kryptem</a:t>
             </a:r>
           </a:p>
         </p:txBody>
@@ -9654,7 +9680,7 @@
           <a:p>
             <a:fld id="{32F4232D-96EB-4162-835E-5F7C14EFA415}" type="slidenum">
               <a:rPr lang="cs-CZ"/>
-              <a:t>12</a:t>
+              <a:t>11</a:t>
             </a:fld>
             <a:endParaRPr lang="cs-CZ"/>
           </a:p>
@@ -9663,7 +9689,7 @@
     </p:spTree>
     <p:extLst>
       <p:ext uri="{BB962C8B-B14F-4D97-AF65-F5344CB8AC3E}">
-        <p14:creationId xmlns:p14="http://schemas.microsoft.com/office/powerpoint/2010/main" val="11520000"/>
+        <p14:creationId xmlns:p14="http://schemas.microsoft.com/office/powerpoint/2010/main" val="1501735475"/>
       </p:ext>
     </p:extLst>
   </p:cSld>
@@ -12020,7 +12046,7 @@
           <a:p>
             <a:fld id="{3C04E684-10F4-4CC3-A0B9-F03AA7BE37CF}" type="datetimeFigureOut">
               <a:rPr lang="en-US" smtClean="0"/>
-              <a:t>1/19/2023</a:t>
+              <a:t>3/29/2023</a:t>
             </a:fld>
             <a:endParaRPr lang="en-US"/>
           </a:p>
@@ -14510,7 +14536,7 @@
           <a:p>
             <a:fld id="{3C04E684-10F4-4CC3-A0B9-F03AA7BE37CF}" type="datetimeFigureOut">
               <a:rPr lang="en-US" smtClean="0"/>
-              <a:t>1/19/2023</a:t>
+              <a:t>3/29/2023</a:t>
             </a:fld>
             <a:endParaRPr lang="en-US"/>
           </a:p>
@@ -14708,7 +14734,7 @@
           <a:p>
             <a:fld id="{3C04E684-10F4-4CC3-A0B9-F03AA7BE37CF}" type="datetimeFigureOut">
               <a:rPr lang="en-US" smtClean="0"/>
-              <a:t>1/19/2023</a:t>
+              <a:t>3/29/2023</a:t>
             </a:fld>
             <a:endParaRPr lang="en-US"/>
           </a:p>
@@ -14916,7 +14942,7 @@
           <a:p>
             <a:fld id="{3C04E684-10F4-4CC3-A0B9-F03AA7BE37CF}" type="datetimeFigureOut">
               <a:rPr lang="en-US" smtClean="0"/>
-              <a:t>1/19/2023</a:t>
+              <a:t>3/29/2023</a:t>
             </a:fld>
             <a:endParaRPr lang="en-US"/>
           </a:p>
@@ -15653,7 +15679,7 @@
           <a:p>
             <a:fld id="{3C04E684-10F4-4CC3-A0B9-F03AA7BE37CF}" type="datetimeFigureOut">
               <a:rPr lang="en-US" smtClean="0"/>
-              <a:t>1/19/2023</a:t>
+              <a:t>3/29/2023</a:t>
             </a:fld>
             <a:endParaRPr lang="en-US"/>
           </a:p>
@@ -16295,7 +16321,7 @@
           <a:p>
             <a:fld id="{3C04E684-10F4-4CC3-A0B9-F03AA7BE37CF}" type="datetimeFigureOut">
               <a:rPr lang="en-US" smtClean="0"/>
-              <a:t>1/19/2023</a:t>
+              <a:t>3/29/2023</a:t>
             </a:fld>
             <a:endParaRPr lang="en-US"/>
           </a:p>
@@ -17095,7 +17121,7 @@
           <a:p>
             <a:fld id="{3C04E684-10F4-4CC3-A0B9-F03AA7BE37CF}" type="datetimeFigureOut">
               <a:rPr lang="en-US" smtClean="0"/>
-              <a:t>1/19/2023</a:t>
+              <a:t>3/29/2023</a:t>
             </a:fld>
             <a:endParaRPr lang="en-US"/>
           </a:p>
@@ -18046,7 +18072,7 @@
           <a:p>
             <a:fld id="{3C04E684-10F4-4CC3-A0B9-F03AA7BE37CF}" type="datetimeFigureOut">
               <a:rPr lang="en-US" smtClean="0"/>
-              <a:t>1/19/2023</a:t>
+              <a:t>3/29/2023</a:t>
             </a:fld>
             <a:endParaRPr lang="en-US"/>
           </a:p>
@@ -20395,7 +20421,7 @@
           <a:p>
             <a:fld id="{3C04E684-10F4-4CC3-A0B9-F03AA7BE37CF}" type="datetimeFigureOut">
               <a:rPr lang="en-US" smtClean="0"/>
-              <a:t>1/19/2023</a:t>
+              <a:t>3/29/2023</a:t>
             </a:fld>
             <a:endParaRPr lang="en-US"/>
           </a:p>
@@ -20508,7 +20534,7 @@
           <a:p>
             <a:fld id="{3C04E684-10F4-4CC3-A0B9-F03AA7BE37CF}" type="datetimeFigureOut">
               <a:rPr lang="en-US" smtClean="0"/>
-              <a:t>1/19/2023</a:t>
+              <a:t>3/29/2023</a:t>
             </a:fld>
             <a:endParaRPr lang="en-US"/>
           </a:p>
@@ -21015,7 +21041,7 @@
           <a:p>
             <a:fld id="{3C04E684-10F4-4CC3-A0B9-F03AA7BE37CF}" type="datetimeFigureOut">
               <a:rPr lang="en-US" smtClean="0"/>
-              <a:t>1/19/2023</a:t>
+              <a:t>3/29/2023</a:t>
             </a:fld>
             <a:endParaRPr lang="en-US"/>
           </a:p>
@@ -22318,7 +22344,7 @@
           <a:p>
             <a:fld id="{3C04E684-10F4-4CC3-A0B9-F03AA7BE37CF}" type="datetimeFigureOut">
               <a:rPr lang="en-US" smtClean="0"/>
-              <a:t>1/19/2023</a:t>
+              <a:t>3/29/2023</a:t>
             </a:fld>
             <a:endParaRPr lang="en-US"/>
           </a:p>
@@ -22565,7 +22591,7 @@
           <a:p>
             <a:fld id="{3C04E684-10F4-4CC3-A0B9-F03AA7BE37CF}" type="datetimeFigureOut">
               <a:rPr lang="en-US" smtClean="0"/>
-              <a:t>1/19/2023</a:t>
+              <a:t>3/29/2023</a:t>
             </a:fld>
             <a:endParaRPr lang="en-US"/>
           </a:p>
@@ -22999,7 +23025,7 @@
                 <a16:creationId xmlns:a16="http://schemas.microsoft.com/office/drawing/2014/main" id="{8F187B58-3857-4454-9C70-EFB475976F73}"/>
               </a:ext>
               <a:ext uri="{C183D7F6-B498-43B3-948B-1728B52AA6E4}">
-                <adec:decorative xmlns:adec="http://schemas.microsoft.com/office/drawing/2017/decorative" xmlns="" val="1"/>
+                <adec:decorative xmlns:adec="http://schemas.microsoft.com/office/drawing/2017/decorative" val="1"/>
               </a:ext>
             </a:extLst>
           </p:cNvPr>
@@ -23088,7 +23114,7 @@
                 <a16:creationId xmlns:a16="http://schemas.microsoft.com/office/drawing/2014/main" id="{4C5418A4-3935-49EA-B51C-5DDCBFAA3952}"/>
               </a:ext>
               <a:ext uri="{C183D7F6-B498-43B3-948B-1728B52AA6E4}">
-                <adec:decorative xmlns:adec="http://schemas.microsoft.com/office/drawing/2017/decorative" xmlns="" val="1"/>
+                <adec:decorative xmlns:adec="http://schemas.microsoft.com/office/drawing/2017/decorative" val="1"/>
               </a:ext>
             </a:extLst>
           </p:cNvPr>
@@ -23658,25 +23684,18 @@
   <p:clrMapOvr>
     <a:masterClrMapping/>
   </p:clrMapOvr>
-  <mc:AlternateContent xmlns:mc="http://schemas.openxmlformats.org/markup-compatibility/2006">
-    <mc:Choice xmlns:p159="http://schemas.microsoft.com/office/powerpoint/2015/09/main" Requires="p159">
+  <mc:AlternateContent xmlns:mc="http://schemas.openxmlformats.org/markup-compatibility/2006" xmlns:p159="http://schemas.microsoft.com/office/powerpoint/2015/09/main">
+    <mc:Choice Requires="p159">
       <p:transition xmlns:p14="http://schemas.microsoft.com/office/powerpoint/2010/main" spd="slow" p14:dur="2000" advTm="54">
         <p159:morph option="byObject"/>
       </p:transition>
     </mc:Choice>
-    <mc:Fallback>
+    <mc:Fallback xmlns="">
       <p:transition spd="slow" advTm="54">
         <p:fade/>
       </p:transition>
     </mc:Fallback>
   </mc:AlternateContent>
-  <p:timing>
-    <p:tnLst>
-      <p:par>
-        <p:cTn id="1" dur="indefinite" restart="never" nodeType="tmRoot"/>
-      </p:par>
-    </p:tnLst>
-  </p:timing>
 </p:sld>
 </file>
 
@@ -23778,29 +23797,165 @@
   <p:clrMapOvr>
     <a:masterClrMapping/>
   </p:clrMapOvr>
-  <mc:AlternateContent xmlns:mc="http://schemas.openxmlformats.org/markup-compatibility/2006">
-    <mc:Choice xmlns:p159="http://schemas.microsoft.com/office/powerpoint/2015/09/main" Requires="p159">
+  <mc:AlternateContent xmlns:mc="http://schemas.openxmlformats.org/markup-compatibility/2006" xmlns:p159="http://schemas.microsoft.com/office/powerpoint/2015/09/main">
+    <mc:Choice Requires="p159">
       <p:transition xmlns:p14="http://schemas.microsoft.com/office/powerpoint/2010/main" spd="slow" p14:dur="2000" advTm="3712">
         <p159:morph option="byObject"/>
       </p:transition>
     </mc:Choice>
-    <mc:Fallback>
+    <mc:Fallback xmlns="">
       <p:transition spd="slow" advTm="3712">
         <p:fade/>
       </p:transition>
     </mc:Fallback>
   </mc:AlternateContent>
-  <p:timing>
-    <p:tnLst>
-      <p:par>
-        <p:cTn id="1" dur="indefinite" restart="never" nodeType="tmRoot"/>
-      </p:par>
-    </p:tnLst>
-  </p:timing>
 </p:sld>
 </file>
 
 <file path=ppt/slides/slide11.xml><?xml version="1.0" encoding="utf-8"?>
+<p:sld xmlns:a="http://schemas.openxmlformats.org/drawingml/2006/main" xmlns:r="http://schemas.openxmlformats.org/officeDocument/2006/relationships" xmlns:p="http://schemas.openxmlformats.org/presentationml/2006/main">
+  <p:cSld>
+    <p:spTree>
+      <p:nvGrpSpPr>
+        <p:cNvPr id="1" name=""/>
+        <p:cNvGrpSpPr/>
+        <p:nvPr/>
+      </p:nvGrpSpPr>
+      <p:grpSpPr>
+        <a:xfrm>
+          <a:off x="0" y="0"/>
+          <a:ext cx="0" cy="0"/>
+          <a:chOff x="0" y="0"/>
+          <a:chExt cx="0" cy="0"/>
+        </a:xfrm>
+      </p:grpSpPr>
+      <p:sp>
+        <p:nvSpPr>
+          <p:cNvPr id="2" name="Nadpis 1">
+            <a:extLst>
+              <a:ext uri="{FF2B5EF4-FFF2-40B4-BE49-F238E27FC236}">
+                <a16:creationId xmlns:a16="http://schemas.microsoft.com/office/drawing/2014/main" id="{D8ABE561-DA88-D19B-6FFD-E9A7B34107CD}"/>
+              </a:ext>
+            </a:extLst>
+          </p:cNvPr>
+          <p:cNvSpPr>
+            <a:spLocks noGrp="1"/>
+          </p:cNvSpPr>
+          <p:nvPr>
+            <p:ph type="title"/>
+          </p:nvPr>
+        </p:nvSpPr>
+        <p:spPr/>
+        <p:txBody>
+          <a:bodyPr/>
+          <a:lstStyle/>
+          <a:p>
+            <a:r>
+              <a:rPr lang="cs-CZ" dirty="0" err="1">
+                <a:latin typeface="Courier New"/>
+                <a:cs typeface="Courier New"/>
+              </a:rPr>
+              <a:t>Proof</a:t>
+            </a:r>
+            <a:r>
+              <a:rPr lang="cs-CZ" dirty="0">
+                <a:latin typeface="Courier New"/>
+                <a:cs typeface="Courier New"/>
+              </a:rPr>
+              <a:t> </a:t>
+            </a:r>
+            <a:r>
+              <a:rPr lang="cs-CZ" dirty="0" err="1">
+                <a:latin typeface="Courier New"/>
+                <a:cs typeface="Courier New"/>
+              </a:rPr>
+              <a:t>of</a:t>
+            </a:r>
+            <a:r>
+              <a:rPr lang="cs-CZ" dirty="0">
+                <a:latin typeface="Courier New"/>
+                <a:cs typeface="Courier New"/>
+              </a:rPr>
+              <a:t> </a:t>
+            </a:r>
+            <a:r>
+              <a:rPr lang="cs-CZ" dirty="0" err="1">
+                <a:latin typeface="Courier New"/>
+                <a:cs typeface="Courier New"/>
+              </a:rPr>
+              <a:t>stake</a:t>
+            </a:r>
+            <a:endParaRPr lang="cs-CZ" dirty="0" err="1"/>
+          </a:p>
+        </p:txBody>
+      </p:sp>
+      <p:sp>
+        <p:nvSpPr>
+          <p:cNvPr id="3" name="Zástupný obsah 2">
+            <a:extLst>
+              <a:ext uri="{FF2B5EF4-FFF2-40B4-BE49-F238E27FC236}">
+                <a16:creationId xmlns:a16="http://schemas.microsoft.com/office/drawing/2014/main" id="{F38AE5E7-BFEB-1FB8-7C62-996FE32D0AD0}"/>
+              </a:ext>
+            </a:extLst>
+          </p:cNvPr>
+          <p:cNvSpPr>
+            <a:spLocks noGrp="1"/>
+          </p:cNvSpPr>
+          <p:nvPr>
+            <p:ph idx="1"/>
+          </p:nvPr>
+        </p:nvSpPr>
+        <p:spPr/>
+        <p:txBody>
+          <a:bodyPr vert="horz" lIns="91440" tIns="45720" rIns="91440" bIns="45720" rtlCol="0" anchor="t">
+            <a:normAutofit/>
+          </a:bodyPr>
+          <a:lstStyle/>
+          <a:p>
+            <a:r>
+              <a:rPr lang="cs-CZ" dirty="0"/>
+              <a:t>"Důkaz hodnoty"</a:t>
+            </a:r>
+          </a:p>
+          <a:p>
+            <a:r>
+              <a:rPr lang="cs-CZ" dirty="0">
+                <a:ea typeface="+mn-lt"/>
+                <a:cs typeface="+mn-lt"/>
+              </a:rPr>
+              <a:t>Mnoho různých implementací</a:t>
+            </a:r>
+            <a:endParaRPr lang="en-US" dirty="0">
+              <a:ea typeface="+mn-lt"/>
+              <a:cs typeface="+mn-lt"/>
+            </a:endParaRPr>
+          </a:p>
+          <a:p>
+            <a:r>
+              <a:rPr lang="cs-CZ" dirty="0">
+                <a:ea typeface="+mn-lt"/>
+                <a:cs typeface="+mn-lt"/>
+              </a:rPr>
+              <a:t>Algoritmus</a:t>
+            </a:r>
+            <a:endParaRPr lang="cs-CZ" dirty="0"/>
+          </a:p>
+        </p:txBody>
+      </p:sp>
+    </p:spTree>
+    <p:extLst>
+      <p:ext uri="{BB962C8B-B14F-4D97-AF65-F5344CB8AC3E}">
+        <p14:creationId xmlns:p14="http://schemas.microsoft.com/office/powerpoint/2010/main" val="1103155747"/>
+      </p:ext>
+    </p:extLst>
+  </p:cSld>
+  <p:clrMapOvr>
+    <a:masterClrMapping/>
+  </p:clrMapOvr>
+</p:sld>
+</file>
+
+<file path=ppt/slides/slide12.xml><?xml version="1.0" encoding="utf-8"?>
 <p:sld xmlns:a="http://schemas.openxmlformats.org/drawingml/2006/main" xmlns:r="http://schemas.openxmlformats.org/officeDocument/2006/relationships" xmlns:p="http://schemas.openxmlformats.org/presentationml/2006/main">
   <p:cSld>
     <p:bg>
@@ -23833,7 +23988,7 @@
                 <a16:creationId xmlns:a16="http://schemas.microsoft.com/office/drawing/2014/main" id="{5D9FC6AC-4A12-4825-8ABE-0732B8EF4D16}"/>
               </a:ext>
               <a:ext uri="{C183D7F6-B498-43B3-948B-1728B52AA6E4}">
-                <adec:decorative xmlns:adec="http://schemas.microsoft.com/office/drawing/2017/decorative" xmlns="" val="1"/>
+                <adec:decorative xmlns:adec="http://schemas.microsoft.com/office/drawing/2017/decorative" val="1"/>
               </a:ext>
             </a:extLst>
           </p:cNvPr>
@@ -24420,29 +24575,22 @@
   <p:clrMapOvr>
     <a:masterClrMapping/>
   </p:clrMapOvr>
-  <mc:AlternateContent xmlns:mc="http://schemas.openxmlformats.org/markup-compatibility/2006">
-    <mc:Choice xmlns:p159="http://schemas.microsoft.com/office/powerpoint/2015/09/main" Requires="p159">
+  <mc:AlternateContent xmlns:mc="http://schemas.openxmlformats.org/markup-compatibility/2006" xmlns:p159="http://schemas.microsoft.com/office/powerpoint/2015/09/main">
+    <mc:Choice Requires="p159">
       <p:transition xmlns:p14="http://schemas.microsoft.com/office/powerpoint/2010/main" spd="slow" p14:dur="2000" advTm="353">
         <p159:morph option="byObject"/>
       </p:transition>
     </mc:Choice>
-    <mc:Fallback>
+    <mc:Fallback xmlns="">
       <p:transition spd="slow" advTm="353">
         <p:fade/>
       </p:transition>
     </mc:Fallback>
   </mc:AlternateContent>
-  <p:timing>
-    <p:tnLst>
-      <p:par>
-        <p:cTn id="1" dur="indefinite" restart="never" nodeType="tmRoot"/>
-      </p:par>
-    </p:tnLst>
-  </p:timing>
 </p:sld>
 </file>
 
-<file path=ppt/slides/slide12.xml><?xml version="1.0" encoding="utf-8"?>
+<file path=ppt/slides/slide13.xml><?xml version="1.0" encoding="utf-8"?>
 <p:sld xmlns:a="http://schemas.openxmlformats.org/drawingml/2006/main" xmlns:r="http://schemas.openxmlformats.org/officeDocument/2006/relationships" xmlns:p="http://schemas.openxmlformats.org/presentationml/2006/main">
   <p:cSld>
     <p:bg>
@@ -24475,7 +24623,7 @@
                 <a16:creationId xmlns:a16="http://schemas.microsoft.com/office/drawing/2014/main" id="{85F55C16-BC21-49EF-A4FF-C3155BB93BD3}"/>
               </a:ext>
               <a:ext uri="{C183D7F6-B498-43B3-948B-1728B52AA6E4}">
-                <adec:decorative xmlns:adec="http://schemas.microsoft.com/office/drawing/2017/decorative" xmlns="" val="1"/>
+                <adec:decorative xmlns:adec="http://schemas.microsoft.com/office/drawing/2017/decorative" val="1"/>
               </a:ext>
             </a:extLst>
           </p:cNvPr>
@@ -24570,7 +24718,7 @@
                 <a16:creationId xmlns:a16="http://schemas.microsoft.com/office/drawing/2014/main" id="{0C5F069E-AFE6-4825-8945-46F2918A5019}"/>
               </a:ext>
               <a:ext uri="{C183D7F6-B498-43B3-948B-1728B52AA6E4}">
-                <adec:decorative xmlns:adec="http://schemas.microsoft.com/office/drawing/2017/decorative" xmlns="" val="1"/>
+                <adec:decorative xmlns:adec="http://schemas.microsoft.com/office/drawing/2017/decorative" val="1"/>
               </a:ext>
             </a:extLst>
           </p:cNvPr>
@@ -25431,13 +25579,13 @@
   <p:clrMapOvr>
     <a:overrideClrMapping bg1="dk1" tx1="lt1" bg2="dk2" tx2="lt2" accent1="accent1" accent2="accent2" accent3="accent3" accent4="accent4" accent5="accent5" accent6="accent6" hlink="hlink" folHlink="folHlink"/>
   </p:clrMapOvr>
-  <mc:AlternateContent xmlns:mc="http://schemas.openxmlformats.org/markup-compatibility/2006">
-    <mc:Choice xmlns:p159="http://schemas.microsoft.com/office/powerpoint/2015/09/main" Requires="p159">
+  <mc:AlternateContent xmlns:mc="http://schemas.openxmlformats.org/markup-compatibility/2006" xmlns:p159="http://schemas.microsoft.com/office/powerpoint/2015/09/main">
+    <mc:Choice Requires="p159">
       <p:transition xmlns:p14="http://schemas.microsoft.com/office/powerpoint/2010/main" spd="slow" p14:dur="2000" advTm="449">
         <p159:morph option="byObject"/>
       </p:transition>
     </mc:Choice>
-    <mc:Fallback>
+    <mc:Fallback xmlns="">
       <p:transition spd="slow" advTm="449">
         <p:fade/>
       </p:transition>
@@ -25538,7 +25686,7 @@
 </p:sld>
 </file>
 
-<file path=ppt/slides/slide13.xml><?xml version="1.0" encoding="utf-8"?>
+<file path=ppt/slides/slide14.xml><?xml version="1.0" encoding="utf-8"?>
 <p:sld xmlns:a="http://schemas.openxmlformats.org/drawingml/2006/main" xmlns:r="http://schemas.openxmlformats.org/officeDocument/2006/relationships" xmlns:p="http://schemas.openxmlformats.org/presentationml/2006/main">
   <p:cSld>
     <p:bg>
@@ -25571,7 +25719,7 @@
                 <a16:creationId xmlns:a16="http://schemas.microsoft.com/office/drawing/2014/main" id="{FBE20309-1FB9-4818-BAFA-9C4C0534178B}"/>
               </a:ext>
               <a:ext uri="{C183D7F6-B498-43B3-948B-1728B52AA6E4}">
-                <adec:decorative xmlns:adec="http://schemas.microsoft.com/office/drawing/2017/decorative" xmlns="" val="1"/>
+                <adec:decorative xmlns:adec="http://schemas.microsoft.com/office/drawing/2017/decorative" val="1"/>
               </a:ext>
             </a:extLst>
           </p:cNvPr>
@@ -25631,7 +25779,7 @@
                 <a16:creationId xmlns:a16="http://schemas.microsoft.com/office/drawing/2014/main" id="{FBD77573-9EF2-4C35-8285-A1CF6FBB0EA5}"/>
               </a:ext>
               <a:ext uri="{C183D7F6-B498-43B3-948B-1728B52AA6E4}">
-                <adec:decorative xmlns:adec="http://schemas.microsoft.com/office/drawing/2017/decorative" xmlns="" val="1"/>
+                <adec:decorative xmlns:adec="http://schemas.microsoft.com/office/drawing/2017/decorative" val="1"/>
               </a:ext>
             </a:extLst>
           </p:cNvPr>
@@ -26688,29 +26836,22 @@
   <p:clrMapOvr>
     <a:masterClrMapping/>
   </p:clrMapOvr>
-  <mc:AlternateContent xmlns:mc="http://schemas.openxmlformats.org/markup-compatibility/2006">
-    <mc:Choice xmlns:p159="http://schemas.microsoft.com/office/powerpoint/2015/09/main" Requires="p159">
+  <mc:AlternateContent xmlns:mc="http://schemas.openxmlformats.org/markup-compatibility/2006" xmlns:p159="http://schemas.microsoft.com/office/powerpoint/2015/09/main">
+    <mc:Choice Requires="p159">
       <p:transition xmlns:p14="http://schemas.microsoft.com/office/powerpoint/2010/main" spd="slow" p14:dur="2000" advTm="218">
         <p159:morph option="byObject"/>
       </p:transition>
     </mc:Choice>
-    <mc:Fallback>
+    <mc:Fallback xmlns="">
       <p:transition spd="slow" advTm="218">
         <p:fade/>
       </p:transition>
     </mc:Fallback>
   </mc:AlternateContent>
-  <p:timing>
-    <p:tnLst>
-      <p:par>
-        <p:cTn id="1" dur="indefinite" restart="never" nodeType="tmRoot"/>
-      </p:par>
-    </p:tnLst>
-  </p:timing>
 </p:sld>
 </file>
 
-<file path=ppt/slides/slide14.xml><?xml version="1.0" encoding="utf-8"?>
+<file path=ppt/slides/slide15.xml><?xml version="1.0" encoding="utf-8"?>
 <p:sld xmlns:a="http://schemas.openxmlformats.org/drawingml/2006/main" xmlns:r="http://schemas.openxmlformats.org/officeDocument/2006/relationships" xmlns:p="http://schemas.openxmlformats.org/presentationml/2006/main">
   <p:cSld>
     <p:bg>
@@ -26743,7 +26884,7 @@
                 <a16:creationId xmlns:a16="http://schemas.microsoft.com/office/drawing/2014/main" id="{5D9FC6AC-4A12-4825-8ABE-0732B8EF4D16}"/>
               </a:ext>
               <a:ext uri="{C183D7F6-B498-43B3-948B-1728B52AA6E4}">
-                <adec:decorative xmlns:adec="http://schemas.microsoft.com/office/drawing/2017/decorative" xmlns="" val="1"/>
+                <adec:decorative xmlns:adec="http://schemas.microsoft.com/office/drawing/2017/decorative" val="1"/>
               </a:ext>
             </a:extLst>
           </p:cNvPr>
@@ -27330,29 +27471,22 @@
   <p:clrMapOvr>
     <a:masterClrMapping/>
   </p:clrMapOvr>
-  <mc:AlternateContent xmlns:mc="http://schemas.openxmlformats.org/markup-compatibility/2006">
-    <mc:Choice xmlns:p159="http://schemas.microsoft.com/office/powerpoint/2015/09/main" Requires="p159">
+  <mc:AlternateContent xmlns:mc="http://schemas.openxmlformats.org/markup-compatibility/2006" xmlns:p159="http://schemas.microsoft.com/office/powerpoint/2015/09/main">
+    <mc:Choice Requires="p159">
       <p:transition xmlns:p14="http://schemas.microsoft.com/office/powerpoint/2010/main" spd="slow" p14:dur="2000" advTm="432">
         <p159:morph option="byObject"/>
       </p:transition>
     </mc:Choice>
-    <mc:Fallback>
+    <mc:Fallback xmlns="">
       <p:transition spd="slow" advTm="432">
         <p:fade/>
       </p:transition>
     </mc:Fallback>
   </mc:AlternateContent>
-  <p:timing>
-    <p:tnLst>
-      <p:par>
-        <p:cTn id="1" dur="indefinite" restart="never" nodeType="tmRoot"/>
-      </p:par>
-    </p:tnLst>
-  </p:timing>
 </p:sld>
 </file>
 
-<file path=ppt/slides/slide15.xml><?xml version="1.0" encoding="utf-8"?>
+<file path=ppt/slides/slide16.xml><?xml version="1.0" encoding="utf-8"?>
 <p:sld xmlns:a="http://schemas.openxmlformats.org/drawingml/2006/main" xmlns:r="http://schemas.openxmlformats.org/officeDocument/2006/relationships" xmlns:p="http://schemas.openxmlformats.org/presentationml/2006/main">
   <p:cSld>
     <p:bg>
@@ -27385,7 +27519,7 @@
                 <a16:creationId xmlns:a16="http://schemas.microsoft.com/office/drawing/2014/main" id="{85F55C16-BC21-49EF-A4FF-C3155BB93BD3}"/>
               </a:ext>
               <a:ext uri="{C183D7F6-B498-43B3-948B-1728B52AA6E4}">
-                <adec:decorative xmlns:adec="http://schemas.microsoft.com/office/drawing/2017/decorative" xmlns="" val="1"/>
+                <adec:decorative xmlns:adec="http://schemas.microsoft.com/office/drawing/2017/decorative" val="1"/>
               </a:ext>
             </a:extLst>
           </p:cNvPr>
@@ -27480,7 +27614,7 @@
                 <a16:creationId xmlns:a16="http://schemas.microsoft.com/office/drawing/2014/main" id="{0C5F069E-AFE6-4825-8945-46F2918A5019}"/>
               </a:ext>
               <a:ext uri="{C183D7F6-B498-43B3-948B-1728B52AA6E4}">
-                <adec:decorative xmlns:adec="http://schemas.microsoft.com/office/drawing/2017/decorative" xmlns="" val="1"/>
+                <adec:decorative xmlns:adec="http://schemas.microsoft.com/office/drawing/2017/decorative" val="1"/>
               </a:ext>
             </a:extLst>
           </p:cNvPr>
@@ -28322,29 +28456,22 @@
   <p:clrMapOvr>
     <a:overrideClrMapping bg1="dk1" tx1="lt1" bg2="dk2" tx2="lt2" accent1="accent1" accent2="accent2" accent3="accent3" accent4="accent4" accent5="accent5" accent6="accent6" hlink="hlink" folHlink="folHlink"/>
   </p:clrMapOvr>
-  <mc:AlternateContent xmlns:mc="http://schemas.openxmlformats.org/markup-compatibility/2006">
-    <mc:Choice xmlns:p159="http://schemas.microsoft.com/office/powerpoint/2015/09/main" Requires="p159">
+  <mc:AlternateContent xmlns:mc="http://schemas.openxmlformats.org/markup-compatibility/2006" xmlns:p159="http://schemas.microsoft.com/office/powerpoint/2015/09/main">
+    <mc:Choice Requires="p159">
       <p:transition xmlns:p14="http://schemas.microsoft.com/office/powerpoint/2010/main" spd="slow" p14:dur="2000" advTm="595">
         <p159:morph option="byObject"/>
       </p:transition>
     </mc:Choice>
-    <mc:Fallback>
+    <mc:Fallback xmlns="">
       <p:transition spd="slow" advTm="595">
         <p:fade/>
       </p:transition>
     </mc:Fallback>
   </mc:AlternateContent>
-  <p:timing>
-    <p:tnLst>
-      <p:par>
-        <p:cTn id="1" dur="indefinite" restart="never" nodeType="tmRoot"/>
-      </p:par>
-    </p:tnLst>
-  </p:timing>
 </p:sld>
 </file>
 
-<file path=ppt/slides/slide16.xml><?xml version="1.0" encoding="utf-8"?>
+<file path=ppt/slides/slide17.xml><?xml version="1.0" encoding="utf-8"?>
 <p:sld xmlns:a="http://schemas.openxmlformats.org/drawingml/2006/main" xmlns:r="http://schemas.openxmlformats.org/officeDocument/2006/relationships" xmlns:p="http://schemas.openxmlformats.org/presentationml/2006/main">
   <p:cSld>
     <p:spTree>
@@ -28604,29 +28731,22 @@
   <p:clrMapOvr>
     <a:masterClrMapping/>
   </p:clrMapOvr>
-  <mc:AlternateContent xmlns:mc="http://schemas.openxmlformats.org/markup-compatibility/2006">
-    <mc:Choice xmlns:p159="http://schemas.microsoft.com/office/powerpoint/2015/09/main" Requires="p159">
+  <mc:AlternateContent xmlns:mc="http://schemas.openxmlformats.org/markup-compatibility/2006" xmlns:p159="http://schemas.microsoft.com/office/powerpoint/2015/09/main">
+    <mc:Choice Requires="p159">
       <p:transition xmlns:p14="http://schemas.microsoft.com/office/powerpoint/2010/main" spd="slow" p14:dur="2000" advTm="422">
         <p159:morph option="byObject"/>
       </p:transition>
     </mc:Choice>
-    <mc:Fallback>
+    <mc:Fallback xmlns="">
       <p:transition spd="slow" advTm="422">
         <p:fade/>
       </p:transition>
     </mc:Fallback>
   </mc:AlternateContent>
-  <p:timing>
-    <p:tnLst>
-      <p:par>
-        <p:cTn id="1" dur="indefinite" restart="never" nodeType="tmRoot"/>
-      </p:par>
-    </p:tnLst>
-  </p:timing>
 </p:sld>
 </file>
 
-<file path=ppt/slides/slide17.xml><?xml version="1.0" encoding="utf-8"?>
+<file path=ppt/slides/slide18.xml><?xml version="1.0" encoding="utf-8"?>
 <p:sld xmlns:a="http://schemas.openxmlformats.org/drawingml/2006/main" xmlns:r="http://schemas.openxmlformats.org/officeDocument/2006/relationships" xmlns:p="http://schemas.openxmlformats.org/presentationml/2006/main">
   <p:cSld>
     <p:spTree>
@@ -28730,25 +28850,18 @@
   <p:clrMapOvr>
     <a:masterClrMapping/>
   </p:clrMapOvr>
-  <mc:AlternateContent xmlns:mc="http://schemas.openxmlformats.org/markup-compatibility/2006">
-    <mc:Choice xmlns:p159="http://schemas.microsoft.com/office/powerpoint/2015/09/main" Requires="p159">
+  <mc:AlternateContent xmlns:mc="http://schemas.openxmlformats.org/markup-compatibility/2006" xmlns:p159="http://schemas.microsoft.com/office/powerpoint/2015/09/main">
+    <mc:Choice Requires="p159">
       <p:transition xmlns:p14="http://schemas.microsoft.com/office/powerpoint/2010/main" spd="slow" p14:dur="2000" advTm="400">
         <p159:morph option="byObject"/>
       </p:transition>
     </mc:Choice>
-    <mc:Fallback>
+    <mc:Fallback xmlns="">
       <p:transition spd="slow" advTm="400">
         <p:fade/>
       </p:transition>
     </mc:Fallback>
   </mc:AlternateContent>
-  <p:timing>
-    <p:tnLst>
-      <p:par>
-        <p:cTn id="1" dur="indefinite" restart="never" nodeType="tmRoot"/>
-      </p:par>
-    </p:tnLst>
-  </p:timing>
 </p:sld>
 </file>
 
@@ -28833,25 +28946,18 @@
   <p:clrMapOvr>
     <a:masterClrMapping/>
   </p:clrMapOvr>
-  <mc:AlternateContent xmlns:mc="http://schemas.openxmlformats.org/markup-compatibility/2006">
-    <mc:Choice xmlns:p159="http://schemas.microsoft.com/office/powerpoint/2015/09/main" Requires="p159">
+  <mc:AlternateContent xmlns:mc="http://schemas.openxmlformats.org/markup-compatibility/2006" xmlns:p159="http://schemas.microsoft.com/office/powerpoint/2015/09/main">
+    <mc:Choice Requires="p159">
       <p:transition spd="slow" advTm="9215">
         <p159:morph option="byObject"/>
       </p:transition>
     </mc:Choice>
-    <mc:Fallback>
+    <mc:Fallback xmlns="">
       <p:transition spd="slow" advTm="9215">
         <p:fade/>
       </p:transition>
     </mc:Fallback>
   </mc:AlternateContent>
-  <p:timing>
-    <p:tnLst>
-      <p:par>
-        <p:cTn id="1" dur="indefinite" restart="never" nodeType="tmRoot"/>
-      </p:par>
-    </p:tnLst>
-  </p:timing>
 </p:sld>
 </file>
 
@@ -28888,7 +28994,7 @@
                 <a16:creationId xmlns:a16="http://schemas.microsoft.com/office/drawing/2014/main" id="{FBE20309-1FB9-4818-BAFA-9C4C0534178B}"/>
               </a:ext>
               <a:ext uri="{C183D7F6-B498-43B3-948B-1728B52AA6E4}">
-                <adec:decorative xmlns:adec="http://schemas.microsoft.com/office/drawing/2017/decorative" xmlns="" val="1"/>
+                <adec:decorative xmlns:adec="http://schemas.microsoft.com/office/drawing/2017/decorative" val="1"/>
               </a:ext>
             </a:extLst>
           </p:cNvPr>
@@ -28948,7 +29054,7 @@
                 <a16:creationId xmlns:a16="http://schemas.microsoft.com/office/drawing/2014/main" id="{FBD77573-9EF2-4C35-8285-A1CF6FBB0EA5}"/>
               </a:ext>
               <a:ext uri="{C183D7F6-B498-43B3-948B-1728B52AA6E4}">
-                <adec:decorative xmlns:adec="http://schemas.microsoft.com/office/drawing/2017/decorative" xmlns="" val="1"/>
+                <adec:decorative xmlns:adec="http://schemas.microsoft.com/office/drawing/2017/decorative" val="1"/>
               </a:ext>
             </a:extLst>
           </p:cNvPr>
@@ -30000,25 +30106,18 @@
   <p:clrMapOvr>
     <a:masterClrMapping/>
   </p:clrMapOvr>
-  <mc:AlternateContent xmlns:mc="http://schemas.openxmlformats.org/markup-compatibility/2006">
-    <mc:Choice xmlns:p159="http://schemas.microsoft.com/office/powerpoint/2015/09/main" Requires="p159">
+  <mc:AlternateContent xmlns:mc="http://schemas.openxmlformats.org/markup-compatibility/2006" xmlns:p159="http://schemas.microsoft.com/office/powerpoint/2015/09/main">
+    <mc:Choice Requires="p159">
       <p:transition xmlns:p14="http://schemas.microsoft.com/office/powerpoint/2010/main" spd="slow" p14:dur="2000" advTm="8478">
         <p159:morph option="byObject"/>
       </p:transition>
     </mc:Choice>
-    <mc:Fallback>
+    <mc:Fallback xmlns="">
       <p:transition spd="slow" advTm="8478">
         <p:fade/>
       </p:transition>
     </mc:Fallback>
   </mc:AlternateContent>
-  <p:timing>
-    <p:tnLst>
-      <p:par>
-        <p:cTn id="1" dur="indefinite" restart="never" nodeType="tmRoot"/>
-      </p:par>
-    </p:tnLst>
-  </p:timing>
 </p:sld>
 </file>
 
@@ -30055,7 +30154,7 @@
                 <a16:creationId xmlns:a16="http://schemas.microsoft.com/office/drawing/2014/main" id="{FBE20309-1FB9-4818-BAFA-9C4C0534178B}"/>
               </a:ext>
               <a:ext uri="{C183D7F6-B498-43B3-948B-1728B52AA6E4}">
-                <adec:decorative xmlns:adec="http://schemas.microsoft.com/office/drawing/2017/decorative" xmlns="" val="1"/>
+                <adec:decorative xmlns:adec="http://schemas.microsoft.com/office/drawing/2017/decorative" val="1"/>
               </a:ext>
             </a:extLst>
           </p:cNvPr>
@@ -30115,7 +30214,7 @@
                 <a16:creationId xmlns:a16="http://schemas.microsoft.com/office/drawing/2014/main" id="{FBD77573-9EF2-4C35-8285-A1CF6FBB0EA5}"/>
               </a:ext>
               <a:ext uri="{C183D7F6-B498-43B3-948B-1728B52AA6E4}">
-                <adec:decorative xmlns:adec="http://schemas.microsoft.com/office/drawing/2017/decorative" xmlns="" val="1"/>
+                <adec:decorative xmlns:adec="http://schemas.microsoft.com/office/drawing/2017/decorative" val="1"/>
               </a:ext>
             </a:extLst>
           </p:cNvPr>
@@ -31143,25 +31242,18 @@
   <p:clrMapOvr>
     <a:masterClrMapping/>
   </p:clrMapOvr>
-  <mc:AlternateContent xmlns:mc="http://schemas.openxmlformats.org/markup-compatibility/2006">
-    <mc:Choice xmlns:p159="http://schemas.microsoft.com/office/powerpoint/2015/09/main" Requires="p159">
+  <mc:AlternateContent xmlns:mc="http://schemas.openxmlformats.org/markup-compatibility/2006" xmlns:p159="http://schemas.microsoft.com/office/powerpoint/2015/09/main">
+    <mc:Choice Requires="p159">
       <p:transition xmlns:p14="http://schemas.microsoft.com/office/powerpoint/2010/main" spd="slow" p14:dur="2000" advTm="21589">
         <p159:morph option="byObject"/>
       </p:transition>
     </mc:Choice>
-    <mc:Fallback>
+    <mc:Fallback xmlns="">
       <p:transition spd="slow" advTm="21589">
         <p:fade/>
       </p:transition>
     </mc:Fallback>
   </mc:AlternateContent>
-  <p:timing>
-    <p:tnLst>
-      <p:par>
-        <p:cTn id="1" dur="indefinite" restart="never" nodeType="tmRoot"/>
-      </p:par>
-    </p:tnLst>
-  </p:timing>
 </p:sld>
 </file>
 
@@ -31198,7 +31290,7 @@
                 <a16:creationId xmlns:a16="http://schemas.microsoft.com/office/drawing/2014/main" id="{B20EED73-1494-4E89-869B-E501A02B2408}"/>
               </a:ext>
               <a:ext uri="{C183D7F6-B498-43B3-948B-1728B52AA6E4}">
-                <adec:decorative xmlns:adec="http://schemas.microsoft.com/office/drawing/2017/decorative" xmlns="" val="1"/>
+                <adec:decorative xmlns:adec="http://schemas.microsoft.com/office/drawing/2017/decorative" val="1"/>
               </a:ext>
             </a:extLst>
           </p:cNvPr>
@@ -31258,7 +31350,7 @@
                 <a16:creationId xmlns:a16="http://schemas.microsoft.com/office/drawing/2014/main" id="{E9D7A3A2-205A-4FD7-89D2-24FA8A54EA12}"/>
               </a:ext>
               <a:ext uri="{C183D7F6-B498-43B3-948B-1728B52AA6E4}">
-                <adec:decorative xmlns:adec="http://schemas.microsoft.com/office/drawing/2017/decorative" xmlns="" val="1"/>
+                <adec:decorative xmlns:adec="http://schemas.microsoft.com/office/drawing/2017/decorative" val="1"/>
               </a:ext>
             </a:extLst>
           </p:cNvPr>
@@ -32051,7 +32143,7 @@
                 <a16:creationId xmlns:a16="http://schemas.microsoft.com/office/drawing/2014/main" id="{C6BFDF0B-6325-416D-926F-7141006DDBD0}"/>
               </a:ext>
               <a:ext uri="{C183D7F6-B498-43B3-948B-1728B52AA6E4}">
-                <adec:decorative xmlns:adec="http://schemas.microsoft.com/office/drawing/2017/decorative" xmlns="" val="1"/>
+                <adec:decorative xmlns:adec="http://schemas.microsoft.com/office/drawing/2017/decorative" val="1"/>
               </a:ext>
             </a:extLst>
           </p:cNvPr>
@@ -32440,25 +32532,18 @@
   <p:clrMapOvr>
     <a:masterClrMapping/>
   </p:clrMapOvr>
-  <mc:AlternateContent xmlns:mc="http://schemas.openxmlformats.org/markup-compatibility/2006">
-    <mc:Choice xmlns:p159="http://schemas.microsoft.com/office/powerpoint/2015/09/main" Requires="p159">
+  <mc:AlternateContent xmlns:mc="http://schemas.openxmlformats.org/markup-compatibility/2006" xmlns:p159="http://schemas.microsoft.com/office/powerpoint/2015/09/main">
+    <mc:Choice Requires="p159">
       <p:transition xmlns:p14="http://schemas.microsoft.com/office/powerpoint/2010/main" spd="slow" p14:dur="2000" advTm="14704">
         <p159:morph option="byObject"/>
       </p:transition>
     </mc:Choice>
-    <mc:Fallback>
+    <mc:Fallback xmlns="">
       <p:transition spd="slow" advTm="14704">
         <p:fade/>
       </p:transition>
     </mc:Fallback>
   </mc:AlternateContent>
-  <p:timing>
-    <p:tnLst>
-      <p:par>
-        <p:cTn id="1" dur="indefinite" restart="never" nodeType="tmRoot"/>
-      </p:par>
-    </p:tnLst>
-  </p:timing>
 </p:sld>
 </file>
 
@@ -32529,25 +32614,18 @@
   <p:clrMapOvr>
     <a:overrideClrMapping bg1="dk1" tx1="lt1" bg2="dk2" tx2="lt2" accent1="accent1" accent2="accent2" accent3="accent3" accent4="accent4" accent5="accent5" accent6="accent6" hlink="hlink" folHlink="folHlink"/>
   </p:clrMapOvr>
-  <mc:AlternateContent xmlns:mc="http://schemas.openxmlformats.org/markup-compatibility/2006">
-    <mc:Choice xmlns:p159="http://schemas.microsoft.com/office/powerpoint/2015/09/main" Requires="p159">
+  <mc:AlternateContent xmlns:mc="http://schemas.openxmlformats.org/markup-compatibility/2006" xmlns:p159="http://schemas.microsoft.com/office/powerpoint/2015/09/main">
+    <mc:Choice Requires="p159">
       <p:transition xmlns:p14="http://schemas.microsoft.com/office/powerpoint/2010/main" spd="slow" p14:dur="2000" advTm="14386">
         <p159:morph option="byObject"/>
       </p:transition>
     </mc:Choice>
-    <mc:Fallback>
+    <mc:Fallback xmlns="">
       <p:transition spd="slow" advTm="14386">
         <p:fade/>
       </p:transition>
     </mc:Fallback>
   </mc:AlternateContent>
-  <p:timing>
-    <p:tnLst>
-      <p:par>
-        <p:cTn id="1" dur="indefinite" restart="never" nodeType="tmRoot"/>
-      </p:par>
-    </p:tnLst>
-  </p:timing>
 </p:sld>
 </file>
 
@@ -32584,7 +32662,7 @@
                 <a16:creationId xmlns:a16="http://schemas.microsoft.com/office/drawing/2014/main" id="{68717E5B-2C1D-4094-9D25-6FF6FBD92379}"/>
               </a:ext>
               <a:ext uri="{C183D7F6-B498-43B3-948B-1728B52AA6E4}">
-                <adec:decorative xmlns:adec="http://schemas.microsoft.com/office/drawing/2017/decorative" xmlns="" val="1"/>
+                <adec:decorative xmlns:adec="http://schemas.microsoft.com/office/drawing/2017/decorative" val="1"/>
               </a:ext>
             </a:extLst>
           </p:cNvPr>
@@ -32644,7 +32722,7 @@
                 <a16:creationId xmlns:a16="http://schemas.microsoft.com/office/drawing/2014/main" id="{6B6E033A-DB2E-49B8-B600-B38E0C280263}"/>
               </a:ext>
               <a:ext uri="{C183D7F6-B498-43B3-948B-1728B52AA6E4}">
-                <adec:decorative xmlns:adec="http://schemas.microsoft.com/office/drawing/2017/decorative" xmlns="" val="1"/>
+                <adec:decorative xmlns:adec="http://schemas.microsoft.com/office/drawing/2017/decorative" val="1"/>
               </a:ext>
             </a:extLst>
           </p:cNvPr>
@@ -35185,25 +35263,18 @@
   <p:clrMapOvr>
     <a:masterClrMapping/>
   </p:clrMapOvr>
-  <mc:AlternateContent xmlns:mc="http://schemas.openxmlformats.org/markup-compatibility/2006">
-    <mc:Choice xmlns:p159="http://schemas.microsoft.com/office/powerpoint/2015/09/main" Requires="p159">
+  <mc:AlternateContent xmlns:mc="http://schemas.openxmlformats.org/markup-compatibility/2006" xmlns:p159="http://schemas.microsoft.com/office/powerpoint/2015/09/main">
+    <mc:Choice Requires="p159">
       <p:transition xmlns:p14="http://schemas.microsoft.com/office/powerpoint/2010/main" spd="slow" p14:dur="2000" advTm="44437">
         <p159:morph option="byObject"/>
       </p:transition>
     </mc:Choice>
-    <mc:Fallback>
+    <mc:Fallback xmlns="">
       <p:transition spd="slow" advTm="44437">
         <p:fade/>
       </p:transition>
     </mc:Fallback>
   </mc:AlternateContent>
-  <p:timing>
-    <p:tnLst>
-      <p:par>
-        <p:cTn id="1" dur="indefinite" restart="never" nodeType="tmRoot"/>
-      </p:par>
-    </p:tnLst>
-  </p:timing>
 </p:sld>
 </file>
 
@@ -35240,7 +35311,7 @@
                 <a16:creationId xmlns:a16="http://schemas.microsoft.com/office/drawing/2014/main" id="{0E3596DD-156A-473E-9BB3-C6A29F7574E9}"/>
               </a:ext>
               <a:ext uri="{C183D7F6-B498-43B3-948B-1728B52AA6E4}">
-                <adec:decorative xmlns:adec="http://schemas.microsoft.com/office/drawing/2017/decorative" xmlns="" val="1"/>
+                <adec:decorative xmlns:adec="http://schemas.microsoft.com/office/drawing/2017/decorative" val="1"/>
               </a:ext>
             </a:extLst>
           </p:cNvPr>
@@ -35300,7 +35371,7 @@
                 <a16:creationId xmlns:a16="http://schemas.microsoft.com/office/drawing/2014/main" id="{2C46C4D6-C474-4E92-B52E-944C1118F7B6}"/>
               </a:ext>
               <a:ext uri="{C183D7F6-B498-43B3-948B-1728B52AA6E4}">
-                <adec:decorative xmlns:adec="http://schemas.microsoft.com/office/drawing/2017/decorative" xmlns="" val="1"/>
+                <adec:decorative xmlns:adec="http://schemas.microsoft.com/office/drawing/2017/decorative" val="1"/>
               </a:ext>
             </a:extLst>
           </p:cNvPr>
@@ -36416,25 +36487,18 @@
   <p:clrMapOvr>
     <a:masterClrMapping/>
   </p:clrMapOvr>
-  <mc:AlternateContent xmlns:mc="http://schemas.openxmlformats.org/markup-compatibility/2006">
-    <mc:Choice xmlns:p159="http://schemas.microsoft.com/office/powerpoint/2015/09/main" Requires="p159">
+  <mc:AlternateContent xmlns:mc="http://schemas.openxmlformats.org/markup-compatibility/2006" xmlns:p159="http://schemas.microsoft.com/office/powerpoint/2015/09/main">
+    <mc:Choice Requires="p159">
       <p:transition xmlns:p14="http://schemas.microsoft.com/office/powerpoint/2010/main" spd="slow" p14:dur="2000" advTm="14116">
         <p159:morph option="byObject"/>
       </p:transition>
     </mc:Choice>
-    <mc:Fallback>
+    <mc:Fallback xmlns="">
       <p:transition spd="slow" advTm="14116">
         <p:fade/>
       </p:transition>
     </mc:Fallback>
   </mc:AlternateContent>
-  <p:timing>
-    <p:tnLst>
-      <p:par>
-        <p:cTn id="1" dur="indefinite" restart="never" nodeType="tmRoot"/>
-      </p:par>
-    </p:tnLst>
-  </p:timing>
 </p:sld>
 </file>
 
@@ -36471,7 +36535,7 @@
                 <a16:creationId xmlns:a16="http://schemas.microsoft.com/office/drawing/2014/main" id="{FBE20309-1FB9-4818-BAFA-9C4C0534178B}"/>
               </a:ext>
               <a:ext uri="{C183D7F6-B498-43B3-948B-1728B52AA6E4}">
-                <adec:decorative xmlns:adec="http://schemas.microsoft.com/office/drawing/2017/decorative" xmlns="" val="1"/>
+                <adec:decorative xmlns:adec="http://schemas.microsoft.com/office/drawing/2017/decorative" val="1"/>
               </a:ext>
             </a:extLst>
           </p:cNvPr>
@@ -36531,7 +36595,7 @@
                 <a16:creationId xmlns:a16="http://schemas.microsoft.com/office/drawing/2014/main" id="{FBD77573-9EF2-4C35-8285-A1CF6FBB0EA5}"/>
               </a:ext>
               <a:ext uri="{C183D7F6-B498-43B3-948B-1728B52AA6E4}">
-                <adec:decorative xmlns:adec="http://schemas.microsoft.com/office/drawing/2017/decorative" xmlns="" val="1"/>
+                <adec:decorative xmlns:adec="http://schemas.microsoft.com/office/drawing/2017/decorative" val="1"/>
               </a:ext>
             </a:extLst>
           </p:cNvPr>
@@ -37588,25 +37652,18 @@
   <p:clrMapOvr>
     <a:masterClrMapping/>
   </p:clrMapOvr>
-  <mc:AlternateContent xmlns:mc="http://schemas.openxmlformats.org/markup-compatibility/2006">
-    <mc:Choice xmlns:p159="http://schemas.microsoft.com/office/powerpoint/2015/09/main" Requires="p159">
+  <mc:AlternateContent xmlns:mc="http://schemas.openxmlformats.org/markup-compatibility/2006" xmlns:p159="http://schemas.microsoft.com/office/powerpoint/2015/09/main">
+    <mc:Choice Requires="p159">
       <p:transition xmlns:p14="http://schemas.microsoft.com/office/powerpoint/2010/main" spd="slow" p14:dur="2000" advTm="18578">
         <p159:morph option="byObject"/>
       </p:transition>
     </mc:Choice>
-    <mc:Fallback>
+    <mc:Fallback xmlns="">
       <p:transition spd="slow" advTm="18578">
         <p:fade/>
       </p:transition>
     </mc:Fallback>
   </mc:AlternateContent>
-  <p:timing>
-    <p:tnLst>
-      <p:par>
-        <p:cTn id="1" dur="indefinite" restart="never" nodeType="tmRoot"/>
-      </p:par>
-    </p:tnLst>
-  </p:timing>
 </p:sld>
 </file>
 
